--- a/Proposta/ApresentacaoProposta.pptx
+++ b/Proposta/ApresentacaoProposta.pptx
@@ -2,7 +2,7 @@
 <file path=ppt/presentation.xml><?xml version="1.0" encoding="utf-8"?>
 <p:presentation xmlns:a="http://schemas.openxmlformats.org/drawingml/2006/main" xmlns:r="http://schemas.openxmlformats.org/officeDocument/2006/relationships" xmlns:p="http://schemas.openxmlformats.org/presentationml/2006/main" saveSubsetFonts="1">
   <p:sldMasterIdLst>
-    <p:sldMasterId id="2147483648" r:id="rId1"/>
+    <p:sldMasterId id="2147483660" r:id="rId1"/>
   </p:sldMasterIdLst>
   <p:sldIdLst>
     <p:sldId id="256" r:id="rId2"/>
@@ -133,7 +133,7 @@
       </p:grpSpPr>
       <p:sp>
         <p:nvSpPr>
-          <p:cNvPr id="2" name="Título 1"/>
+          <p:cNvPr id="8" name="Título 7"/>
           <p:cNvSpPr>
             <a:spLocks noGrp="1"/>
           </p:cNvSpPr>
@@ -143,25 +143,139 @@
         </p:nvSpPr>
         <p:spPr>
           <a:xfrm>
-            <a:off x="685800" y="2130425"/>
-            <a:ext cx="7772400" cy="1470025"/>
+            <a:off x="422030" y="1371600"/>
+            <a:ext cx="8229600" cy="1828800"/>
           </a:xfrm>
         </p:spPr>
         <p:txBody>
-          <a:bodyPr/>
-          <a:lstStyle/>
-          <a:p>
-            <a:r>
-              <a:rPr lang="pt-BR" smtClean="0"/>
+          <a:bodyPr vert="horz" lIns="45720" tIns="0" rIns="45720" bIns="0" anchor="b">
+            <a:normAutofit/>
+            <a:scene3d>
+              <a:camera prst="orthographicFront"/>
+              <a:lightRig rig="soft" dir="t">
+                <a:rot lat="0" lon="0" rev="17220000"/>
+              </a:lightRig>
+            </a:scene3d>
+            <a:sp3d prstMaterial="softEdge">
+              <a:bevelT w="38100" h="38100"/>
+            </a:sp3d>
+          </a:bodyPr>
+          <a:lstStyle>
+            <a:lvl1pPr>
+              <a:defRPr sz="4800" b="1" cap="all" baseline="0">
+                <a:ln w="6350">
+                  <a:noFill/>
+                </a:ln>
+                <a:gradFill>
+                  <a:gsLst>
+                    <a:gs pos="0">
+                      <a:schemeClr val="accent1">
+                        <a:tint val="73000"/>
+                        <a:satMod val="145000"/>
+                      </a:schemeClr>
+                    </a:gs>
+                    <a:gs pos="73000">
+                      <a:schemeClr val="accent1">
+                        <a:tint val="73000"/>
+                        <a:satMod val="145000"/>
+                      </a:schemeClr>
+                    </a:gs>
+                    <a:gs pos="100000">
+                      <a:schemeClr val="accent1">
+                        <a:tint val="83000"/>
+                        <a:satMod val="143000"/>
+                      </a:schemeClr>
+                    </a:gs>
+                  </a:gsLst>
+                  <a:lin ang="4800000" scaled="1"/>
+                </a:gradFill>
+                <a:effectLst>
+                  <a:outerShdw blurRad="127000" dist="200000" dir="2700000" algn="tl" rotWithShape="0">
+                    <a:srgbClr val="000000">
+                      <a:alpha val="30000"/>
+                    </a:srgbClr>
+                  </a:outerShdw>
+                </a:effectLst>
+              </a:defRPr>
+            </a:lvl1pPr>
+          </a:lstStyle>
+          <a:p>
+            <a:r>
+              <a:rPr kumimoji="0" lang="pt-BR" smtClean="0"/>
               <a:t>Clique para editar o título mestre</a:t>
             </a:r>
+            <a:endParaRPr kumimoji="0" lang="en-US"/>
+          </a:p>
+        </p:txBody>
+      </p:sp>
+      <p:sp>
+        <p:nvSpPr>
+          <p:cNvPr id="28" name="Espaço Reservado para Data 27"/>
+          <p:cNvSpPr>
+            <a:spLocks noGrp="1"/>
+          </p:cNvSpPr>
+          <p:nvPr>
+            <p:ph type="dt" sz="half" idx="10"/>
+          </p:nvPr>
+        </p:nvSpPr>
+        <p:spPr/>
+        <p:txBody>
+          <a:bodyPr/>
+          <a:lstStyle/>
+          <a:p>
+            <a:fld id="{73948A2C-A351-44A5-9543-EA3B6BD94DE1}" type="datetimeFigureOut">
+              <a:rPr lang="pt-BR" smtClean="0"/>
+              <a:t>17/03/2013</a:t>
+            </a:fld>
             <a:endParaRPr lang="pt-BR"/>
           </a:p>
         </p:txBody>
       </p:sp>
       <p:sp>
         <p:nvSpPr>
-          <p:cNvPr id="3" name="Subtítulo 2"/>
+          <p:cNvPr id="17" name="Espaço Reservado para Rodapé 16"/>
+          <p:cNvSpPr>
+            <a:spLocks noGrp="1"/>
+          </p:cNvSpPr>
+          <p:nvPr>
+            <p:ph type="ftr" sz="quarter" idx="11"/>
+          </p:nvPr>
+        </p:nvSpPr>
+        <p:spPr/>
+        <p:txBody>
+          <a:bodyPr/>
+          <a:lstStyle/>
+          <a:p>
+            <a:endParaRPr lang="pt-BR"/>
+          </a:p>
+        </p:txBody>
+      </p:sp>
+      <p:sp>
+        <p:nvSpPr>
+          <p:cNvPr id="29" name="Espaço Reservado para Número de Slide 28"/>
+          <p:cNvSpPr>
+            <a:spLocks noGrp="1"/>
+          </p:cNvSpPr>
+          <p:nvPr>
+            <p:ph type="sldNum" sz="quarter" idx="12"/>
+          </p:nvPr>
+        </p:nvSpPr>
+        <p:spPr/>
+        <p:txBody>
+          <a:bodyPr/>
+          <a:lstStyle/>
+          <a:p>
+            <a:fld id="{193FF5D9-4674-4F21-ABEA-BCF3C230FAB2}" type="slidenum">
+              <a:rPr lang="pt-BR" smtClean="0"/>
+              <a:t>‹nº›</a:t>
+            </a:fld>
+            <a:endParaRPr lang="pt-BR"/>
+          </a:p>
+        </p:txBody>
+      </p:sp>
+      <p:sp>
+        <p:nvSpPr>
+          <p:cNvPr id="9" name="Subtítulo 8"/>
           <p:cNvSpPr>
             <a:spLocks noGrp="1"/>
           </p:cNvSpPr>
@@ -171,7 +285,7 @@
         </p:nvSpPr>
         <p:spPr>
           <a:xfrm>
-            <a:off x="1371600" y="3886200"/>
+            <a:off x="1371600" y="3331698"/>
             <a:ext cx="6400800" cy="1752600"/>
           </a:xfrm>
         </p:spPr>
@@ -182,173 +296,45 @@
               <a:buNone/>
               <a:defRPr>
                 <a:solidFill>
-                  <a:schemeClr val="tx1">
-                    <a:tint val="75000"/>
-                  </a:schemeClr>
+                  <a:schemeClr val="tx1"/>
                 </a:solidFill>
               </a:defRPr>
             </a:lvl1pPr>
             <a:lvl2pPr marL="457200" indent="0" algn="ctr">
               <a:buNone/>
-              <a:defRPr>
-                <a:solidFill>
-                  <a:schemeClr val="tx1">
-                    <a:tint val="75000"/>
-                  </a:schemeClr>
-                </a:solidFill>
-              </a:defRPr>
             </a:lvl2pPr>
             <a:lvl3pPr marL="914400" indent="0" algn="ctr">
               <a:buNone/>
-              <a:defRPr>
-                <a:solidFill>
-                  <a:schemeClr val="tx1">
-                    <a:tint val="75000"/>
-                  </a:schemeClr>
-                </a:solidFill>
-              </a:defRPr>
             </a:lvl3pPr>
             <a:lvl4pPr marL="1371600" indent="0" algn="ctr">
               <a:buNone/>
-              <a:defRPr>
-                <a:solidFill>
-                  <a:schemeClr val="tx1">
-                    <a:tint val="75000"/>
-                  </a:schemeClr>
-                </a:solidFill>
-              </a:defRPr>
             </a:lvl4pPr>
             <a:lvl5pPr marL="1828800" indent="0" algn="ctr">
               <a:buNone/>
-              <a:defRPr>
-                <a:solidFill>
-                  <a:schemeClr val="tx1">
-                    <a:tint val="75000"/>
-                  </a:schemeClr>
-                </a:solidFill>
-              </a:defRPr>
             </a:lvl5pPr>
             <a:lvl6pPr marL="2286000" indent="0" algn="ctr">
               <a:buNone/>
-              <a:defRPr>
-                <a:solidFill>
-                  <a:schemeClr val="tx1">
-                    <a:tint val="75000"/>
-                  </a:schemeClr>
-                </a:solidFill>
-              </a:defRPr>
             </a:lvl6pPr>
             <a:lvl7pPr marL="2743200" indent="0" algn="ctr">
               <a:buNone/>
-              <a:defRPr>
-                <a:solidFill>
-                  <a:schemeClr val="tx1">
-                    <a:tint val="75000"/>
-                  </a:schemeClr>
-                </a:solidFill>
-              </a:defRPr>
             </a:lvl7pPr>
             <a:lvl8pPr marL="3200400" indent="0" algn="ctr">
               <a:buNone/>
-              <a:defRPr>
-                <a:solidFill>
-                  <a:schemeClr val="tx1">
-                    <a:tint val="75000"/>
-                  </a:schemeClr>
-                </a:solidFill>
-              </a:defRPr>
             </a:lvl8pPr>
             <a:lvl9pPr marL="3657600" indent="0" algn="ctr">
               <a:buNone/>
-              <a:defRPr>
-                <a:solidFill>
-                  <a:schemeClr val="tx1">
-                    <a:tint val="75000"/>
-                  </a:schemeClr>
-                </a:solidFill>
-              </a:defRPr>
             </a:lvl9pPr>
           </a:lstStyle>
           <a:p>
             <a:r>
-              <a:rPr lang="pt-BR" smtClean="0"/>
+              <a:rPr kumimoji="0" lang="pt-BR" smtClean="0"/>
               <a:t>Clique para editar o estilo do subtítulo mestre</a:t>
             </a:r>
-            <a:endParaRPr lang="pt-BR"/>
-          </a:p>
-        </p:txBody>
-      </p:sp>
-      <p:sp>
-        <p:nvSpPr>
-          <p:cNvPr id="4" name="Espaço Reservado para Data 3"/>
-          <p:cNvSpPr>
-            <a:spLocks noGrp="1"/>
-          </p:cNvSpPr>
-          <p:nvPr>
-            <p:ph type="dt" sz="half" idx="10"/>
-          </p:nvPr>
-        </p:nvSpPr>
-        <p:spPr/>
-        <p:txBody>
-          <a:bodyPr/>
-          <a:lstStyle/>
-          <a:p>
-            <a:fld id="{73948A2C-A351-44A5-9543-EA3B6BD94DE1}" type="datetimeFigureOut">
-              <a:rPr lang="pt-BR" smtClean="0"/>
-              <a:t>26/02/2013</a:t>
-            </a:fld>
-            <a:endParaRPr lang="pt-BR"/>
-          </a:p>
-        </p:txBody>
-      </p:sp>
-      <p:sp>
-        <p:nvSpPr>
-          <p:cNvPr id="5" name="Espaço Reservado para Rodapé 4"/>
-          <p:cNvSpPr>
-            <a:spLocks noGrp="1"/>
-          </p:cNvSpPr>
-          <p:nvPr>
-            <p:ph type="ftr" sz="quarter" idx="11"/>
-          </p:nvPr>
-        </p:nvSpPr>
-        <p:spPr/>
-        <p:txBody>
-          <a:bodyPr/>
-          <a:lstStyle/>
-          <a:p>
-            <a:endParaRPr lang="pt-BR"/>
-          </a:p>
-        </p:txBody>
-      </p:sp>
-      <p:sp>
-        <p:nvSpPr>
-          <p:cNvPr id="6" name="Espaço Reservado para Número de Slide 5"/>
-          <p:cNvSpPr>
-            <a:spLocks noGrp="1"/>
-          </p:cNvSpPr>
-          <p:nvPr>
-            <p:ph type="sldNum" sz="quarter" idx="12"/>
-          </p:nvPr>
-        </p:nvSpPr>
-        <p:spPr/>
-        <p:txBody>
-          <a:bodyPr/>
-          <a:lstStyle/>
-          <a:p>
-            <a:fld id="{193FF5D9-4674-4F21-ABEA-BCF3C230FAB2}" type="slidenum">
-              <a:rPr lang="pt-BR" smtClean="0"/>
-              <a:t>‹nº›</a:t>
-            </a:fld>
-            <a:endParaRPr lang="pt-BR"/>
+            <a:endParaRPr kumimoji="0" lang="en-US"/>
           </a:p>
         </p:txBody>
       </p:sp>
     </p:spTree>
-    <p:extLst>
-      <p:ext uri="{BB962C8B-B14F-4D97-AF65-F5344CB8AC3E}">
-        <p14:creationId xmlns:p14="http://schemas.microsoft.com/office/powerpoint/2010/main" val="2020369639"/>
-      </p:ext>
-    </p:extLst>
   </p:cSld>
   <p:clrMapOvr>
     <a:masterClrMapping/>
@@ -389,10 +375,10 @@
           <a:lstStyle/>
           <a:p>
             <a:r>
-              <a:rPr lang="pt-BR" smtClean="0"/>
+              <a:rPr kumimoji="0" lang="pt-BR" smtClean="0"/>
               <a:t>Clique para editar o título mestre</a:t>
             </a:r>
-            <a:endParaRPr lang="pt-BR"/>
+            <a:endParaRPr kumimoji="0" lang="en-US"/>
           </a:p>
         </p:txBody>
       </p:sp>
@@ -411,40 +397,40 @@
           <a:bodyPr vert="eaVert"/>
           <a:lstStyle/>
           <a:p>
-            <a:pPr lvl="0"/>
+            <a:pPr lvl="0" eaLnBrk="1" latinLnBrk="0" hangingPunct="1"/>
             <a:r>
               <a:rPr lang="pt-BR" smtClean="0"/>
               <a:t>Clique para editar o texto mestre</a:t>
             </a:r>
           </a:p>
           <a:p>
-            <a:pPr lvl="1"/>
+            <a:pPr lvl="1" eaLnBrk="1" latinLnBrk="0" hangingPunct="1"/>
             <a:r>
               <a:rPr lang="pt-BR" smtClean="0"/>
               <a:t>Segundo nível</a:t>
             </a:r>
           </a:p>
           <a:p>
-            <a:pPr lvl="2"/>
+            <a:pPr lvl="2" eaLnBrk="1" latinLnBrk="0" hangingPunct="1"/>
             <a:r>
               <a:rPr lang="pt-BR" smtClean="0"/>
               <a:t>Terceiro nível</a:t>
             </a:r>
           </a:p>
           <a:p>
-            <a:pPr lvl="3"/>
+            <a:pPr lvl="3" eaLnBrk="1" latinLnBrk="0" hangingPunct="1"/>
             <a:r>
               <a:rPr lang="pt-BR" smtClean="0"/>
               <a:t>Quarto nível</a:t>
             </a:r>
           </a:p>
           <a:p>
-            <a:pPr lvl="4"/>
+            <a:pPr lvl="4" eaLnBrk="1" latinLnBrk="0" hangingPunct="1"/>
             <a:r>
               <a:rPr lang="pt-BR" smtClean="0"/>
               <a:t>Quinto nível</a:t>
             </a:r>
-            <a:endParaRPr lang="pt-BR"/>
+            <a:endParaRPr kumimoji="0" lang="en-US"/>
           </a:p>
         </p:txBody>
       </p:sp>
@@ -465,7 +451,7 @@
           <a:p>
             <a:fld id="{73948A2C-A351-44A5-9543-EA3B6BD94DE1}" type="datetimeFigureOut">
               <a:rPr lang="pt-BR" smtClean="0"/>
-              <a:t>26/02/2013</a:t>
+              <a:t>17/03/2013</a:t>
             </a:fld>
             <a:endParaRPr lang="pt-BR"/>
           </a:p>
@@ -514,11 +500,6 @@
         </p:txBody>
       </p:sp>
     </p:spTree>
-    <p:extLst>
-      <p:ext uri="{BB962C8B-B14F-4D97-AF65-F5344CB8AC3E}">
-        <p14:creationId xmlns:p14="http://schemas.microsoft.com/office/powerpoint/2010/main" val="4044691060"/>
-      </p:ext>
-    </p:extLst>
   </p:cSld>
   <p:clrMapOvr>
     <a:masterClrMapping/>
@@ -564,10 +545,10 @@
           <a:lstStyle/>
           <a:p>
             <a:r>
-              <a:rPr lang="pt-BR" smtClean="0"/>
+              <a:rPr kumimoji="0" lang="pt-BR" smtClean="0"/>
               <a:t>Clique para editar o título mestre</a:t>
             </a:r>
-            <a:endParaRPr lang="pt-BR"/>
+            <a:endParaRPr kumimoji="0" lang="en-US"/>
           </a:p>
         </p:txBody>
       </p:sp>
@@ -591,40 +572,40 @@
           <a:bodyPr vert="eaVert"/>
           <a:lstStyle/>
           <a:p>
-            <a:pPr lvl="0"/>
+            <a:pPr lvl="0" eaLnBrk="1" latinLnBrk="0" hangingPunct="1"/>
             <a:r>
               <a:rPr lang="pt-BR" smtClean="0"/>
               <a:t>Clique para editar o texto mestre</a:t>
             </a:r>
           </a:p>
           <a:p>
-            <a:pPr lvl="1"/>
+            <a:pPr lvl="1" eaLnBrk="1" latinLnBrk="0" hangingPunct="1"/>
             <a:r>
               <a:rPr lang="pt-BR" smtClean="0"/>
               <a:t>Segundo nível</a:t>
             </a:r>
           </a:p>
           <a:p>
-            <a:pPr lvl="2"/>
+            <a:pPr lvl="2" eaLnBrk="1" latinLnBrk="0" hangingPunct="1"/>
             <a:r>
               <a:rPr lang="pt-BR" smtClean="0"/>
               <a:t>Terceiro nível</a:t>
             </a:r>
           </a:p>
           <a:p>
-            <a:pPr lvl="3"/>
+            <a:pPr lvl="3" eaLnBrk="1" latinLnBrk="0" hangingPunct="1"/>
             <a:r>
               <a:rPr lang="pt-BR" smtClean="0"/>
               <a:t>Quarto nível</a:t>
             </a:r>
           </a:p>
           <a:p>
-            <a:pPr lvl="4"/>
+            <a:pPr lvl="4" eaLnBrk="1" latinLnBrk="0" hangingPunct="1"/>
             <a:r>
               <a:rPr lang="pt-BR" smtClean="0"/>
               <a:t>Quinto nível</a:t>
             </a:r>
-            <a:endParaRPr lang="pt-BR"/>
+            <a:endParaRPr kumimoji="0" lang="en-US"/>
           </a:p>
         </p:txBody>
       </p:sp>
@@ -645,7 +626,7 @@
           <a:p>
             <a:fld id="{73948A2C-A351-44A5-9543-EA3B6BD94DE1}" type="datetimeFigureOut">
               <a:rPr lang="pt-BR" smtClean="0"/>
-              <a:t>26/02/2013</a:t>
+              <a:t>17/03/2013</a:t>
             </a:fld>
             <a:endParaRPr lang="pt-BR"/>
           </a:p>
@@ -694,11 +675,6 @@
         </p:txBody>
       </p:sp>
     </p:spTree>
-    <p:extLst>
-      <p:ext uri="{BB962C8B-B14F-4D97-AF65-F5344CB8AC3E}">
-        <p14:creationId xmlns:p14="http://schemas.microsoft.com/office/powerpoint/2010/main" val="1578271592"/>
-      </p:ext>
-    </p:extLst>
   </p:cSld>
   <p:clrMapOvr>
     <a:masterClrMapping/>
@@ -739,10 +715,10 @@
           <a:lstStyle/>
           <a:p>
             <a:r>
-              <a:rPr lang="pt-BR" smtClean="0"/>
+              <a:rPr kumimoji="0" lang="pt-BR" smtClean="0"/>
               <a:t>Clique para editar o título mestre</a:t>
             </a:r>
-            <a:endParaRPr lang="pt-BR"/>
+            <a:endParaRPr kumimoji="0" lang="en-US"/>
           </a:p>
         </p:txBody>
       </p:sp>
@@ -761,40 +737,40 @@
           <a:bodyPr/>
           <a:lstStyle/>
           <a:p>
-            <a:pPr lvl="0"/>
+            <a:pPr lvl="0" eaLnBrk="1" latinLnBrk="0" hangingPunct="1"/>
             <a:r>
               <a:rPr lang="pt-BR" smtClean="0"/>
               <a:t>Clique para editar o texto mestre</a:t>
             </a:r>
           </a:p>
           <a:p>
-            <a:pPr lvl="1"/>
+            <a:pPr lvl="1" eaLnBrk="1" latinLnBrk="0" hangingPunct="1"/>
             <a:r>
               <a:rPr lang="pt-BR" smtClean="0"/>
               <a:t>Segundo nível</a:t>
             </a:r>
           </a:p>
           <a:p>
-            <a:pPr lvl="2"/>
+            <a:pPr lvl="2" eaLnBrk="1" latinLnBrk="0" hangingPunct="1"/>
             <a:r>
               <a:rPr lang="pt-BR" smtClean="0"/>
               <a:t>Terceiro nível</a:t>
             </a:r>
           </a:p>
           <a:p>
-            <a:pPr lvl="3"/>
+            <a:pPr lvl="3" eaLnBrk="1" latinLnBrk="0" hangingPunct="1"/>
             <a:r>
               <a:rPr lang="pt-BR" smtClean="0"/>
               <a:t>Quarto nível</a:t>
             </a:r>
           </a:p>
           <a:p>
-            <a:pPr lvl="4"/>
+            <a:pPr lvl="4" eaLnBrk="1" latinLnBrk="0" hangingPunct="1"/>
             <a:r>
               <a:rPr lang="pt-BR" smtClean="0"/>
               <a:t>Quinto nível</a:t>
             </a:r>
-            <a:endParaRPr lang="pt-BR"/>
+            <a:endParaRPr kumimoji="0" lang="en-US"/>
           </a:p>
         </p:txBody>
       </p:sp>
@@ -815,7 +791,7 @@
           <a:p>
             <a:fld id="{73948A2C-A351-44A5-9543-EA3B6BD94DE1}" type="datetimeFigureOut">
               <a:rPr lang="pt-BR" smtClean="0"/>
-              <a:t>26/02/2013</a:t>
+              <a:t>17/03/2013</a:t>
             </a:fld>
             <a:endParaRPr lang="pt-BR"/>
           </a:p>
@@ -864,11 +840,6 @@
         </p:txBody>
       </p:sp>
     </p:spTree>
-    <p:extLst>
-      <p:ext uri="{BB962C8B-B14F-4D97-AF65-F5344CB8AC3E}">
-        <p14:creationId xmlns:p14="http://schemas.microsoft.com/office/powerpoint/2010/main" val="1246639051"/>
-      </p:ext>
-    </p:extLst>
   </p:cSld>
   <p:clrMapOvr>
     <a:masterClrMapping/>
@@ -879,6 +850,11 @@
 <file path=ppt/slideLayouts/slideLayout3.xml><?xml version="1.0" encoding="utf-8"?>
 <p:sldLayout xmlns:a="http://schemas.openxmlformats.org/drawingml/2006/main" xmlns:r="http://schemas.openxmlformats.org/officeDocument/2006/relationships" xmlns:p="http://schemas.openxmlformats.org/presentationml/2006/main" type="secHead" preserve="1">
   <p:cSld name="Cabeçalho da Seção">
+    <p:bg>
+      <p:bgRef idx="1003">
+        <a:schemeClr val="bg2"/>
+      </p:bgRef>
+    </p:bg>
     <p:spTree>
       <p:nvGrpSpPr>
         <p:cNvPr id="1" name=""/>
@@ -905,56 +881,94 @@
         </p:nvSpPr>
         <p:spPr>
           <a:xfrm>
-            <a:off x="722313" y="4406900"/>
-            <a:ext cx="7772400" cy="1362075"/>
+            <a:off x="1600200" y="609600"/>
+            <a:ext cx="7086600" cy="1828800"/>
           </a:xfrm>
         </p:spPr>
         <p:txBody>
+          <a:bodyPr vert="horz" bIns="0" anchor="b">
+            <a:noAutofit/>
+            <a:scene3d>
+              <a:camera prst="orthographicFront"/>
+              <a:lightRig rig="soft" dir="t">
+                <a:rot lat="0" lon="0" rev="17220000"/>
+              </a:lightRig>
+            </a:scene3d>
+            <a:sp3d prstMaterial="softEdge">
+              <a:bevelT w="38100" h="38100"/>
+              <a:contourClr>
+                <a:schemeClr val="tx2">
+                  <a:shade val="50000"/>
+                </a:schemeClr>
+              </a:contourClr>
+            </a:sp3d>
+          </a:bodyPr>
+          <a:lstStyle>
+            <a:lvl1pPr algn="l" rtl="0">
+              <a:spcBef>
+                <a:spcPct val="0"/>
+              </a:spcBef>
+              <a:buNone/>
+              <a:defRPr sz="4800" b="1" cap="none" baseline="0">
+                <a:ln w="6350">
+                  <a:noFill/>
+                </a:ln>
+                <a:solidFill>
+                  <a:schemeClr val="accent1">
+                    <a:tint val="90000"/>
+                    <a:satMod val="120000"/>
+                  </a:schemeClr>
+                </a:solidFill>
+                <a:effectLst>
+                  <a:outerShdw blurRad="114300" dist="101600" dir="2700000" algn="tl" rotWithShape="0">
+                    <a:srgbClr val="000000">
+                      <a:alpha val="40000"/>
+                    </a:srgbClr>
+                  </a:outerShdw>
+                </a:effectLst>
+                <a:latin typeface="+mj-lt"/>
+                <a:ea typeface="+mj-ea"/>
+                <a:cs typeface="+mj-cs"/>
+              </a:defRPr>
+            </a:lvl1pPr>
+          </a:lstStyle>
+          <a:p>
+            <a:r>
+              <a:rPr kumimoji="0" lang="pt-BR" smtClean="0"/>
+              <a:t>Clique para editar o título mestre</a:t>
+            </a:r>
+            <a:endParaRPr kumimoji="0" lang="en-US"/>
+          </a:p>
+        </p:txBody>
+      </p:sp>
+      <p:sp>
+        <p:nvSpPr>
+          <p:cNvPr id="3" name="Espaço Reservado para Texto 2"/>
+          <p:cNvSpPr>
+            <a:spLocks noGrp="1"/>
+          </p:cNvSpPr>
+          <p:nvPr>
+            <p:ph type="body" idx="1"/>
+          </p:nvPr>
+        </p:nvSpPr>
+        <p:spPr>
+          <a:xfrm>
+            <a:off x="1600200" y="2507786"/>
+            <a:ext cx="7086600" cy="1509712"/>
+          </a:xfrm>
+        </p:spPr>
+        <p:txBody>
           <a:bodyPr anchor="t"/>
           <a:lstStyle>
-            <a:lvl1pPr algn="l">
-              <a:defRPr sz="4000" b="1" cap="all"/>
-            </a:lvl1pPr>
-          </a:lstStyle>
-          <a:p>
-            <a:r>
-              <a:rPr lang="pt-BR" smtClean="0"/>
-              <a:t>Clique para editar o título mestre</a:t>
-            </a:r>
-            <a:endParaRPr lang="pt-BR"/>
-          </a:p>
-        </p:txBody>
-      </p:sp>
-      <p:sp>
-        <p:nvSpPr>
-          <p:cNvPr id="3" name="Espaço Reservado para Texto 2"/>
-          <p:cNvSpPr>
-            <a:spLocks noGrp="1"/>
-          </p:cNvSpPr>
-          <p:nvPr>
-            <p:ph type="body" idx="1"/>
-          </p:nvPr>
-        </p:nvSpPr>
-        <p:spPr>
-          <a:xfrm>
-            <a:off x="722313" y="2906713"/>
-            <a:ext cx="7772400" cy="1500187"/>
-          </a:xfrm>
-        </p:spPr>
-        <p:txBody>
-          <a:bodyPr anchor="b"/>
-          <a:lstStyle>
-            <a:lvl1pPr marL="0" indent="0">
+            <a:lvl1pPr marL="73152" indent="0" algn="l">
               <a:buNone/>
               <a:defRPr sz="2000">
                 <a:solidFill>
-                  <a:schemeClr val="tx1">
-                    <a:tint val="75000"/>
-                  </a:schemeClr>
+                  <a:schemeClr val="tx1"/>
                 </a:solidFill>
               </a:defRPr>
             </a:lvl1pPr>
-            <a:lvl2pPr marL="457200" indent="0">
+            <a:lvl2pPr>
               <a:buNone/>
               <a:defRPr sz="1800">
                 <a:solidFill>
@@ -964,7 +978,7 @@
                 </a:solidFill>
               </a:defRPr>
             </a:lvl2pPr>
-            <a:lvl3pPr marL="914400" indent="0">
+            <a:lvl3pPr>
               <a:buNone/>
               <a:defRPr sz="1600">
                 <a:solidFill>
@@ -974,7 +988,7 @@
                 </a:solidFill>
               </a:defRPr>
             </a:lvl3pPr>
-            <a:lvl4pPr marL="1371600" indent="0">
+            <a:lvl4pPr>
               <a:buNone/>
               <a:defRPr sz="1400">
                 <a:solidFill>
@@ -984,7 +998,7 @@
                 </a:solidFill>
               </a:defRPr>
             </a:lvl4pPr>
-            <a:lvl5pPr marL="1828800" indent="0">
+            <a:lvl5pPr>
               <a:buNone/>
               <a:defRPr sz="1400">
                 <a:solidFill>
@@ -994,51 +1008,11 @@
                 </a:solidFill>
               </a:defRPr>
             </a:lvl5pPr>
-            <a:lvl6pPr marL="2286000" indent="0">
-              <a:buNone/>
-              <a:defRPr sz="1400">
-                <a:solidFill>
-                  <a:schemeClr val="tx1">
-                    <a:tint val="75000"/>
-                  </a:schemeClr>
-                </a:solidFill>
-              </a:defRPr>
-            </a:lvl6pPr>
-            <a:lvl7pPr marL="2743200" indent="0">
-              <a:buNone/>
-              <a:defRPr sz="1400">
-                <a:solidFill>
-                  <a:schemeClr val="tx1">
-                    <a:tint val="75000"/>
-                  </a:schemeClr>
-                </a:solidFill>
-              </a:defRPr>
-            </a:lvl7pPr>
-            <a:lvl8pPr marL="3200400" indent="0">
-              <a:buNone/>
-              <a:defRPr sz="1400">
-                <a:solidFill>
-                  <a:schemeClr val="tx1">
-                    <a:tint val="75000"/>
-                  </a:schemeClr>
-                </a:solidFill>
-              </a:defRPr>
-            </a:lvl8pPr>
-            <a:lvl9pPr marL="3657600" indent="0">
-              <a:buNone/>
-              <a:defRPr sz="1400">
-                <a:solidFill>
-                  <a:schemeClr val="tx1">
-                    <a:tint val="75000"/>
-                  </a:schemeClr>
-                </a:solidFill>
-              </a:defRPr>
-            </a:lvl9pPr>
           </a:lstStyle>
           <a:p>
-            <a:pPr lvl="0"/>
-            <a:r>
-              <a:rPr lang="pt-BR" smtClean="0"/>
+            <a:pPr lvl="0" eaLnBrk="1" latinLnBrk="0" hangingPunct="1"/>
+            <a:r>
+              <a:rPr kumimoji="0" lang="pt-BR" smtClean="0"/>
               <a:t>Clique para editar o texto mestre</a:t>
             </a:r>
           </a:p>
@@ -1061,7 +1035,7 @@
           <a:p>
             <a:fld id="{73948A2C-A351-44A5-9543-EA3B6BD94DE1}" type="datetimeFigureOut">
               <a:rPr lang="pt-BR" smtClean="0"/>
-              <a:t>26/02/2013</a:t>
+              <a:t>17/03/2013</a:t>
             </a:fld>
             <a:endParaRPr lang="pt-BR"/>
           </a:p>
@@ -1096,7 +1070,12 @@
             <p:ph type="sldNum" sz="quarter" idx="12"/>
           </p:nvPr>
         </p:nvSpPr>
-        <p:spPr/>
+        <p:spPr>
+          <a:xfrm>
+            <a:off x="7924800" y="6416675"/>
+            <a:ext cx="762000" cy="365125"/>
+          </a:xfrm>
+        </p:spPr>
         <p:txBody>
           <a:bodyPr/>
           <a:lstStyle/>
@@ -1110,14 +1089,9 @@
         </p:txBody>
       </p:sp>
     </p:spTree>
-    <p:extLst>
-      <p:ext uri="{BB962C8B-B14F-4D97-AF65-F5344CB8AC3E}">
-        <p14:creationId xmlns:p14="http://schemas.microsoft.com/office/powerpoint/2010/main" val="3747244603"/>
-      </p:ext>
-    </p:extLst>
   </p:cSld>
   <p:clrMapOvr>
-    <a:masterClrMapping/>
+    <a:overrideClrMapping bg1="dk1" tx1="lt1" bg2="dk2" tx2="lt2" accent1="accent1" accent2="accent2" accent3="accent3" accent4="accent4" accent5="accent5" accent6="accent6" hlink="hlink" folHlink="folHlink"/>
   </p:clrMapOvr>
 </p:sldLayout>
 </file>
@@ -1155,10 +1129,10 @@
           <a:lstStyle/>
           <a:p>
             <a:r>
-              <a:rPr lang="pt-BR" smtClean="0"/>
+              <a:rPr kumimoji="0" lang="pt-BR" smtClean="0"/>
               <a:t>Clique para editar o título mestre</a:t>
             </a:r>
-            <a:endParaRPr lang="pt-BR"/>
+            <a:endParaRPr kumimoji="0" lang="en-US"/>
           </a:p>
         </p:txBody>
       </p:sp>
@@ -1182,7 +1156,7 @@
           <a:bodyPr/>
           <a:lstStyle>
             <a:lvl1pPr>
-              <a:defRPr sz="2800"/>
+              <a:defRPr sz="2600"/>
             </a:lvl1pPr>
             <a:lvl2pPr>
               <a:defRPr sz="2400"/>
@@ -1196,54 +1170,42 @@
             <a:lvl5pPr>
               <a:defRPr sz="1800"/>
             </a:lvl5pPr>
-            <a:lvl6pPr>
-              <a:defRPr sz="1800"/>
-            </a:lvl6pPr>
-            <a:lvl7pPr>
-              <a:defRPr sz="1800"/>
-            </a:lvl7pPr>
-            <a:lvl8pPr>
-              <a:defRPr sz="1800"/>
-            </a:lvl8pPr>
-            <a:lvl9pPr>
-              <a:defRPr sz="1800"/>
-            </a:lvl9pPr>
           </a:lstStyle>
           <a:p>
-            <a:pPr lvl="0"/>
+            <a:pPr lvl="0" eaLnBrk="1" latinLnBrk="0" hangingPunct="1"/>
             <a:r>
               <a:rPr lang="pt-BR" smtClean="0"/>
               <a:t>Clique para editar o texto mestre</a:t>
             </a:r>
           </a:p>
           <a:p>
-            <a:pPr lvl="1"/>
+            <a:pPr lvl="1" eaLnBrk="1" latinLnBrk="0" hangingPunct="1"/>
             <a:r>
               <a:rPr lang="pt-BR" smtClean="0"/>
               <a:t>Segundo nível</a:t>
             </a:r>
           </a:p>
           <a:p>
-            <a:pPr lvl="2"/>
+            <a:pPr lvl="2" eaLnBrk="1" latinLnBrk="0" hangingPunct="1"/>
             <a:r>
               <a:rPr lang="pt-BR" smtClean="0"/>
               <a:t>Terceiro nível</a:t>
             </a:r>
           </a:p>
           <a:p>
-            <a:pPr lvl="3"/>
+            <a:pPr lvl="3" eaLnBrk="1" latinLnBrk="0" hangingPunct="1"/>
             <a:r>
               <a:rPr lang="pt-BR" smtClean="0"/>
               <a:t>Quarto nível</a:t>
             </a:r>
           </a:p>
           <a:p>
-            <a:pPr lvl="4"/>
+            <a:pPr lvl="4" eaLnBrk="1" latinLnBrk="0" hangingPunct="1"/>
             <a:r>
               <a:rPr lang="pt-BR" smtClean="0"/>
               <a:t>Quinto nível</a:t>
             </a:r>
-            <a:endParaRPr lang="pt-BR"/>
+            <a:endParaRPr kumimoji="0" lang="en-US"/>
           </a:p>
         </p:txBody>
       </p:sp>
@@ -1267,7 +1229,7 @@
           <a:bodyPr/>
           <a:lstStyle>
             <a:lvl1pPr>
-              <a:defRPr sz="2800"/>
+              <a:defRPr sz="2600"/>
             </a:lvl1pPr>
             <a:lvl2pPr>
               <a:defRPr sz="2400"/>
@@ -1281,54 +1243,42 @@
             <a:lvl5pPr>
               <a:defRPr sz="1800"/>
             </a:lvl5pPr>
-            <a:lvl6pPr>
-              <a:defRPr sz="1800"/>
-            </a:lvl6pPr>
-            <a:lvl7pPr>
-              <a:defRPr sz="1800"/>
-            </a:lvl7pPr>
-            <a:lvl8pPr>
-              <a:defRPr sz="1800"/>
-            </a:lvl8pPr>
-            <a:lvl9pPr>
-              <a:defRPr sz="1800"/>
-            </a:lvl9pPr>
           </a:lstStyle>
           <a:p>
-            <a:pPr lvl="0"/>
+            <a:pPr lvl="0" eaLnBrk="1" latinLnBrk="0" hangingPunct="1"/>
             <a:r>
               <a:rPr lang="pt-BR" smtClean="0"/>
               <a:t>Clique para editar o texto mestre</a:t>
             </a:r>
           </a:p>
           <a:p>
-            <a:pPr lvl="1"/>
+            <a:pPr lvl="1" eaLnBrk="1" latinLnBrk="0" hangingPunct="1"/>
             <a:r>
               <a:rPr lang="pt-BR" smtClean="0"/>
               <a:t>Segundo nível</a:t>
             </a:r>
           </a:p>
           <a:p>
-            <a:pPr lvl="2"/>
+            <a:pPr lvl="2" eaLnBrk="1" latinLnBrk="0" hangingPunct="1"/>
             <a:r>
               <a:rPr lang="pt-BR" smtClean="0"/>
               <a:t>Terceiro nível</a:t>
             </a:r>
           </a:p>
           <a:p>
-            <a:pPr lvl="3"/>
+            <a:pPr lvl="3" eaLnBrk="1" latinLnBrk="0" hangingPunct="1"/>
             <a:r>
               <a:rPr lang="pt-BR" smtClean="0"/>
               <a:t>Quarto nível</a:t>
             </a:r>
           </a:p>
           <a:p>
-            <a:pPr lvl="4"/>
+            <a:pPr lvl="4" eaLnBrk="1" latinLnBrk="0" hangingPunct="1"/>
             <a:r>
               <a:rPr lang="pt-BR" smtClean="0"/>
               <a:t>Quinto nível</a:t>
             </a:r>
-            <a:endParaRPr lang="pt-BR"/>
+            <a:endParaRPr kumimoji="0" lang="en-US"/>
           </a:p>
         </p:txBody>
       </p:sp>
@@ -1349,7 +1299,7 @@
           <a:p>
             <a:fld id="{73948A2C-A351-44A5-9543-EA3B6BD94DE1}" type="datetimeFigureOut">
               <a:rPr lang="pt-BR" smtClean="0"/>
-              <a:t>26/02/2013</a:t>
+              <a:t>17/03/2013</a:t>
             </a:fld>
             <a:endParaRPr lang="pt-BR"/>
           </a:p>
@@ -1398,11 +1348,6 @@
         </p:txBody>
       </p:sp>
     </p:spTree>
-    <p:extLst>
-      <p:ext uri="{BB962C8B-B14F-4D97-AF65-F5344CB8AC3E}">
-        <p14:creationId xmlns:p14="http://schemas.microsoft.com/office/powerpoint/2010/main" val="2641072459"/>
-      </p:ext>
-    </p:extLst>
   </p:cSld>
   <p:clrMapOvr>
     <a:masterClrMapping/>
@@ -1437,9 +1382,14 @@
             <p:ph type="title"/>
           </p:nvPr>
         </p:nvSpPr>
-        <p:spPr/>
-        <p:txBody>
-          <a:bodyPr/>
+        <p:spPr>
+          <a:xfrm>
+            <a:off x="457200" y="273050"/>
+            <a:ext cx="8229600" cy="1143000"/>
+          </a:xfrm>
+        </p:spPr>
+        <p:txBody>
+          <a:bodyPr anchor="ctr"/>
           <a:lstStyle>
             <a:lvl1pPr>
               <a:defRPr/>
@@ -1447,10 +1397,10 @@
           </a:lstStyle>
           <a:p>
             <a:r>
-              <a:rPr lang="pt-BR" smtClean="0"/>
+              <a:rPr kumimoji="0" lang="pt-BR" smtClean="0"/>
               <a:t>Clique para editar o título mestre</a:t>
             </a:r>
-            <a:endParaRPr lang="pt-BR"/>
+            <a:endParaRPr kumimoji="0" lang="en-US"/>
           </a:p>
         </p:txBody>
       </p:sp>
@@ -1466,54 +1416,95 @@
         </p:nvSpPr>
         <p:spPr>
           <a:xfrm>
-            <a:off x="457200" y="1535113"/>
-            <a:ext cx="4040188" cy="639762"/>
+            <a:off x="457200" y="1535112"/>
+            <a:ext cx="4040188" cy="750887"/>
           </a:xfrm>
         </p:spPr>
         <p:txBody>
-          <a:bodyPr anchor="b"/>
+          <a:bodyPr anchor="ctr"/>
           <a:lstStyle>
             <a:lvl1pPr marL="0" indent="0">
               <a:buNone/>
-              <a:defRPr sz="2400" b="1"/>
+              <a:defRPr sz="2400" b="0" cap="all" baseline="0">
+                <a:solidFill>
+                  <a:schemeClr val="tx1"/>
+                </a:solidFill>
+              </a:defRPr>
             </a:lvl1pPr>
-            <a:lvl2pPr marL="457200" indent="0">
+            <a:lvl2pPr>
               <a:buNone/>
               <a:defRPr sz="2000" b="1"/>
             </a:lvl2pPr>
-            <a:lvl3pPr marL="914400" indent="0">
+            <a:lvl3pPr>
               <a:buNone/>
               <a:defRPr sz="1800" b="1"/>
             </a:lvl3pPr>
-            <a:lvl4pPr marL="1371600" indent="0">
+            <a:lvl4pPr>
               <a:buNone/>
               <a:defRPr sz="1600" b="1"/>
             </a:lvl4pPr>
-            <a:lvl5pPr marL="1828800" indent="0">
+            <a:lvl5pPr>
               <a:buNone/>
               <a:defRPr sz="1600" b="1"/>
             </a:lvl5pPr>
-            <a:lvl6pPr marL="2286000" indent="0">
+          </a:lstStyle>
+          <a:p>
+            <a:pPr lvl="0" eaLnBrk="1" latinLnBrk="0" hangingPunct="1"/>
+            <a:r>
+              <a:rPr kumimoji="0" lang="pt-BR" smtClean="0"/>
+              <a:t>Clique para editar o texto mestre</a:t>
+            </a:r>
+          </a:p>
+        </p:txBody>
+      </p:sp>
+      <p:sp>
+        <p:nvSpPr>
+          <p:cNvPr id="4" name="Espaço Reservado para Texto 3"/>
+          <p:cNvSpPr>
+            <a:spLocks noGrp="1"/>
+          </p:cNvSpPr>
+          <p:nvPr>
+            <p:ph type="body" sz="half" idx="3"/>
+          </p:nvPr>
+        </p:nvSpPr>
+        <p:spPr>
+          <a:xfrm>
+            <a:off x="4645025" y="1535112"/>
+            <a:ext cx="4041775" cy="750887"/>
+          </a:xfrm>
+        </p:spPr>
+        <p:txBody>
+          <a:bodyPr anchor="ctr"/>
+          <a:lstStyle>
+            <a:lvl1pPr marL="0" indent="0">
+              <a:buNone/>
+              <a:defRPr sz="2400" b="0" cap="all" baseline="0">
+                <a:solidFill>
+                  <a:schemeClr val="tx1"/>
+                </a:solidFill>
+              </a:defRPr>
+            </a:lvl1pPr>
+            <a:lvl2pPr>
+              <a:buNone/>
+              <a:defRPr sz="2000" b="1"/>
+            </a:lvl2pPr>
+            <a:lvl3pPr>
+              <a:buNone/>
+              <a:defRPr sz="1800" b="1"/>
+            </a:lvl3pPr>
+            <a:lvl4pPr>
               <a:buNone/>
               <a:defRPr sz="1600" b="1"/>
-            </a:lvl6pPr>
-            <a:lvl7pPr marL="2743200" indent="0">
+            </a:lvl4pPr>
+            <a:lvl5pPr>
               <a:buNone/>
               <a:defRPr sz="1600" b="1"/>
-            </a:lvl7pPr>
-            <a:lvl8pPr marL="3200400" indent="0">
-              <a:buNone/>
-              <a:defRPr sz="1600" b="1"/>
-            </a:lvl8pPr>
-            <a:lvl9pPr marL="3657600" indent="0">
-              <a:buNone/>
-              <a:defRPr sz="1600" b="1"/>
-            </a:lvl9pPr>
+            </a:lvl5pPr>
           </a:lstStyle>
           <a:p>
-            <a:pPr lvl="0"/>
-            <a:r>
-              <a:rPr lang="pt-BR" smtClean="0"/>
+            <a:pPr lvl="0" eaLnBrk="1" latinLnBrk="0" hangingPunct="1"/>
+            <a:r>
+              <a:rPr kumimoji="0" lang="pt-BR" smtClean="0"/>
               <a:t>Clique para editar o texto mestre</a:t>
             </a:r>
           </a:p>
@@ -1521,18 +1512,18 @@
       </p:sp>
       <p:sp>
         <p:nvSpPr>
-          <p:cNvPr id="4" name="Espaço Reservado para Conteúdo 3"/>
-          <p:cNvSpPr>
-            <a:spLocks noGrp="1"/>
-          </p:cNvSpPr>
-          <p:nvPr>
-            <p:ph sz="half" idx="2"/>
+          <p:cNvPr id="5" name="Espaço Reservado para Conteúdo 4"/>
+          <p:cNvSpPr>
+            <a:spLocks noGrp="1"/>
+          </p:cNvSpPr>
+          <p:nvPr>
+            <p:ph sz="quarter" idx="2"/>
           </p:nvPr>
         </p:nvSpPr>
         <p:spPr>
           <a:xfrm>
-            <a:off x="457200" y="2174875"/>
-            <a:ext cx="4040188" cy="3951288"/>
+            <a:off x="457200" y="2362200"/>
+            <a:ext cx="4040188" cy="3763963"/>
           </a:xfrm>
         </p:spPr>
         <p:txBody>
@@ -1553,136 +1544,59 @@
             <a:lvl5pPr>
               <a:defRPr sz="1600"/>
             </a:lvl5pPr>
-            <a:lvl6pPr>
-              <a:defRPr sz="1600"/>
-            </a:lvl6pPr>
-            <a:lvl7pPr>
-              <a:defRPr sz="1600"/>
-            </a:lvl7pPr>
-            <a:lvl8pPr>
-              <a:defRPr sz="1600"/>
-            </a:lvl8pPr>
-            <a:lvl9pPr>
-              <a:defRPr sz="1600"/>
-            </a:lvl9pPr>
           </a:lstStyle>
           <a:p>
-            <a:pPr lvl="0"/>
+            <a:pPr lvl="0" eaLnBrk="1" latinLnBrk="0" hangingPunct="1"/>
             <a:r>
               <a:rPr lang="pt-BR" smtClean="0"/>
               <a:t>Clique para editar o texto mestre</a:t>
             </a:r>
           </a:p>
           <a:p>
-            <a:pPr lvl="1"/>
+            <a:pPr lvl="1" eaLnBrk="1" latinLnBrk="0" hangingPunct="1"/>
             <a:r>
               <a:rPr lang="pt-BR" smtClean="0"/>
               <a:t>Segundo nível</a:t>
             </a:r>
           </a:p>
           <a:p>
-            <a:pPr lvl="2"/>
+            <a:pPr lvl="2" eaLnBrk="1" latinLnBrk="0" hangingPunct="1"/>
             <a:r>
               <a:rPr lang="pt-BR" smtClean="0"/>
               <a:t>Terceiro nível</a:t>
             </a:r>
           </a:p>
           <a:p>
-            <a:pPr lvl="3"/>
+            <a:pPr lvl="3" eaLnBrk="1" latinLnBrk="0" hangingPunct="1"/>
             <a:r>
               <a:rPr lang="pt-BR" smtClean="0"/>
               <a:t>Quarto nível</a:t>
             </a:r>
           </a:p>
           <a:p>
-            <a:pPr lvl="4"/>
+            <a:pPr lvl="4" eaLnBrk="1" latinLnBrk="0" hangingPunct="1"/>
             <a:r>
               <a:rPr lang="pt-BR" smtClean="0"/>
               <a:t>Quinto nível</a:t>
             </a:r>
-            <a:endParaRPr lang="pt-BR"/>
-          </a:p>
-        </p:txBody>
-      </p:sp>
-      <p:sp>
-        <p:nvSpPr>
-          <p:cNvPr id="5" name="Espaço Reservado para Texto 4"/>
-          <p:cNvSpPr>
-            <a:spLocks noGrp="1"/>
-          </p:cNvSpPr>
-          <p:nvPr>
-            <p:ph type="body" sz="quarter" idx="3"/>
+            <a:endParaRPr kumimoji="0" lang="en-US"/>
+          </a:p>
+        </p:txBody>
+      </p:sp>
+      <p:sp>
+        <p:nvSpPr>
+          <p:cNvPr id="6" name="Espaço Reservado para Conteúdo 5"/>
+          <p:cNvSpPr>
+            <a:spLocks noGrp="1"/>
+          </p:cNvSpPr>
+          <p:nvPr>
+            <p:ph sz="quarter" idx="4"/>
           </p:nvPr>
         </p:nvSpPr>
         <p:spPr>
           <a:xfrm>
-            <a:off x="4645025" y="1535113"/>
-            <a:ext cx="4041775" cy="639762"/>
-          </a:xfrm>
-        </p:spPr>
-        <p:txBody>
-          <a:bodyPr anchor="b"/>
-          <a:lstStyle>
-            <a:lvl1pPr marL="0" indent="0">
-              <a:buNone/>
-              <a:defRPr sz="2400" b="1"/>
-            </a:lvl1pPr>
-            <a:lvl2pPr marL="457200" indent="0">
-              <a:buNone/>
-              <a:defRPr sz="2000" b="1"/>
-            </a:lvl2pPr>
-            <a:lvl3pPr marL="914400" indent="0">
-              <a:buNone/>
-              <a:defRPr sz="1800" b="1"/>
-            </a:lvl3pPr>
-            <a:lvl4pPr marL="1371600" indent="0">
-              <a:buNone/>
-              <a:defRPr sz="1600" b="1"/>
-            </a:lvl4pPr>
-            <a:lvl5pPr marL="1828800" indent="0">
-              <a:buNone/>
-              <a:defRPr sz="1600" b="1"/>
-            </a:lvl5pPr>
-            <a:lvl6pPr marL="2286000" indent="0">
-              <a:buNone/>
-              <a:defRPr sz="1600" b="1"/>
-            </a:lvl6pPr>
-            <a:lvl7pPr marL="2743200" indent="0">
-              <a:buNone/>
-              <a:defRPr sz="1600" b="1"/>
-            </a:lvl7pPr>
-            <a:lvl8pPr marL="3200400" indent="0">
-              <a:buNone/>
-              <a:defRPr sz="1600" b="1"/>
-            </a:lvl8pPr>
-            <a:lvl9pPr marL="3657600" indent="0">
-              <a:buNone/>
-              <a:defRPr sz="1600" b="1"/>
-            </a:lvl9pPr>
-          </a:lstStyle>
-          <a:p>
-            <a:pPr lvl="0"/>
-            <a:r>
-              <a:rPr lang="pt-BR" smtClean="0"/>
-              <a:t>Clique para editar o texto mestre</a:t>
-            </a:r>
-          </a:p>
-        </p:txBody>
-      </p:sp>
-      <p:sp>
-        <p:nvSpPr>
-          <p:cNvPr id="6" name="Espaço Reservado para Conteúdo 5"/>
-          <p:cNvSpPr>
-            <a:spLocks noGrp="1"/>
-          </p:cNvSpPr>
-          <p:nvPr>
-            <p:ph sz="quarter" idx="4"/>
-          </p:nvPr>
-        </p:nvSpPr>
-        <p:spPr>
-          <a:xfrm>
-            <a:off x="4645025" y="2174875"/>
-            <a:ext cx="4041775" cy="3951288"/>
+            <a:off x="4645025" y="2362200"/>
+            <a:ext cx="4041775" cy="3763963"/>
           </a:xfrm>
         </p:spPr>
         <p:txBody>
@@ -1703,54 +1617,42 @@
             <a:lvl5pPr>
               <a:defRPr sz="1600"/>
             </a:lvl5pPr>
-            <a:lvl6pPr>
-              <a:defRPr sz="1600"/>
-            </a:lvl6pPr>
-            <a:lvl7pPr>
-              <a:defRPr sz="1600"/>
-            </a:lvl7pPr>
-            <a:lvl8pPr>
-              <a:defRPr sz="1600"/>
-            </a:lvl8pPr>
-            <a:lvl9pPr>
-              <a:defRPr sz="1600"/>
-            </a:lvl9pPr>
           </a:lstStyle>
           <a:p>
-            <a:pPr lvl="0"/>
+            <a:pPr lvl="0" eaLnBrk="1" latinLnBrk="0" hangingPunct="1"/>
             <a:r>
               <a:rPr lang="pt-BR" smtClean="0"/>
               <a:t>Clique para editar o texto mestre</a:t>
             </a:r>
           </a:p>
           <a:p>
-            <a:pPr lvl="1"/>
+            <a:pPr lvl="1" eaLnBrk="1" latinLnBrk="0" hangingPunct="1"/>
             <a:r>
               <a:rPr lang="pt-BR" smtClean="0"/>
               <a:t>Segundo nível</a:t>
             </a:r>
           </a:p>
           <a:p>
-            <a:pPr lvl="2"/>
+            <a:pPr lvl="2" eaLnBrk="1" latinLnBrk="0" hangingPunct="1"/>
             <a:r>
               <a:rPr lang="pt-BR" smtClean="0"/>
               <a:t>Terceiro nível</a:t>
             </a:r>
           </a:p>
           <a:p>
-            <a:pPr lvl="3"/>
+            <a:pPr lvl="3" eaLnBrk="1" latinLnBrk="0" hangingPunct="1"/>
             <a:r>
               <a:rPr lang="pt-BR" smtClean="0"/>
               <a:t>Quarto nível</a:t>
             </a:r>
           </a:p>
           <a:p>
-            <a:pPr lvl="4"/>
+            <a:pPr lvl="4" eaLnBrk="1" latinLnBrk="0" hangingPunct="1"/>
             <a:r>
               <a:rPr lang="pt-BR" smtClean="0"/>
               <a:t>Quinto nível</a:t>
             </a:r>
-            <a:endParaRPr lang="pt-BR"/>
+            <a:endParaRPr kumimoji="0" lang="en-US"/>
           </a:p>
         </p:txBody>
       </p:sp>
@@ -1771,7 +1673,7 @@
           <a:p>
             <a:fld id="{73948A2C-A351-44A5-9543-EA3B6BD94DE1}" type="datetimeFigureOut">
               <a:rPr lang="pt-BR" smtClean="0"/>
-              <a:t>26/02/2013</a:t>
+              <a:t>17/03/2013</a:t>
             </a:fld>
             <a:endParaRPr lang="pt-BR"/>
           </a:p>
@@ -1820,11 +1722,6 @@
         </p:txBody>
       </p:sp>
     </p:spTree>
-    <p:extLst>
-      <p:ext uri="{BB962C8B-B14F-4D97-AF65-F5344CB8AC3E}">
-        <p14:creationId xmlns:p14="http://schemas.microsoft.com/office/powerpoint/2010/main" val="155840239"/>
-      </p:ext>
-    </p:extLst>
   </p:cSld>
   <p:clrMapOvr>
     <a:masterClrMapping/>
@@ -1865,10 +1762,10 @@
           <a:lstStyle/>
           <a:p>
             <a:r>
-              <a:rPr lang="pt-BR" smtClean="0"/>
+              <a:rPr kumimoji="0" lang="pt-BR" smtClean="0"/>
               <a:t>Clique para editar o título mestre</a:t>
             </a:r>
-            <a:endParaRPr lang="pt-BR"/>
+            <a:endParaRPr kumimoji="0" lang="en-US"/>
           </a:p>
         </p:txBody>
       </p:sp>
@@ -1889,7 +1786,7 @@
           <a:p>
             <a:fld id="{73948A2C-A351-44A5-9543-EA3B6BD94DE1}" type="datetimeFigureOut">
               <a:rPr lang="pt-BR" smtClean="0"/>
-              <a:t>26/02/2013</a:t>
+              <a:t>17/03/2013</a:t>
             </a:fld>
             <a:endParaRPr lang="pt-BR"/>
           </a:p>
@@ -1938,11 +1835,6 @@
         </p:txBody>
       </p:sp>
     </p:spTree>
-    <p:extLst>
-      <p:ext uri="{BB962C8B-B14F-4D97-AF65-F5344CB8AC3E}">
-        <p14:creationId xmlns:p14="http://schemas.microsoft.com/office/powerpoint/2010/main" val="2081176178"/>
-      </p:ext>
-    </p:extLst>
   </p:cSld>
   <p:clrMapOvr>
     <a:masterClrMapping/>
@@ -1984,7 +1876,7 @@
           <a:p>
             <a:fld id="{73948A2C-A351-44A5-9543-EA3B6BD94DE1}" type="datetimeFigureOut">
               <a:rPr lang="pt-BR" smtClean="0"/>
-              <a:t>26/02/2013</a:t>
+              <a:t>17/03/2013</a:t>
             </a:fld>
             <a:endParaRPr lang="pt-BR"/>
           </a:p>
@@ -2033,11 +1925,6 @@
         </p:txBody>
       </p:sp>
     </p:spTree>
-    <p:extLst>
-      <p:ext uri="{BB962C8B-B14F-4D97-AF65-F5344CB8AC3E}">
-        <p14:creationId xmlns:p14="http://schemas.microsoft.com/office/powerpoint/2010/main" val="803610833"/>
-      </p:ext>
-    </p:extLst>
   </p:cSld>
   <p:clrMapOvr>
     <a:masterClrMapping/>
@@ -2079,29 +1966,92 @@
           </a:xfrm>
         </p:spPr>
         <p:txBody>
-          <a:bodyPr anchor="b"/>
+          <a:bodyPr vert="horz" anchor="b">
+            <a:normAutofit/>
+            <a:sp3d prstMaterial="softEdge"/>
+          </a:bodyPr>
           <a:lstStyle>
             <a:lvl1pPr algn="l">
-              <a:defRPr sz="2000" b="1"/>
+              <a:buNone/>
+              <a:defRPr sz="2200" b="0">
+                <a:ln w="6350">
+                  <a:noFill/>
+                </a:ln>
+                <a:solidFill>
+                  <a:schemeClr val="accent1">
+                    <a:tint val="73000"/>
+                    <a:satMod val="180000"/>
+                  </a:schemeClr>
+                </a:solidFill>
+              </a:defRPr>
             </a:lvl1pPr>
           </a:lstStyle>
           <a:p>
             <a:r>
-              <a:rPr lang="pt-BR" smtClean="0"/>
+              <a:rPr kumimoji="0" lang="pt-BR" smtClean="0"/>
               <a:t>Clique para editar o título mestre</a:t>
             </a:r>
-            <a:endParaRPr lang="pt-BR"/>
-          </a:p>
-        </p:txBody>
-      </p:sp>
-      <p:sp>
-        <p:nvSpPr>
-          <p:cNvPr id="3" name="Espaço Reservado para Conteúdo 2"/>
-          <p:cNvSpPr>
-            <a:spLocks noGrp="1"/>
-          </p:cNvSpPr>
-          <p:nvPr>
-            <p:ph idx="1"/>
+            <a:endParaRPr kumimoji="0" lang="en-US"/>
+          </a:p>
+        </p:txBody>
+      </p:sp>
+      <p:sp>
+        <p:nvSpPr>
+          <p:cNvPr id="3" name="Espaço Reservado para Texto 2"/>
+          <p:cNvSpPr>
+            <a:spLocks noGrp="1"/>
+          </p:cNvSpPr>
+          <p:nvPr>
+            <p:ph type="body" idx="2"/>
+          </p:nvPr>
+        </p:nvSpPr>
+        <p:spPr>
+          <a:xfrm>
+            <a:off x="457200" y="1524000"/>
+            <a:ext cx="3008313" cy="4602163"/>
+          </a:xfrm>
+        </p:spPr>
+        <p:txBody>
+          <a:bodyPr/>
+          <a:lstStyle>
+            <a:lvl1pPr marL="0" indent="0">
+              <a:buNone/>
+              <a:defRPr sz="1400"/>
+            </a:lvl1pPr>
+            <a:lvl2pPr>
+              <a:buNone/>
+              <a:defRPr sz="1200"/>
+            </a:lvl2pPr>
+            <a:lvl3pPr>
+              <a:buNone/>
+              <a:defRPr sz="1000"/>
+            </a:lvl3pPr>
+            <a:lvl4pPr>
+              <a:buNone/>
+              <a:defRPr sz="900"/>
+            </a:lvl4pPr>
+            <a:lvl5pPr>
+              <a:buNone/>
+              <a:defRPr sz="900"/>
+            </a:lvl5pPr>
+          </a:lstStyle>
+          <a:p>
+            <a:pPr lvl="0" eaLnBrk="1" latinLnBrk="0" hangingPunct="1"/>
+            <a:r>
+              <a:rPr kumimoji="0" lang="pt-BR" smtClean="0"/>
+              <a:t>Clique para editar o texto mestre</a:t>
+            </a:r>
+          </a:p>
+        </p:txBody>
+      </p:sp>
+      <p:sp>
+        <p:nvSpPr>
+          <p:cNvPr id="4" name="Espaço Reservado para Conteúdo 3"/>
+          <p:cNvSpPr>
+            <a:spLocks noGrp="1"/>
+          </p:cNvSpPr>
+          <p:nvPr>
+            <p:ph sz="half" idx="1"/>
           </p:nvPr>
         </p:nvSpPr>
         <p:spPr>
@@ -2114,133 +2064,56 @@
           <a:bodyPr/>
           <a:lstStyle>
             <a:lvl1pPr>
-              <a:defRPr sz="3200"/>
+              <a:defRPr sz="2600"/>
             </a:lvl1pPr>
             <a:lvl2pPr>
-              <a:defRPr sz="2800"/>
+              <a:defRPr sz="2400"/>
             </a:lvl2pPr>
             <a:lvl3pPr>
-              <a:defRPr sz="2400"/>
+              <a:defRPr sz="2200"/>
             </a:lvl3pPr>
             <a:lvl4pPr>
               <a:defRPr sz="2000"/>
             </a:lvl4pPr>
             <a:lvl5pPr>
-              <a:defRPr sz="2000"/>
+              <a:defRPr sz="1800"/>
             </a:lvl5pPr>
-            <a:lvl6pPr>
-              <a:defRPr sz="2000"/>
-            </a:lvl6pPr>
-            <a:lvl7pPr>
-              <a:defRPr sz="2000"/>
-            </a:lvl7pPr>
-            <a:lvl8pPr>
-              <a:defRPr sz="2000"/>
-            </a:lvl8pPr>
-            <a:lvl9pPr>
-              <a:defRPr sz="2000"/>
-            </a:lvl9pPr>
           </a:lstStyle>
           <a:p>
-            <a:pPr lvl="0"/>
+            <a:pPr lvl="0" eaLnBrk="1" latinLnBrk="0" hangingPunct="1"/>
             <a:r>
               <a:rPr lang="pt-BR" smtClean="0"/>
               <a:t>Clique para editar o texto mestre</a:t>
             </a:r>
           </a:p>
           <a:p>
-            <a:pPr lvl="1"/>
+            <a:pPr lvl="1" eaLnBrk="1" latinLnBrk="0" hangingPunct="1"/>
             <a:r>
               <a:rPr lang="pt-BR" smtClean="0"/>
               <a:t>Segundo nível</a:t>
             </a:r>
           </a:p>
           <a:p>
-            <a:pPr lvl="2"/>
+            <a:pPr lvl="2" eaLnBrk="1" latinLnBrk="0" hangingPunct="1"/>
             <a:r>
               <a:rPr lang="pt-BR" smtClean="0"/>
               <a:t>Terceiro nível</a:t>
             </a:r>
           </a:p>
           <a:p>
-            <a:pPr lvl="3"/>
+            <a:pPr lvl="3" eaLnBrk="1" latinLnBrk="0" hangingPunct="1"/>
             <a:r>
               <a:rPr lang="pt-BR" smtClean="0"/>
               <a:t>Quarto nível</a:t>
             </a:r>
           </a:p>
           <a:p>
-            <a:pPr lvl="4"/>
+            <a:pPr lvl="4" eaLnBrk="1" latinLnBrk="0" hangingPunct="1"/>
             <a:r>
               <a:rPr lang="pt-BR" smtClean="0"/>
               <a:t>Quinto nível</a:t>
             </a:r>
-            <a:endParaRPr lang="pt-BR"/>
-          </a:p>
-        </p:txBody>
-      </p:sp>
-      <p:sp>
-        <p:nvSpPr>
-          <p:cNvPr id="4" name="Espaço Reservado para Texto 3"/>
-          <p:cNvSpPr>
-            <a:spLocks noGrp="1"/>
-          </p:cNvSpPr>
-          <p:nvPr>
-            <p:ph type="body" sz="half" idx="2"/>
-          </p:nvPr>
-        </p:nvSpPr>
-        <p:spPr>
-          <a:xfrm>
-            <a:off x="457200" y="1435100"/>
-            <a:ext cx="3008313" cy="4691063"/>
-          </a:xfrm>
-        </p:spPr>
-        <p:txBody>
-          <a:bodyPr/>
-          <a:lstStyle>
-            <a:lvl1pPr marL="0" indent="0">
-              <a:buNone/>
-              <a:defRPr sz="1400"/>
-            </a:lvl1pPr>
-            <a:lvl2pPr marL="457200" indent="0">
-              <a:buNone/>
-              <a:defRPr sz="1200"/>
-            </a:lvl2pPr>
-            <a:lvl3pPr marL="914400" indent="0">
-              <a:buNone/>
-              <a:defRPr sz="1000"/>
-            </a:lvl3pPr>
-            <a:lvl4pPr marL="1371600" indent="0">
-              <a:buNone/>
-              <a:defRPr sz="900"/>
-            </a:lvl4pPr>
-            <a:lvl5pPr marL="1828800" indent="0">
-              <a:buNone/>
-              <a:defRPr sz="900"/>
-            </a:lvl5pPr>
-            <a:lvl6pPr marL="2286000" indent="0">
-              <a:buNone/>
-              <a:defRPr sz="900"/>
-            </a:lvl6pPr>
-            <a:lvl7pPr marL="2743200" indent="0">
-              <a:buNone/>
-              <a:defRPr sz="900"/>
-            </a:lvl7pPr>
-            <a:lvl8pPr marL="3200400" indent="0">
-              <a:buNone/>
-              <a:defRPr sz="900"/>
-            </a:lvl8pPr>
-            <a:lvl9pPr marL="3657600" indent="0">
-              <a:buNone/>
-              <a:defRPr sz="900"/>
-            </a:lvl9pPr>
-          </a:lstStyle>
-          <a:p>
-            <a:pPr lvl="0"/>
-            <a:r>
-              <a:rPr lang="pt-BR" smtClean="0"/>
-              <a:t>Clique para editar o texto mestre</a:t>
-            </a:r>
+            <a:endParaRPr kumimoji="0" lang="en-US"/>
           </a:p>
         </p:txBody>
       </p:sp>
@@ -2261,7 +2134,7 @@
           <a:p>
             <a:fld id="{73948A2C-A351-44A5-9543-EA3B6BD94DE1}" type="datetimeFigureOut">
               <a:rPr lang="pt-BR" smtClean="0"/>
-              <a:t>26/02/2013</a:t>
+              <a:t>17/03/2013</a:t>
             </a:fld>
             <a:endParaRPr lang="pt-BR"/>
           </a:p>
@@ -2310,11 +2183,6 @@
         </p:txBody>
       </p:sp>
     </p:spTree>
-    <p:extLst>
-      <p:ext uri="{BB962C8B-B14F-4D97-AF65-F5344CB8AC3E}">
-        <p14:creationId xmlns:p14="http://schemas.microsoft.com/office/powerpoint/2010/main" val="1522556783"/>
-      </p:ext>
-    </p:extLst>
   </p:cSld>
   <p:clrMapOvr>
     <a:masterClrMapping/>
@@ -2351,23 +2219,26 @@
         </p:nvSpPr>
         <p:spPr>
           <a:xfrm>
-            <a:off x="1792288" y="4800600"/>
-            <a:ext cx="5486400" cy="566738"/>
+            <a:off x="1828800" y="609600"/>
+            <a:ext cx="5486400" cy="522288"/>
           </a:xfrm>
         </p:spPr>
         <p:txBody>
-          <a:bodyPr anchor="b"/>
+          <a:bodyPr lIns="45720" rIns="45720" bIns="0" anchor="b">
+            <a:sp3d prstMaterial="softEdge"/>
+          </a:bodyPr>
           <a:lstStyle>
-            <a:lvl1pPr algn="l">
+            <a:lvl1pPr algn="ctr">
+              <a:buNone/>
               <a:defRPr sz="2000" b="1"/>
             </a:lvl1pPr>
           </a:lstStyle>
           <a:p>
             <a:r>
-              <a:rPr lang="pt-BR" smtClean="0"/>
+              <a:rPr kumimoji="0" lang="pt-BR" smtClean="0"/>
               <a:t>Clique para editar o título mestre</a:t>
             </a:r>
-            <a:endParaRPr lang="pt-BR"/>
+            <a:endParaRPr kumimoji="0" lang="en-US"/>
           </a:p>
         </p:txBody>
       </p:sp>
@@ -2383,52 +2254,85 @@
         </p:nvSpPr>
         <p:spPr>
           <a:xfrm>
-            <a:off x="1792288" y="612775"/>
-            <a:ext cx="5486400" cy="4114800"/>
+            <a:off x="1828800" y="1831975"/>
+            <a:ext cx="5486400" cy="3962400"/>
           </a:xfrm>
+          <a:solidFill>
+            <a:schemeClr val="bg2"/>
+          </a:solidFill>
+          <a:ln w="44450" cap="sq" cmpd="sng" algn="ctr">
+            <a:solidFill>
+              <a:srgbClr val="FFFFFF"/>
+            </a:solidFill>
+            <a:prstDash val="solid"/>
+            <a:miter lim="800000"/>
+          </a:ln>
+          <a:effectLst>
+            <a:outerShdw blurRad="190500" dist="228600" dir="2700000" sy="90000">
+              <a:srgbClr val="000000">
+                <a:alpha val="25000"/>
+              </a:srgbClr>
+            </a:outerShdw>
+          </a:effectLst>
+          <a:scene3d>
+            <a:camera prst="orthographicFront">
+              <a:rot lat="0" lon="0" rev="0"/>
+            </a:camera>
+            <a:lightRig rig="balanced" dir="tr">
+              <a:rot lat="0" lon="0" rev="2700000"/>
+            </a:lightRig>
+          </a:scene3d>
+          <a:sp3d prstMaterial="matte">
+            <a:contourClr>
+              <a:schemeClr val="tx2">
+                <a:shade val="50000"/>
+              </a:schemeClr>
+            </a:contourClr>
+          </a:sp3d>
         </p:spPr>
-        <p:txBody>
-          <a:bodyPr/>
+        <p:style>
+          <a:lnRef idx="3">
+            <a:schemeClr val="lt1"/>
+          </a:lnRef>
+          <a:fillRef idx="1">
+            <a:schemeClr val="accent1"/>
+          </a:fillRef>
+          <a:effectRef idx="1">
+            <a:schemeClr val="accent1"/>
+          </a:effectRef>
+          <a:fontRef idx="minor">
+            <a:schemeClr val="lt1"/>
+          </a:fontRef>
+        </p:style>
+        <p:txBody>
+          <a:bodyPr anchor="t"/>
           <a:lstStyle>
-            <a:lvl1pPr marL="0" indent="0">
+            <a:lvl1pPr indent="0">
               <a:buNone/>
               <a:defRPr sz="3200"/>
             </a:lvl1pPr>
-            <a:lvl2pPr marL="457200" indent="0">
-              <a:buNone/>
-              <a:defRPr sz="2800"/>
-            </a:lvl2pPr>
-            <a:lvl3pPr marL="914400" indent="0">
-              <a:buNone/>
-              <a:defRPr sz="2400"/>
-            </a:lvl3pPr>
-            <a:lvl4pPr marL="1371600" indent="0">
-              <a:buNone/>
-              <a:defRPr sz="2000"/>
-            </a:lvl4pPr>
-            <a:lvl5pPr marL="1828800" indent="0">
-              <a:buNone/>
-              <a:defRPr sz="2000"/>
-            </a:lvl5pPr>
-            <a:lvl6pPr marL="2286000" indent="0">
-              <a:buNone/>
-              <a:defRPr sz="2000"/>
-            </a:lvl6pPr>
-            <a:lvl7pPr marL="2743200" indent="0">
-              <a:buNone/>
-              <a:defRPr sz="2000"/>
-            </a:lvl7pPr>
-            <a:lvl8pPr marL="3200400" indent="0">
-              <a:buNone/>
-              <a:defRPr sz="2000"/>
-            </a:lvl8pPr>
-            <a:lvl9pPr marL="3657600" indent="0">
-              <a:buNone/>
-              <a:defRPr sz="2000"/>
-            </a:lvl9pPr>
           </a:lstStyle>
           <a:p>
-            <a:endParaRPr lang="pt-BR"/>
+            <a:pPr marL="0" algn="l" rtl="0" eaLnBrk="1" latinLnBrk="0" hangingPunct="1"/>
+            <a:r>
+              <a:rPr kumimoji="0" lang="pt-BR" smtClean="0">
+                <a:solidFill>
+                  <a:schemeClr val="lt1"/>
+                </a:solidFill>
+                <a:latin typeface="+mn-lt"/>
+                <a:ea typeface="+mn-ea"/>
+                <a:cs typeface="+mn-cs"/>
+              </a:rPr>
+              <a:t>Clique no ícone para adicionar uma imagem</a:t>
+            </a:r>
+            <a:endParaRPr kumimoji="0" lang="en-US" dirty="0">
+              <a:solidFill>
+                <a:schemeClr val="lt1"/>
+              </a:solidFill>
+              <a:latin typeface="+mn-lt"/>
+              <a:ea typeface="+mn-ea"/>
+              <a:cs typeface="+mn-cs"/>
+            </a:endParaRPr>
           </a:p>
         </p:txBody>
       </p:sp>
@@ -2444,54 +2348,34 @@
         </p:nvSpPr>
         <p:spPr>
           <a:xfrm>
-            <a:off x="1792288" y="5367338"/>
-            <a:ext cx="5486400" cy="804862"/>
+            <a:off x="1828800" y="1166787"/>
+            <a:ext cx="5486400" cy="530352"/>
           </a:xfrm>
         </p:spPr>
         <p:txBody>
-          <a:bodyPr/>
+          <a:bodyPr lIns="45720" tIns="45720" rIns="45720" anchor="t"/>
           <a:lstStyle>
-            <a:lvl1pPr marL="0" indent="0">
+            <a:lvl1pPr marL="0" indent="0" algn="ctr">
               <a:buNone/>
               <a:defRPr sz="1400"/>
             </a:lvl1pPr>
-            <a:lvl2pPr marL="457200" indent="0">
-              <a:buNone/>
+            <a:lvl2pPr>
               <a:defRPr sz="1200"/>
             </a:lvl2pPr>
-            <a:lvl3pPr marL="914400" indent="0">
-              <a:buNone/>
+            <a:lvl3pPr>
               <a:defRPr sz="1000"/>
             </a:lvl3pPr>
-            <a:lvl4pPr marL="1371600" indent="0">
-              <a:buNone/>
+            <a:lvl4pPr>
               <a:defRPr sz="900"/>
             </a:lvl4pPr>
-            <a:lvl5pPr marL="1828800" indent="0">
-              <a:buNone/>
+            <a:lvl5pPr>
               <a:defRPr sz="900"/>
             </a:lvl5pPr>
-            <a:lvl6pPr marL="2286000" indent="0">
-              <a:buNone/>
-              <a:defRPr sz="900"/>
-            </a:lvl6pPr>
-            <a:lvl7pPr marL="2743200" indent="0">
-              <a:buNone/>
-              <a:defRPr sz="900"/>
-            </a:lvl7pPr>
-            <a:lvl8pPr marL="3200400" indent="0">
-              <a:buNone/>
-              <a:defRPr sz="900"/>
-            </a:lvl8pPr>
-            <a:lvl9pPr marL="3657600" indent="0">
-              <a:buNone/>
-              <a:defRPr sz="900"/>
-            </a:lvl9pPr>
           </a:lstStyle>
           <a:p>
-            <a:pPr lvl="0"/>
-            <a:r>
-              <a:rPr lang="pt-BR" smtClean="0"/>
+            <a:pPr lvl="0" eaLnBrk="1" latinLnBrk="0" hangingPunct="1"/>
+            <a:r>
+              <a:rPr kumimoji="0" lang="pt-BR" smtClean="0"/>
               <a:t>Clique para editar o texto mestre</a:t>
             </a:r>
           </a:p>
@@ -2514,7 +2398,7 @@
           <a:p>
             <a:fld id="{73948A2C-A351-44A5-9543-EA3B6BD94DE1}" type="datetimeFigureOut">
               <a:rPr lang="pt-BR" smtClean="0"/>
-              <a:t>26/02/2013</a:t>
+              <a:t>17/03/2013</a:t>
             </a:fld>
             <a:endParaRPr lang="pt-BR"/>
           </a:p>
@@ -2563,11 +2447,6 @@
         </p:txBody>
       </p:sp>
     </p:spTree>
-    <p:extLst>
-      <p:ext uri="{BB962C8B-B14F-4D97-AF65-F5344CB8AC3E}">
-        <p14:creationId xmlns:p14="http://schemas.microsoft.com/office/powerpoint/2010/main" val="1990534868"/>
-      </p:ext>
-    </p:extLst>
   </p:cSld>
   <p:clrMapOvr>
     <a:masterClrMapping/>
@@ -2579,8 +2458,8 @@
 <p:sldMaster xmlns:a="http://schemas.openxmlformats.org/drawingml/2006/main" xmlns:r="http://schemas.openxmlformats.org/officeDocument/2006/relationships" xmlns:p="http://schemas.openxmlformats.org/presentationml/2006/main">
   <p:cSld>
     <p:bg>
-      <p:bgRef idx="1001">
-        <a:schemeClr val="bg1"/>
+      <p:bgRef idx="1003">
+        <a:schemeClr val="bg2"/>
       </p:bgRef>
     </p:bg>
     <p:spTree>
@@ -2599,7 +2478,7 @@
       </p:grpSpPr>
       <p:sp>
         <p:nvSpPr>
-          <p:cNvPr id="2" name="Espaço Reservado para Título 1"/>
+          <p:cNvPr id="22" name="Espaço Reservado para Título 21"/>
           <p:cNvSpPr>
             <a:spLocks noGrp="1"/>
           </p:cNvSpPr>
@@ -2617,22 +2496,31 @@
           </a:prstGeom>
         </p:spPr>
         <p:txBody>
-          <a:bodyPr vert="horz" lIns="91440" tIns="45720" rIns="91440" bIns="45720" rtlCol="0" anchor="ctr">
+          <a:bodyPr vert="horz" anchor="ctr">
             <a:normAutofit/>
+            <a:scene3d>
+              <a:camera prst="orthographicFront"/>
+              <a:lightRig rig="soft" dir="t">
+                <a:rot lat="0" lon="0" rev="16800000"/>
+              </a:lightRig>
+            </a:scene3d>
+            <a:sp3d prstMaterial="softEdge">
+              <a:bevelT w="38100" h="38100"/>
+            </a:sp3d>
           </a:bodyPr>
           <a:lstStyle/>
           <a:p>
             <a:r>
-              <a:rPr lang="pt-BR" smtClean="0"/>
+              <a:rPr kumimoji="0" lang="pt-BR" smtClean="0"/>
               <a:t>Clique para editar o título mestre</a:t>
             </a:r>
-            <a:endParaRPr lang="pt-BR"/>
-          </a:p>
-        </p:txBody>
-      </p:sp>
-      <p:sp>
-        <p:nvSpPr>
-          <p:cNvPr id="3" name="Espaço Reservado para Texto 2"/>
+            <a:endParaRPr kumimoji="0" lang="en-US"/>
+          </a:p>
+        </p:txBody>
+      </p:sp>
+      <p:sp>
+        <p:nvSpPr>
+          <p:cNvPr id="13" name="Espaço Reservado para Texto 12"/>
           <p:cNvSpPr>
             <a:spLocks noGrp="1"/>
           </p:cNvSpPr>
@@ -2643,58 +2531,58 @@
         <p:spPr>
           <a:xfrm>
             <a:off x="457200" y="1600200"/>
-            <a:ext cx="8229600" cy="4525963"/>
+            <a:ext cx="8229600" cy="4709160"/>
           </a:xfrm>
           <a:prstGeom prst="rect">
             <a:avLst/>
           </a:prstGeom>
         </p:spPr>
         <p:txBody>
-          <a:bodyPr vert="horz" lIns="91440" tIns="45720" rIns="91440" bIns="45720" rtlCol="0">
+          <a:bodyPr vert="horz">
             <a:normAutofit/>
           </a:bodyPr>
           <a:lstStyle/>
           <a:p>
-            <a:pPr lvl="0"/>
-            <a:r>
-              <a:rPr lang="pt-BR" smtClean="0"/>
+            <a:pPr lvl="0" eaLnBrk="1" latinLnBrk="0" hangingPunct="1"/>
+            <a:r>
+              <a:rPr kumimoji="0" lang="pt-BR" smtClean="0"/>
               <a:t>Clique para editar o texto mestre</a:t>
             </a:r>
           </a:p>
           <a:p>
-            <a:pPr lvl="1"/>
-            <a:r>
-              <a:rPr lang="pt-BR" smtClean="0"/>
+            <a:pPr lvl="1" eaLnBrk="1" latinLnBrk="0" hangingPunct="1"/>
+            <a:r>
+              <a:rPr kumimoji="0" lang="pt-BR" smtClean="0"/>
               <a:t>Segundo nível</a:t>
             </a:r>
           </a:p>
           <a:p>
-            <a:pPr lvl="2"/>
-            <a:r>
-              <a:rPr lang="pt-BR" smtClean="0"/>
+            <a:pPr lvl="2" eaLnBrk="1" latinLnBrk="0" hangingPunct="1"/>
+            <a:r>
+              <a:rPr kumimoji="0" lang="pt-BR" smtClean="0"/>
               <a:t>Terceiro nível</a:t>
             </a:r>
           </a:p>
           <a:p>
-            <a:pPr lvl="3"/>
-            <a:r>
-              <a:rPr lang="pt-BR" smtClean="0"/>
+            <a:pPr lvl="3" eaLnBrk="1" latinLnBrk="0" hangingPunct="1"/>
+            <a:r>
+              <a:rPr kumimoji="0" lang="pt-BR" smtClean="0"/>
               <a:t>Quarto nível</a:t>
             </a:r>
           </a:p>
           <a:p>
-            <a:pPr lvl="4"/>
-            <a:r>
-              <a:rPr lang="pt-BR" smtClean="0"/>
+            <a:pPr lvl="4" eaLnBrk="1" latinLnBrk="0" hangingPunct="1"/>
+            <a:r>
+              <a:rPr kumimoji="0" lang="pt-BR" smtClean="0"/>
               <a:t>Quinto nível</a:t>
             </a:r>
-            <a:endParaRPr lang="pt-BR"/>
-          </a:p>
-        </p:txBody>
-      </p:sp>
-      <p:sp>
-        <p:nvSpPr>
-          <p:cNvPr id="4" name="Espaço Reservado para Data 3"/>
+            <a:endParaRPr kumimoji="0" lang="en-US"/>
+          </a:p>
+        </p:txBody>
+      </p:sp>
+      <p:sp>
+        <p:nvSpPr>
+          <p:cNvPr id="14" name="Espaço Reservado para Data 13"/>
           <p:cNvSpPr>
             <a:spLocks noGrp="1"/>
           </p:cNvSpPr>
@@ -2704,7 +2592,7 @@
         </p:nvSpPr>
         <p:spPr>
           <a:xfrm>
-            <a:off x="457200" y="6356350"/>
+            <a:off x="457200" y="6416675"/>
             <a:ext cx="2133600" cy="365125"/>
           </a:xfrm>
           <a:prstGeom prst="rect">
@@ -2712,13 +2600,13 @@
           </a:prstGeom>
         </p:spPr>
         <p:txBody>
-          <a:bodyPr vert="horz" lIns="91440" tIns="45720" rIns="91440" bIns="45720" rtlCol="0" anchor="ctr"/>
+          <a:bodyPr vert="horz" anchor="b"/>
           <a:lstStyle>
-            <a:lvl1pPr algn="l">
-              <a:defRPr sz="1200">
+            <a:lvl1pPr algn="l" eaLnBrk="1" latinLnBrk="0" hangingPunct="1">
+              <a:defRPr kumimoji="0" sz="1200">
                 <a:solidFill>
                   <a:schemeClr val="tx1">
-                    <a:tint val="75000"/>
+                    <a:shade val="50000"/>
                   </a:schemeClr>
                 </a:solidFill>
               </a:defRPr>
@@ -2727,7 +2615,7 @@
           <a:p>
             <a:fld id="{73948A2C-A351-44A5-9543-EA3B6BD94DE1}" type="datetimeFigureOut">
               <a:rPr lang="pt-BR" smtClean="0"/>
-              <a:t>26/02/2013</a:t>
+              <a:t>17/03/2013</a:t>
             </a:fld>
             <a:endParaRPr lang="pt-BR"/>
           </a:p>
@@ -2735,7 +2623,7 @@
       </p:sp>
       <p:sp>
         <p:nvSpPr>
-          <p:cNvPr id="5" name="Espaço Reservado para Rodapé 4"/>
+          <p:cNvPr id="3" name="Espaço Reservado para Rodapé 2"/>
           <p:cNvSpPr>
             <a:spLocks noGrp="1"/>
           </p:cNvSpPr>
@@ -2745,7 +2633,7 @@
         </p:nvSpPr>
         <p:spPr>
           <a:xfrm>
-            <a:off x="3124200" y="6356350"/>
+            <a:off x="3124200" y="6416675"/>
             <a:ext cx="2895600" cy="365125"/>
           </a:xfrm>
           <a:prstGeom prst="rect">
@@ -2753,13 +2641,13 @@
           </a:prstGeom>
         </p:spPr>
         <p:txBody>
-          <a:bodyPr vert="horz" lIns="91440" tIns="45720" rIns="91440" bIns="45720" rtlCol="0" anchor="ctr"/>
+          <a:bodyPr vert="horz" anchor="b"/>
           <a:lstStyle>
-            <a:lvl1pPr algn="ctr">
-              <a:defRPr sz="1200">
+            <a:lvl1pPr algn="ctr" eaLnBrk="1" latinLnBrk="0" hangingPunct="1">
+              <a:defRPr kumimoji="0" sz="1200">
                 <a:solidFill>
                   <a:schemeClr val="tx1">
-                    <a:tint val="75000"/>
+                    <a:shade val="50000"/>
                   </a:schemeClr>
                 </a:solidFill>
               </a:defRPr>
@@ -2772,7 +2660,7 @@
       </p:sp>
       <p:sp>
         <p:nvSpPr>
-          <p:cNvPr id="6" name="Espaço Reservado para Número de Slide 5"/>
+          <p:cNvPr id="23" name="Espaço Reservado para Número de Slide 22"/>
           <p:cNvSpPr>
             <a:spLocks noGrp="1"/>
           </p:cNvSpPr>
@@ -2782,21 +2670,21 @@
         </p:nvSpPr>
         <p:spPr>
           <a:xfrm>
-            <a:off x="6553200" y="6356350"/>
-            <a:ext cx="2133600" cy="365125"/>
+            <a:off x="7924800" y="6416675"/>
+            <a:ext cx="762000" cy="365125"/>
           </a:xfrm>
           <a:prstGeom prst="rect">
             <a:avLst/>
           </a:prstGeom>
         </p:spPr>
         <p:txBody>
-          <a:bodyPr vert="horz" lIns="91440" tIns="45720" rIns="91440" bIns="45720" rtlCol="0" anchor="ctr"/>
+          <a:bodyPr vert="horz" lIns="0" rIns="0" anchor="b"/>
           <a:lstStyle>
-            <a:lvl1pPr algn="r">
-              <a:defRPr sz="1200">
+            <a:lvl1pPr algn="r" eaLnBrk="1" latinLnBrk="0" hangingPunct="1">
+              <a:defRPr kumimoji="0" sz="1200">
                 <a:solidFill>
                   <a:schemeClr val="tx1">
-                    <a:tint val="75000"/>
+                    <a:shade val="50000"/>
                   </a:schemeClr>
                 </a:solidFill>
               </a:defRPr>
@@ -2812,37 +2700,62 @@
         </p:txBody>
       </p:sp>
     </p:spTree>
-    <p:extLst>
-      <p:ext uri="{BB962C8B-B14F-4D97-AF65-F5344CB8AC3E}">
-        <p14:creationId xmlns:p14="http://schemas.microsoft.com/office/powerpoint/2010/main" val="970313191"/>
-      </p:ext>
-    </p:extLst>
   </p:cSld>
-  <p:clrMap bg1="lt1" tx1="dk1" bg2="lt2" tx2="dk2" accent1="accent1" accent2="accent2" accent3="accent3" accent4="accent4" accent5="accent5" accent6="accent6" hlink="hlink" folHlink="folHlink"/>
+  <p:clrMap bg1="dk1" tx1="lt1" bg2="dk2" tx2="lt2" accent1="accent1" accent2="accent2" accent3="accent3" accent4="accent4" accent5="accent5" accent6="accent6" hlink="hlink" folHlink="folHlink"/>
   <p:sldLayoutIdLst>
-    <p:sldLayoutId id="2147483649" r:id="rId1"/>
-    <p:sldLayoutId id="2147483650" r:id="rId2"/>
-    <p:sldLayoutId id="2147483651" r:id="rId3"/>
-    <p:sldLayoutId id="2147483652" r:id="rId4"/>
-    <p:sldLayoutId id="2147483653" r:id="rId5"/>
-    <p:sldLayoutId id="2147483654" r:id="rId6"/>
-    <p:sldLayoutId id="2147483655" r:id="rId7"/>
-    <p:sldLayoutId id="2147483656" r:id="rId8"/>
-    <p:sldLayoutId id="2147483657" r:id="rId9"/>
-    <p:sldLayoutId id="2147483658" r:id="rId10"/>
-    <p:sldLayoutId id="2147483659" r:id="rId11"/>
+    <p:sldLayoutId id="2147483661" r:id="rId1"/>
+    <p:sldLayoutId id="2147483662" r:id="rId2"/>
+    <p:sldLayoutId id="2147483663" r:id="rId3"/>
+    <p:sldLayoutId id="2147483664" r:id="rId4"/>
+    <p:sldLayoutId id="2147483665" r:id="rId5"/>
+    <p:sldLayoutId id="2147483666" r:id="rId6"/>
+    <p:sldLayoutId id="2147483667" r:id="rId7"/>
+    <p:sldLayoutId id="2147483668" r:id="rId8"/>
+    <p:sldLayoutId id="2147483669" r:id="rId9"/>
+    <p:sldLayoutId id="2147483670" r:id="rId10"/>
+    <p:sldLayoutId id="2147483671" r:id="rId11"/>
   </p:sldLayoutIdLst>
   <p:txStyles>
     <p:titleStyle>
-      <a:lvl1pPr algn="ctr" defTabSz="914400" rtl="0" eaLnBrk="1" latinLnBrk="0" hangingPunct="1">
+      <a:lvl1pPr algn="ctr" rtl="0" eaLnBrk="1" latinLnBrk="0" hangingPunct="1">
         <a:spcBef>
           <a:spcPct val="0"/>
         </a:spcBef>
         <a:buNone/>
-        <a:defRPr sz="4400" kern="1200">
-          <a:solidFill>
-            <a:schemeClr val="tx1"/>
-          </a:solidFill>
+        <a:defRPr kumimoji="0" sz="4100" b="1" kern="1200" cap="none" baseline="0">
+          <a:ln w="6350">
+            <a:noFill/>
+          </a:ln>
+          <a:gradFill>
+            <a:gsLst>
+              <a:gs pos="0">
+                <a:schemeClr val="accent1">
+                  <a:tint val="73000"/>
+                  <a:satMod val="145000"/>
+                </a:schemeClr>
+              </a:gs>
+              <a:gs pos="73000">
+                <a:schemeClr val="accent1">
+                  <a:tint val="73000"/>
+                  <a:satMod val="145000"/>
+                </a:schemeClr>
+              </a:gs>
+              <a:gs pos="100000">
+                <a:schemeClr val="accent1">
+                  <a:tint val="83000"/>
+                  <a:satMod val="143000"/>
+                </a:schemeClr>
+              </a:gs>
+            </a:gsLst>
+            <a:lin ang="4800000" scaled="1"/>
+          </a:gradFill>
+          <a:effectLst>
+            <a:outerShdw blurRad="114300" dist="101600" dir="2700000" algn="tl" rotWithShape="0">
+              <a:srgbClr val="000000">
+                <a:alpha val="40000"/>
+              </a:srgbClr>
+            </a:outerShdw>
+          </a:effectLst>
           <a:latin typeface="+mj-lt"/>
           <a:ea typeface="+mj-ea"/>
           <a:cs typeface="+mj-cs"/>
@@ -2850,13 +2763,19 @@
       </a:lvl1pPr>
     </p:titleStyle>
     <p:bodyStyle>
-      <a:lvl1pPr marL="342900" indent="-342900" algn="l" defTabSz="914400" rtl="0" eaLnBrk="1" latinLnBrk="0" hangingPunct="1">
+      <a:lvl1pPr marL="548640" indent="-411480" algn="l" rtl="0" eaLnBrk="1" latinLnBrk="0" hangingPunct="1">
         <a:spcBef>
           <a:spcPct val="20000"/>
         </a:spcBef>
-        <a:buFont typeface="Arial" pitchFamily="34" charset="0"/>
-        <a:buChar char="•"/>
-        <a:defRPr sz="3200" kern="1200">
+        <a:buClr>
+          <a:schemeClr val="tx1">
+            <a:shade val="95000"/>
+          </a:schemeClr>
+        </a:buClr>
+        <a:buSzPct val="65000"/>
+        <a:buFont typeface="Wingdings 2"/>
+        <a:buChar char=""/>
+        <a:defRPr kumimoji="0" sz="2800" kern="1200">
           <a:solidFill>
             <a:schemeClr val="tx1"/>
           </a:solidFill>
@@ -2865,13 +2784,17 @@
           <a:cs typeface="+mn-cs"/>
         </a:defRPr>
       </a:lvl1pPr>
-      <a:lvl2pPr marL="742950" indent="-285750" algn="l" defTabSz="914400" rtl="0" eaLnBrk="1" latinLnBrk="0" hangingPunct="1">
+      <a:lvl2pPr marL="868680" indent="-283464" algn="l" rtl="0" eaLnBrk="1" latinLnBrk="0" hangingPunct="1">
         <a:spcBef>
           <a:spcPct val="20000"/>
         </a:spcBef>
-        <a:buFont typeface="Arial" pitchFamily="34" charset="0"/>
-        <a:buChar char="–"/>
-        <a:defRPr sz="2800" kern="1200">
+        <a:buClr>
+          <a:schemeClr val="tx1"/>
+        </a:buClr>
+        <a:buSzPct val="80000"/>
+        <a:buFont typeface="Wingdings 2"/>
+        <a:buChar char=""/>
+        <a:defRPr kumimoji="0" sz="2400" kern="1200">
           <a:solidFill>
             <a:schemeClr val="tx1"/>
           </a:solidFill>
@@ -2880,13 +2803,17 @@
           <a:cs typeface="+mn-cs"/>
         </a:defRPr>
       </a:lvl2pPr>
-      <a:lvl3pPr marL="1143000" indent="-228600" algn="l" defTabSz="914400" rtl="0" eaLnBrk="1" latinLnBrk="0" hangingPunct="1">
+      <a:lvl3pPr marL="1133856" indent="-228600" algn="l" rtl="0" eaLnBrk="1" latinLnBrk="0" hangingPunct="1">
         <a:spcBef>
           <a:spcPct val="20000"/>
         </a:spcBef>
-        <a:buFont typeface="Arial" pitchFamily="34" charset="0"/>
-        <a:buChar char="•"/>
-        <a:defRPr sz="2400" kern="1200">
+        <a:buClr>
+          <a:schemeClr val="tx1"/>
+        </a:buClr>
+        <a:buSzPct val="95000"/>
+        <a:buFont typeface="Wingdings"/>
+        <a:buChar char=""/>
+        <a:defRPr kumimoji="0" sz="2200" kern="1200">
           <a:solidFill>
             <a:schemeClr val="tx1"/>
           </a:solidFill>
@@ -2895,13 +2822,17 @@
           <a:cs typeface="+mn-cs"/>
         </a:defRPr>
       </a:lvl3pPr>
-      <a:lvl4pPr marL="1600200" indent="-228600" algn="l" defTabSz="914400" rtl="0" eaLnBrk="1" latinLnBrk="0" hangingPunct="1">
+      <a:lvl4pPr marL="1353312" indent="-182880" algn="l" rtl="0" eaLnBrk="1" latinLnBrk="0" hangingPunct="1">
         <a:spcBef>
           <a:spcPct val="20000"/>
         </a:spcBef>
-        <a:buFont typeface="Arial" pitchFamily="34" charset="0"/>
-        <a:buChar char="–"/>
-        <a:defRPr sz="2000" kern="1200">
+        <a:buClr>
+          <a:schemeClr val="tx1"/>
+        </a:buClr>
+        <a:buSzPct val="100000"/>
+        <a:buFont typeface="Wingdings 3"/>
+        <a:buChar char=""/>
+        <a:defRPr kumimoji="0" sz="2000" kern="1200">
           <a:solidFill>
             <a:schemeClr val="tx1"/>
           </a:solidFill>
@@ -2910,13 +2841,16 @@
           <a:cs typeface="+mn-cs"/>
         </a:defRPr>
       </a:lvl4pPr>
-      <a:lvl5pPr marL="2057400" indent="-228600" algn="l" defTabSz="914400" rtl="0" eaLnBrk="1" latinLnBrk="0" hangingPunct="1">
+      <a:lvl5pPr marL="1545336" indent="-182880" algn="l" rtl="0" eaLnBrk="1" latinLnBrk="0" hangingPunct="1">
         <a:spcBef>
           <a:spcPct val="20000"/>
         </a:spcBef>
-        <a:buFont typeface="Arial" pitchFamily="34" charset="0"/>
-        <a:buChar char="»"/>
-        <a:defRPr sz="2000" kern="1200">
+        <a:buClr>
+          <a:schemeClr val="tx1"/>
+        </a:buClr>
+        <a:buFont typeface="Wingdings 2"/>
+        <a:buChar char=""/>
+        <a:defRPr kumimoji="0" sz="2000" kern="1200">
           <a:solidFill>
             <a:schemeClr val="tx1"/>
           </a:solidFill>
@@ -2925,13 +2859,16 @@
           <a:cs typeface="+mn-cs"/>
         </a:defRPr>
       </a:lvl5pPr>
-      <a:lvl6pPr marL="2514600" indent="-228600" algn="l" defTabSz="914400" rtl="0" eaLnBrk="1" latinLnBrk="0" hangingPunct="1">
+      <a:lvl6pPr marL="1764792" indent="-182880" algn="l" rtl="0" eaLnBrk="1" latinLnBrk="0" hangingPunct="1">
         <a:spcBef>
           <a:spcPct val="20000"/>
         </a:spcBef>
-        <a:buFont typeface="Arial" pitchFamily="34" charset="0"/>
-        <a:buChar char="•"/>
-        <a:defRPr sz="2000" kern="1200">
+        <a:buClr>
+          <a:schemeClr val="tx1"/>
+        </a:buClr>
+        <a:buFont typeface="Wingdings 3"/>
+        <a:buChar char=""/>
+        <a:defRPr kumimoji="0" sz="1800" kern="1200">
           <a:solidFill>
             <a:schemeClr val="tx1"/>
           </a:solidFill>
@@ -2940,13 +2877,16 @@
           <a:cs typeface="+mn-cs"/>
         </a:defRPr>
       </a:lvl6pPr>
-      <a:lvl7pPr marL="2971800" indent="-228600" algn="l" defTabSz="914400" rtl="0" eaLnBrk="1" latinLnBrk="0" hangingPunct="1">
+      <a:lvl7pPr marL="1965960" indent="-182880" algn="l" rtl="0" eaLnBrk="1" latinLnBrk="0" hangingPunct="1">
         <a:spcBef>
           <a:spcPct val="20000"/>
         </a:spcBef>
-        <a:buFont typeface="Arial" pitchFamily="34" charset="0"/>
-        <a:buChar char="•"/>
-        <a:defRPr sz="2000" kern="1200">
+        <a:buClr>
+          <a:schemeClr val="tx1"/>
+        </a:buClr>
+        <a:buFont typeface="Wingdings 2"/>
+        <a:buChar char=""/>
+        <a:defRPr kumimoji="0" sz="1600" kern="1200">
           <a:solidFill>
             <a:schemeClr val="tx1"/>
           </a:solidFill>
@@ -2955,13 +2895,16 @@
           <a:cs typeface="+mn-cs"/>
         </a:defRPr>
       </a:lvl7pPr>
-      <a:lvl8pPr marL="3429000" indent="-228600" algn="l" defTabSz="914400" rtl="0" eaLnBrk="1" latinLnBrk="0" hangingPunct="1">
+      <a:lvl8pPr marL="2167128" indent="-182880" algn="l" rtl="0" eaLnBrk="1" latinLnBrk="0" hangingPunct="1">
         <a:spcBef>
           <a:spcPct val="20000"/>
         </a:spcBef>
-        <a:buFont typeface="Arial" pitchFamily="34" charset="0"/>
-        <a:buChar char="•"/>
-        <a:defRPr sz="2000" kern="1200">
+        <a:buClr>
+          <a:schemeClr val="tx1"/>
+        </a:buClr>
+        <a:buFont typeface="Wingdings 2"/>
+        <a:buChar char=""/>
+        <a:defRPr kumimoji="0" sz="1400" kern="1200">
           <a:solidFill>
             <a:schemeClr val="tx1"/>
           </a:solidFill>
@@ -2970,13 +2913,16 @@
           <a:cs typeface="+mn-cs"/>
         </a:defRPr>
       </a:lvl8pPr>
-      <a:lvl9pPr marL="3886200" indent="-228600" algn="l" defTabSz="914400" rtl="0" eaLnBrk="1" latinLnBrk="0" hangingPunct="1">
+      <a:lvl9pPr marL="2368296" indent="-182880" algn="l" rtl="0" eaLnBrk="1" latinLnBrk="0" hangingPunct="1">
         <a:spcBef>
           <a:spcPct val="20000"/>
         </a:spcBef>
-        <a:buFont typeface="Arial" pitchFamily="34" charset="0"/>
-        <a:buChar char="•"/>
-        <a:defRPr sz="2000" kern="1200">
+        <a:buClr>
+          <a:schemeClr val="tx1"/>
+        </a:buClr>
+        <a:buFont typeface="Wingdings 2"/>
+        <a:buChar char=""/>
+        <a:defRPr kumimoji="0" sz="1400" kern="1200" baseline="0">
           <a:solidFill>
             <a:schemeClr val="tx1"/>
           </a:solidFill>
@@ -2987,11 +2933,8 @@
       </a:lvl9pPr>
     </p:bodyStyle>
     <p:otherStyle>
-      <a:defPPr>
-        <a:defRPr lang="pt-BR"/>
-      </a:defPPr>
-      <a:lvl1pPr marL="0" algn="l" defTabSz="914400" rtl="0" eaLnBrk="1" latinLnBrk="0" hangingPunct="1">
-        <a:defRPr sz="1800" kern="1200">
+      <a:lvl1pPr marL="0" algn="l" rtl="0" eaLnBrk="1" latinLnBrk="0" hangingPunct="1">
+        <a:defRPr kumimoji="0" kern="1200">
           <a:solidFill>
             <a:schemeClr val="tx1"/>
           </a:solidFill>
@@ -3000,8 +2943,8 @@
           <a:cs typeface="+mn-cs"/>
         </a:defRPr>
       </a:lvl1pPr>
-      <a:lvl2pPr marL="457200" algn="l" defTabSz="914400" rtl="0" eaLnBrk="1" latinLnBrk="0" hangingPunct="1">
-        <a:defRPr sz="1800" kern="1200">
+      <a:lvl2pPr marL="457200" algn="l" rtl="0" eaLnBrk="1" latinLnBrk="0" hangingPunct="1">
+        <a:defRPr kumimoji="0" kern="1200">
           <a:solidFill>
             <a:schemeClr val="tx1"/>
           </a:solidFill>
@@ -3010,8 +2953,8 @@
           <a:cs typeface="+mn-cs"/>
         </a:defRPr>
       </a:lvl2pPr>
-      <a:lvl3pPr marL="914400" algn="l" defTabSz="914400" rtl="0" eaLnBrk="1" latinLnBrk="0" hangingPunct="1">
-        <a:defRPr sz="1800" kern="1200">
+      <a:lvl3pPr marL="914400" algn="l" rtl="0" eaLnBrk="1" latinLnBrk="0" hangingPunct="1">
+        <a:defRPr kumimoji="0" kern="1200">
           <a:solidFill>
             <a:schemeClr val="tx1"/>
           </a:solidFill>
@@ -3020,8 +2963,8 @@
           <a:cs typeface="+mn-cs"/>
         </a:defRPr>
       </a:lvl3pPr>
-      <a:lvl4pPr marL="1371600" algn="l" defTabSz="914400" rtl="0" eaLnBrk="1" latinLnBrk="0" hangingPunct="1">
-        <a:defRPr sz="1800" kern="1200">
+      <a:lvl4pPr marL="1371600" algn="l" rtl="0" eaLnBrk="1" latinLnBrk="0" hangingPunct="1">
+        <a:defRPr kumimoji="0" kern="1200">
           <a:solidFill>
             <a:schemeClr val="tx1"/>
           </a:solidFill>
@@ -3030,8 +2973,8 @@
           <a:cs typeface="+mn-cs"/>
         </a:defRPr>
       </a:lvl4pPr>
-      <a:lvl5pPr marL="1828800" algn="l" defTabSz="914400" rtl="0" eaLnBrk="1" latinLnBrk="0" hangingPunct="1">
-        <a:defRPr sz="1800" kern="1200">
+      <a:lvl5pPr marL="1828800" algn="l" rtl="0" eaLnBrk="1" latinLnBrk="0" hangingPunct="1">
+        <a:defRPr kumimoji="0" kern="1200">
           <a:solidFill>
             <a:schemeClr val="tx1"/>
           </a:solidFill>
@@ -3040,8 +2983,8 @@
           <a:cs typeface="+mn-cs"/>
         </a:defRPr>
       </a:lvl5pPr>
-      <a:lvl6pPr marL="2286000" algn="l" defTabSz="914400" rtl="0" eaLnBrk="1" latinLnBrk="0" hangingPunct="1">
-        <a:defRPr sz="1800" kern="1200">
+      <a:lvl6pPr marL="2286000" algn="l" rtl="0" eaLnBrk="1" latinLnBrk="0" hangingPunct="1">
+        <a:defRPr kumimoji="0" kern="1200">
           <a:solidFill>
             <a:schemeClr val="tx1"/>
           </a:solidFill>
@@ -3050,8 +2993,8 @@
           <a:cs typeface="+mn-cs"/>
         </a:defRPr>
       </a:lvl6pPr>
-      <a:lvl7pPr marL="2743200" algn="l" defTabSz="914400" rtl="0" eaLnBrk="1" latinLnBrk="0" hangingPunct="1">
-        <a:defRPr sz="1800" kern="1200">
+      <a:lvl7pPr marL="2743200" algn="l" rtl="0" eaLnBrk="1" latinLnBrk="0" hangingPunct="1">
+        <a:defRPr kumimoji="0" kern="1200">
           <a:solidFill>
             <a:schemeClr val="tx1"/>
           </a:solidFill>
@@ -3060,8 +3003,8 @@
           <a:cs typeface="+mn-cs"/>
         </a:defRPr>
       </a:lvl7pPr>
-      <a:lvl8pPr marL="3200400" algn="l" defTabSz="914400" rtl="0" eaLnBrk="1" latinLnBrk="0" hangingPunct="1">
-        <a:defRPr sz="1800" kern="1200">
+      <a:lvl8pPr marL="3200400" algn="l" rtl="0" eaLnBrk="1" latinLnBrk="0" hangingPunct="1">
+        <a:defRPr kumimoji="0" kern="1200">
           <a:solidFill>
             <a:schemeClr val="tx1"/>
           </a:solidFill>
@@ -3070,8 +3013,8 @@
           <a:cs typeface="+mn-cs"/>
         </a:defRPr>
       </a:lvl8pPr>
-      <a:lvl9pPr marL="3657600" algn="l" defTabSz="914400" rtl="0" eaLnBrk="1" latinLnBrk="0" hangingPunct="1">
-        <a:defRPr sz="1800" kern="1200">
+      <a:lvl9pPr marL="3657600" algn="l" rtl="0" eaLnBrk="1" latinLnBrk="0" hangingPunct="1">
+        <a:defRPr kumimoji="0" kern="1200">
           <a:solidFill>
             <a:schemeClr val="tx1"/>
           </a:solidFill>
@@ -3118,10 +3061,9 @@
           <a:lstStyle/>
           <a:p>
             <a:r>
-              <a:rPr lang="pt-BR" dirty="0" smtClean="0"/>
-              <a:t>Nome do Projeto</a:t>
-            </a:r>
-            <a:endParaRPr lang="pt-BR" dirty="0"/>
+              <a:rPr lang="pt-BR" dirty="0"/>
+              <a:t>F.A.D.D.V.M.</a:t>
+            </a:r>
           </a:p>
         </p:txBody>
       </p:sp>
@@ -3147,7 +3089,17 @@
           <a:p>
             <a:r>
               <a:rPr lang="pt-BR" dirty="0" smtClean="0"/>
-              <a:t>Nome dos alunos</a:t>
+              <a:t>Hamilton Santos</a:t>
+            </a:r>
+          </a:p>
+          <a:p>
+            <a:r>
+              <a:rPr lang="en-US" dirty="0" err="1" smtClean="0"/>
+              <a:t>Talles</a:t>
+            </a:r>
+            <a:r>
+              <a:rPr lang="en-US" dirty="0" smtClean="0"/>
+              <a:t> Borges</a:t>
             </a:r>
             <a:endParaRPr lang="pt-BR" dirty="0"/>
           </a:p>
@@ -3294,11 +3246,7 @@
                     <a:p>
                       <a:r>
                         <a:rPr lang="pt-BR" dirty="0" smtClean="0"/>
-                        <a:t>1 </a:t>
-                      </a:r>
-                      <a:r>
-                        <a:rPr lang="pt-BR" dirty="0" smtClean="0"/>
-                        <a:t>minuto</a:t>
+                        <a:t>1 minuto</a:t>
                       </a:r>
                       <a:endParaRPr lang="pt-BR" dirty="0"/>
                     </a:p>
@@ -3358,11 +3306,7 @@
                     <a:p>
                       <a:r>
                         <a:rPr lang="pt-BR" dirty="0" smtClean="0"/>
-                        <a:t>5 </a:t>
-                      </a:r>
-                      <a:r>
-                        <a:rPr lang="pt-BR" dirty="0" smtClean="0"/>
-                        <a:t>minutos</a:t>
+                        <a:t>5 minutos</a:t>
                       </a:r>
                       <a:endParaRPr lang="pt-BR" dirty="0"/>
                     </a:p>
@@ -3571,17 +3515,53 @@
           <a:p>
             <a:r>
               <a:rPr lang="pt-BR" dirty="0" smtClean="0"/>
-              <a:t>Apresentar a </a:t>
+              <a:t>Este projeto tem como objetivo, criar um sistema especialista que auxiliará o profissional fisioterapeuta de UTI, na tomada de </a:t>
             </a:r>
             <a:r>
               <a:rPr lang="pt-BR" dirty="0" err="1" smtClean="0"/>
-              <a:t>idéia</a:t>
+              <a:t>decisao</a:t>
             </a:r>
             <a:r>
               <a:rPr lang="pt-BR" dirty="0" smtClean="0"/>
-              <a:t> do projeto, sua finalidade e seu público alvo.</a:t>
-            </a:r>
-            <a:endParaRPr lang="pt-BR" dirty="0"/>
+              <a:t> sobre </a:t>
+            </a:r>
+            <a:r>
+              <a:rPr lang="pt-BR" dirty="0" err="1" smtClean="0"/>
+              <a:t>utilizaçao</a:t>
+            </a:r>
+            <a:r>
+              <a:rPr lang="pt-BR" dirty="0" smtClean="0"/>
+              <a:t> da </a:t>
+            </a:r>
+            <a:r>
+              <a:rPr lang="pt-BR" dirty="0" err="1" smtClean="0"/>
+              <a:t>ventilaçao</a:t>
+            </a:r>
+            <a:r>
+              <a:rPr lang="pt-BR" dirty="0" smtClean="0"/>
+              <a:t> </a:t>
+            </a:r>
+            <a:r>
+              <a:rPr lang="pt-BR" dirty="0" err="1" smtClean="0"/>
+              <a:t>mecanica</a:t>
+            </a:r>
+            <a:r>
+              <a:rPr lang="pt-BR" dirty="0" smtClean="0"/>
+              <a:t> e do desmame da mesma</a:t>
+            </a:r>
+            <a:r>
+              <a:rPr lang="pt-BR" dirty="0" smtClean="0"/>
+              <a:t>, dando um </a:t>
+            </a:r>
+            <a:r>
+              <a:rPr lang="pt-BR" dirty="0" err="1" smtClean="0"/>
+              <a:t>indice</a:t>
+            </a:r>
+            <a:r>
+              <a:rPr lang="pt-BR" dirty="0" smtClean="0"/>
+              <a:t> de sucesso e explicando como este resultado foi obtido.</a:t>
+            </a:r>
+            <a:endParaRPr lang="pt-BR" dirty="0" smtClean="0"/>
           </a:p>
         </p:txBody>
       </p:sp>
@@ -3826,7 +3806,7 @@
         <p:spPr/>
         <p:txBody>
           <a:bodyPr>
-            <a:normAutofit/>
+            <a:normAutofit fontScale="90000"/>
           </a:bodyPr>
           <a:lstStyle/>
           <a:p>
@@ -4041,9 +4021,9 @@
 </file>
 
 <file path=ppt/theme/theme1.xml><?xml version="1.0" encoding="utf-8"?>
-<a:theme xmlns:a="http://schemas.openxmlformats.org/drawingml/2006/main" name="Tema do Office">
+<a:theme xmlns:a="http://schemas.openxmlformats.org/drawingml/2006/main" name="Ápice">
   <a:themeElements>
-    <a:clrScheme name="Escritório">
+    <a:clrScheme name="Ápice">
       <a:dk1>
         <a:sysClr val="windowText" lastClr="000000"/>
       </a:dk1>
@@ -4051,48 +4031,87 @@
         <a:sysClr val="window" lastClr="FFFFFF"/>
       </a:lt1>
       <a:dk2>
-        <a:srgbClr val="1F497D"/>
+        <a:srgbClr val="69676D"/>
       </a:dk2>
       <a:lt2>
-        <a:srgbClr val="EEECE1"/>
+        <a:srgbClr val="C9C2D1"/>
       </a:lt2>
       <a:accent1>
-        <a:srgbClr val="4F81BD"/>
+        <a:srgbClr val="CEB966"/>
       </a:accent1>
       <a:accent2>
-        <a:srgbClr val="C0504D"/>
+        <a:srgbClr val="9CB084"/>
       </a:accent2>
       <a:accent3>
-        <a:srgbClr val="9BBB59"/>
+        <a:srgbClr val="6BB1C9"/>
       </a:accent3>
       <a:accent4>
-        <a:srgbClr val="8064A2"/>
+        <a:srgbClr val="6585CF"/>
       </a:accent4>
       <a:accent5>
-        <a:srgbClr val="4BACC6"/>
+        <a:srgbClr val="7E6BC9"/>
       </a:accent5>
       <a:accent6>
-        <a:srgbClr val="F79646"/>
+        <a:srgbClr val="A379BB"/>
       </a:accent6>
       <a:hlink>
-        <a:srgbClr val="0000FF"/>
+        <a:srgbClr val="410082"/>
       </a:hlink>
       <a:folHlink>
-        <a:srgbClr val="800080"/>
+        <a:srgbClr val="932968"/>
       </a:folHlink>
     </a:clrScheme>
-    <a:fontScheme name="Escritório">
+    <a:fontScheme name="Ápice">
       <a:majorFont>
-        <a:latin typeface="Calibri"/>
+        <a:latin typeface="Lucida Sans"/>
         <a:ea typeface=""/>
         <a:cs typeface=""/>
-        <a:font script="Jpan" typeface="ＭＳ Ｐゴシック"/>
-        <a:font script="Hang" typeface="맑은 고딕"/>
+        <a:font script="Grek" typeface="Arial"/>
+        <a:font script="Cyrl" typeface="Arial"/>
+        <a:font script="Jpan" typeface="HG丸ｺﾞｼｯｸM-PRO"/>
+        <a:font script="Hang" typeface="휴먼옛체"/>
+        <a:font script="Hans" typeface="黑体"/>
+        <a:font script="Hant" typeface="微軟正黑體"/>
+        <a:font script="Arab" typeface="Tahoma"/>
+        <a:font script="Hebr" typeface="Levenim MT"/>
+        <a:font script="Thai" typeface="FreesiaUPC"/>
+        <a:font script="Ethi" typeface="Nyala"/>
+        <a:font script="Beng" typeface="Vrinda"/>
+        <a:font script="Gujr" typeface="Shruti"/>
+        <a:font script="Khmr" typeface="DaunPenh"/>
+        <a:font script="Knda" typeface="Tunga"/>
+        <a:font script="Guru" typeface="Raavi"/>
+        <a:font script="Cans" typeface="Euphemia"/>
+        <a:font script="Cher" typeface="Plantagenet Cherokee"/>
+        <a:font script="Yiii" typeface="Microsoft Yi Baiti"/>
+        <a:font script="Tibt" typeface="Microsoft Himalaya"/>
+        <a:font script="Thaa" typeface="MV Boli"/>
+        <a:font script="Deva" typeface="Mangal"/>
+        <a:font script="Telu" typeface="Gautami"/>
+        <a:font script="Taml" typeface="Latha"/>
+        <a:font script="Syrc" typeface="Estrangelo Edessa"/>
+        <a:font script="Orya" typeface="Kalinga"/>
+        <a:font script="Mlym" typeface="Kartika"/>
+        <a:font script="Laoo" typeface="DokChampa"/>
+        <a:font script="Sinh" typeface="Iskoola Pota"/>
+        <a:font script="Mong" typeface="Mongolian Baiti"/>
+        <a:font script="Viet" typeface="Tahoma"/>
+        <a:font script="Uigh" typeface="Microsoft Uighur"/>
+        <a:font script="Geor" typeface="Sylfaen"/>
+      </a:majorFont>
+      <a:minorFont>
+        <a:latin typeface="Book Antiqua"/>
+        <a:ea typeface=""/>
+        <a:cs typeface=""/>
+        <a:font script="Grek" typeface="Times New Roman"/>
+        <a:font script="Cyrl" typeface="Times New Roman"/>
+        <a:font script="Jpan" typeface="HG明朝B"/>
+        <a:font script="Hang" typeface="돋움"/>
         <a:font script="Hans" typeface="宋体"/>
         <a:font script="Hant" typeface="新細明體"/>
         <a:font script="Arab" typeface="Times New Roman"/>
-        <a:font script="Hebr" typeface="Times New Roman"/>
-        <a:font script="Thai" typeface="Angsana New"/>
+        <a:font script="Hebr" typeface="David"/>
+        <a:font script="Thai" typeface="EucrosiaUPC"/>
         <a:font script="Ethi" typeface="Nyala"/>
         <a:font script="Beng" typeface="Vrinda"/>
         <a:font script="Gujr" typeface="Shruti"/>
@@ -4116,101 +4135,75 @@
         <a:font script="Viet" typeface="Times New Roman"/>
         <a:font script="Uigh" typeface="Microsoft Uighur"/>
         <a:font script="Geor" typeface="Sylfaen"/>
-      </a:majorFont>
-      <a:minorFont>
-        <a:latin typeface="Calibri"/>
-        <a:ea typeface=""/>
-        <a:cs typeface=""/>
-        <a:font script="Jpan" typeface="ＭＳ Ｐゴシック"/>
-        <a:font script="Hang" typeface="맑은 고딕"/>
-        <a:font script="Hans" typeface="宋体"/>
-        <a:font script="Hant" typeface="新細明體"/>
-        <a:font script="Arab" typeface="Arial"/>
-        <a:font script="Hebr" typeface="Arial"/>
-        <a:font script="Thai" typeface="Cordia New"/>
-        <a:font script="Ethi" typeface="Nyala"/>
-        <a:font script="Beng" typeface="Vrinda"/>
-        <a:font script="Gujr" typeface="Shruti"/>
-        <a:font script="Khmr" typeface="DaunPenh"/>
-        <a:font script="Knda" typeface="Tunga"/>
-        <a:font script="Guru" typeface="Raavi"/>
-        <a:font script="Cans" typeface="Euphemia"/>
-        <a:font script="Cher" typeface="Plantagenet Cherokee"/>
-        <a:font script="Yiii" typeface="Microsoft Yi Baiti"/>
-        <a:font script="Tibt" typeface="Microsoft Himalaya"/>
-        <a:font script="Thaa" typeface="MV Boli"/>
-        <a:font script="Deva" typeface="Mangal"/>
-        <a:font script="Telu" typeface="Gautami"/>
-        <a:font script="Taml" typeface="Latha"/>
-        <a:font script="Syrc" typeface="Estrangelo Edessa"/>
-        <a:font script="Orya" typeface="Kalinga"/>
-        <a:font script="Mlym" typeface="Kartika"/>
-        <a:font script="Laoo" typeface="DokChampa"/>
-        <a:font script="Sinh" typeface="Iskoola Pota"/>
-        <a:font script="Mong" typeface="Mongolian Baiti"/>
-        <a:font script="Viet" typeface="Arial"/>
-        <a:font script="Uigh" typeface="Microsoft Uighur"/>
-        <a:font script="Geor" typeface="Sylfaen"/>
       </a:minorFont>
     </a:fontScheme>
-    <a:fmtScheme name="Escritório">
+    <a:fmtScheme name="Ápice">
       <a:fillStyleLst>
         <a:solidFill>
           <a:schemeClr val="phClr"/>
         </a:solidFill>
         <a:gradFill rotWithShape="1">
           <a:gsLst>
-            <a:gs pos="0">
+            <a:gs pos="20000">
               <a:schemeClr val="phClr">
-                <a:tint val="50000"/>
-                <a:satMod val="300000"/>
-              </a:schemeClr>
-            </a:gs>
-            <a:gs pos="35000">
-              <a:schemeClr val="phClr">
-                <a:tint val="37000"/>
-                <a:satMod val="300000"/>
+                <a:tint val="9000"/>
               </a:schemeClr>
             </a:gs>
             <a:gs pos="100000">
               <a:schemeClr val="phClr">
-                <a:tint val="15000"/>
-                <a:satMod val="350000"/>
+                <a:tint val="70000"/>
+                <a:satMod val="100000"/>
               </a:schemeClr>
             </a:gs>
           </a:gsLst>
-          <a:lin ang="16200000" scaled="1"/>
+          <a:path path="circle">
+            <a:fillToRect l="-15000" t="-15000" r="115000" b="115000"/>
+          </a:path>
         </a:gradFill>
         <a:gradFill rotWithShape="1">
           <a:gsLst>
             <a:gs pos="0">
               <a:schemeClr val="phClr">
-                <a:shade val="51000"/>
-                <a:satMod val="130000"/>
+                <a:shade val="60000"/>
               </a:schemeClr>
             </a:gs>
-            <a:gs pos="80000">
+            <a:gs pos="33000">
               <a:schemeClr val="phClr">
-                <a:shade val="93000"/>
-                <a:satMod val="130000"/>
+                <a:tint val="86500"/>
+              </a:schemeClr>
+            </a:gs>
+            <a:gs pos="46750">
+              <a:schemeClr val="phClr">
+                <a:tint val="71000"/>
+                <a:satMod val="112000"/>
+              </a:schemeClr>
+            </a:gs>
+            <a:gs pos="53000">
+              <a:schemeClr val="phClr">
+                <a:tint val="71000"/>
+                <a:satMod val="112000"/>
+              </a:schemeClr>
+            </a:gs>
+            <a:gs pos="68000">
+              <a:schemeClr val="phClr">
+                <a:tint val="86000"/>
               </a:schemeClr>
             </a:gs>
             <a:gs pos="100000">
               <a:schemeClr val="phClr">
-                <a:shade val="94000"/>
-                <a:satMod val="135000"/>
+                <a:shade val="60000"/>
               </a:schemeClr>
             </a:gs>
           </a:gsLst>
-          <a:lin ang="16200000" scaled="0"/>
+          <a:lin ang="8350000" scaled="1"/>
         </a:gradFill>
       </a:fillStyleLst>
       <a:lnStyleLst>
         <a:ln w="9525" cap="flat" cmpd="sng" algn="ctr">
           <a:solidFill>
             <a:schemeClr val="phClr">
-              <a:shade val="95000"/>
-              <a:satMod val="105000"/>
+              <a:shade val="48000"/>
+              <a:satMod val="110000"/>
             </a:schemeClr>
           </a:solidFill>
           <a:prstDash val="solid"/>
@@ -4231,16 +4224,7 @@
       <a:effectStyleLst>
         <a:effectStyle>
           <a:effectLst>
-            <a:outerShdw blurRad="40000" dist="20000" dir="5400000" rotWithShape="0">
-              <a:srgbClr val="000000">
-                <a:alpha val="38000"/>
-              </a:srgbClr>
-            </a:outerShdw>
-          </a:effectLst>
-        </a:effectStyle>
-        <a:effectStyle>
-          <a:effectLst>
-            <a:outerShdw blurRad="40000" dist="23000" dir="5400000" rotWithShape="0">
+            <a:outerShdw blurRad="130000" dist="101600" dir="2700000" algn="tl" rotWithShape="0">
               <a:srgbClr val="000000">
                 <a:alpha val="35000"/>
               </a:srgbClr>
@@ -4249,22 +4233,31 @@
         </a:effectStyle>
         <a:effectStyle>
           <a:effectLst>
-            <a:outerShdw blurRad="40000" dist="23000" dir="5400000" rotWithShape="0">
+            <a:outerShdw blurRad="190500" dist="228600" dir="2700000" sy="90000" rotWithShape="0">
               <a:srgbClr val="000000">
-                <a:alpha val="35000"/>
+                <a:alpha val="25500"/>
+              </a:srgbClr>
+            </a:outerShdw>
+          </a:effectLst>
+        </a:effectStyle>
+        <a:effectStyle>
+          <a:effectLst>
+            <a:outerShdw blurRad="190500" dist="228600" dir="2700000" sy="90000" rotWithShape="0">
+              <a:srgbClr val="000000">
+                <a:alpha val="25500"/>
               </a:srgbClr>
             </a:outerShdw>
           </a:effectLst>
           <a:scene3d>
-            <a:camera prst="orthographicFront">
+            <a:camera prst="orthographicFront" fov="0">
               <a:rot lat="0" lon="0" rev="0"/>
             </a:camera>
-            <a:lightRig rig="threePt" dir="t">
-              <a:rot lat="0" lon="0" rev="1200000"/>
+            <a:lightRig rig="soft" dir="tl">
+              <a:rot lat="0" lon="0" rev="20100000"/>
             </a:lightRig>
           </a:scene3d>
           <a:sp3d>
-            <a:bevelT w="63500" h="25400"/>
+            <a:bevelT w="50800" h="50800"/>
           </a:sp3d>
         </a:effectStyle>
       </a:effectStyleLst>
@@ -4276,47 +4269,38 @@
           <a:gsLst>
             <a:gs pos="0">
               <a:schemeClr val="phClr">
-                <a:tint val="40000"/>
-                <a:satMod val="350000"/>
-              </a:schemeClr>
-            </a:gs>
-            <a:gs pos="40000">
-              <a:schemeClr val="phClr">
-                <a:tint val="45000"/>
-                <a:shade val="99000"/>
-                <a:satMod val="350000"/>
+                <a:tint val="50000"/>
+                <a:satMod val="180000"/>
               </a:schemeClr>
             </a:gs>
             <a:gs pos="100000">
               <a:schemeClr val="phClr">
-                <a:shade val="20000"/>
-                <a:satMod val="255000"/>
+                <a:shade val="45000"/>
+                <a:satMod val="120000"/>
               </a:schemeClr>
             </a:gs>
           </a:gsLst>
           <a:path path="circle">
-            <a:fillToRect l="50000" t="-80000" r="50000" b="180000"/>
+            <a:fillToRect r="100000" b="100000"/>
           </a:path>
         </a:gradFill>
-        <a:gradFill rotWithShape="1">
-          <a:gsLst>
-            <a:gs pos="0">
+        <a:blipFill>
+          <a:blip xmlns:r="http://schemas.openxmlformats.org/officeDocument/2006/relationships" r:embed="rId1">
+            <a:duotone>
               <a:schemeClr val="phClr">
-                <a:tint val="80000"/>
-                <a:satMod val="300000"/>
+                <a:shade val="3000"/>
+                <a:satMod val="110000"/>
               </a:schemeClr>
-            </a:gs>
-            <a:gs pos="100000">
               <a:schemeClr val="phClr">
-                <a:shade val="30000"/>
-                <a:satMod val="200000"/>
+                <a:tint val="60000"/>
+                <a:satMod val="425000"/>
               </a:schemeClr>
-            </a:gs>
-          </a:gsLst>
-          <a:path path="circle">
-            <a:fillToRect l="50000" t="50000" r="50000" b="50000"/>
-          </a:path>
-        </a:gradFill>
+            </a:duotone>
+          </a:blip>
+          <a:stretch>
+            <a:fillRect/>
+          </a:stretch>
+        </a:blipFill>
       </a:bgFillStyleLst>
     </a:fmtScheme>
   </a:themeElements>

--- a/Proposta/ApresentacaoProposta.pptx
+++ b/Proposta/ApresentacaoProposta.pptx
@@ -225,7 +225,7 @@
           <a:p>
             <a:fld id="{73948A2C-A351-44A5-9543-EA3B6BD94DE1}" type="datetimeFigureOut">
               <a:rPr lang="pt-BR" smtClean="0"/>
-              <a:t>17/03/2013</a:t>
+              <a:t>17/3/2013</a:t>
             </a:fld>
             <a:endParaRPr lang="pt-BR"/>
           </a:p>
@@ -267,7 +267,7 @@
           <a:p>
             <a:fld id="{193FF5D9-4674-4F21-ABEA-BCF3C230FAB2}" type="slidenum">
               <a:rPr lang="pt-BR" smtClean="0"/>
-              <a:t>‹nº›</a:t>
+              <a:t>‹#›</a:t>
             </a:fld>
             <a:endParaRPr lang="pt-BR"/>
           </a:p>
@@ -451,7 +451,7 @@
           <a:p>
             <a:fld id="{73948A2C-A351-44A5-9543-EA3B6BD94DE1}" type="datetimeFigureOut">
               <a:rPr lang="pt-BR" smtClean="0"/>
-              <a:t>17/03/2013</a:t>
+              <a:t>17/3/2013</a:t>
             </a:fld>
             <a:endParaRPr lang="pt-BR"/>
           </a:p>
@@ -493,7 +493,7 @@
           <a:p>
             <a:fld id="{193FF5D9-4674-4F21-ABEA-BCF3C230FAB2}" type="slidenum">
               <a:rPr lang="pt-BR" smtClean="0"/>
-              <a:t>‹nº›</a:t>
+              <a:t>‹#›</a:t>
             </a:fld>
             <a:endParaRPr lang="pt-BR"/>
           </a:p>
@@ -626,7 +626,7 @@
           <a:p>
             <a:fld id="{73948A2C-A351-44A5-9543-EA3B6BD94DE1}" type="datetimeFigureOut">
               <a:rPr lang="pt-BR" smtClean="0"/>
-              <a:t>17/03/2013</a:t>
+              <a:t>17/3/2013</a:t>
             </a:fld>
             <a:endParaRPr lang="pt-BR"/>
           </a:p>
@@ -668,7 +668,7 @@
           <a:p>
             <a:fld id="{193FF5D9-4674-4F21-ABEA-BCF3C230FAB2}" type="slidenum">
               <a:rPr lang="pt-BR" smtClean="0"/>
-              <a:t>‹nº›</a:t>
+              <a:t>‹#›</a:t>
             </a:fld>
             <a:endParaRPr lang="pt-BR"/>
           </a:p>
@@ -791,7 +791,7 @@
           <a:p>
             <a:fld id="{73948A2C-A351-44A5-9543-EA3B6BD94DE1}" type="datetimeFigureOut">
               <a:rPr lang="pt-BR" smtClean="0"/>
-              <a:t>17/03/2013</a:t>
+              <a:t>17/3/2013</a:t>
             </a:fld>
             <a:endParaRPr lang="pt-BR"/>
           </a:p>
@@ -833,7 +833,7 @@
           <a:p>
             <a:fld id="{193FF5D9-4674-4F21-ABEA-BCF3C230FAB2}" type="slidenum">
               <a:rPr lang="pt-BR" smtClean="0"/>
-              <a:t>‹nº›</a:t>
+              <a:t>‹#›</a:t>
             </a:fld>
             <a:endParaRPr lang="pt-BR"/>
           </a:p>
@@ -1035,7 +1035,7 @@
           <a:p>
             <a:fld id="{73948A2C-A351-44A5-9543-EA3B6BD94DE1}" type="datetimeFigureOut">
               <a:rPr lang="pt-BR" smtClean="0"/>
-              <a:t>17/03/2013</a:t>
+              <a:t>17/3/2013</a:t>
             </a:fld>
             <a:endParaRPr lang="pt-BR"/>
           </a:p>
@@ -1082,7 +1082,7 @@
           <a:p>
             <a:fld id="{193FF5D9-4674-4F21-ABEA-BCF3C230FAB2}" type="slidenum">
               <a:rPr lang="pt-BR" smtClean="0"/>
-              <a:t>‹nº›</a:t>
+              <a:t>‹#›</a:t>
             </a:fld>
             <a:endParaRPr lang="pt-BR"/>
           </a:p>
@@ -1299,7 +1299,7 @@
           <a:p>
             <a:fld id="{73948A2C-A351-44A5-9543-EA3B6BD94DE1}" type="datetimeFigureOut">
               <a:rPr lang="pt-BR" smtClean="0"/>
-              <a:t>17/03/2013</a:t>
+              <a:t>17/3/2013</a:t>
             </a:fld>
             <a:endParaRPr lang="pt-BR"/>
           </a:p>
@@ -1341,7 +1341,7 @@
           <a:p>
             <a:fld id="{193FF5D9-4674-4F21-ABEA-BCF3C230FAB2}" type="slidenum">
               <a:rPr lang="pt-BR" smtClean="0"/>
-              <a:t>‹nº›</a:t>
+              <a:t>‹#›</a:t>
             </a:fld>
             <a:endParaRPr lang="pt-BR"/>
           </a:p>
@@ -1673,7 +1673,7 @@
           <a:p>
             <a:fld id="{73948A2C-A351-44A5-9543-EA3B6BD94DE1}" type="datetimeFigureOut">
               <a:rPr lang="pt-BR" smtClean="0"/>
-              <a:t>17/03/2013</a:t>
+              <a:t>17/3/2013</a:t>
             </a:fld>
             <a:endParaRPr lang="pt-BR"/>
           </a:p>
@@ -1715,7 +1715,7 @@
           <a:p>
             <a:fld id="{193FF5D9-4674-4F21-ABEA-BCF3C230FAB2}" type="slidenum">
               <a:rPr lang="pt-BR" smtClean="0"/>
-              <a:t>‹nº›</a:t>
+              <a:t>‹#›</a:t>
             </a:fld>
             <a:endParaRPr lang="pt-BR"/>
           </a:p>
@@ -1786,7 +1786,7 @@
           <a:p>
             <a:fld id="{73948A2C-A351-44A5-9543-EA3B6BD94DE1}" type="datetimeFigureOut">
               <a:rPr lang="pt-BR" smtClean="0"/>
-              <a:t>17/03/2013</a:t>
+              <a:t>17/3/2013</a:t>
             </a:fld>
             <a:endParaRPr lang="pt-BR"/>
           </a:p>
@@ -1828,7 +1828,7 @@
           <a:p>
             <a:fld id="{193FF5D9-4674-4F21-ABEA-BCF3C230FAB2}" type="slidenum">
               <a:rPr lang="pt-BR" smtClean="0"/>
-              <a:t>‹nº›</a:t>
+              <a:t>‹#›</a:t>
             </a:fld>
             <a:endParaRPr lang="pt-BR"/>
           </a:p>
@@ -1876,7 +1876,7 @@
           <a:p>
             <a:fld id="{73948A2C-A351-44A5-9543-EA3B6BD94DE1}" type="datetimeFigureOut">
               <a:rPr lang="pt-BR" smtClean="0"/>
-              <a:t>17/03/2013</a:t>
+              <a:t>17/3/2013</a:t>
             </a:fld>
             <a:endParaRPr lang="pt-BR"/>
           </a:p>
@@ -1918,7 +1918,7 @@
           <a:p>
             <a:fld id="{193FF5D9-4674-4F21-ABEA-BCF3C230FAB2}" type="slidenum">
               <a:rPr lang="pt-BR" smtClean="0"/>
-              <a:t>‹nº›</a:t>
+              <a:t>‹#›</a:t>
             </a:fld>
             <a:endParaRPr lang="pt-BR"/>
           </a:p>
@@ -2134,7 +2134,7 @@
           <a:p>
             <a:fld id="{73948A2C-A351-44A5-9543-EA3B6BD94DE1}" type="datetimeFigureOut">
               <a:rPr lang="pt-BR" smtClean="0"/>
-              <a:t>17/03/2013</a:t>
+              <a:t>17/3/2013</a:t>
             </a:fld>
             <a:endParaRPr lang="pt-BR"/>
           </a:p>
@@ -2176,7 +2176,7 @@
           <a:p>
             <a:fld id="{193FF5D9-4674-4F21-ABEA-BCF3C230FAB2}" type="slidenum">
               <a:rPr lang="pt-BR" smtClean="0"/>
-              <a:t>‹nº›</a:t>
+              <a:t>‹#›</a:t>
             </a:fld>
             <a:endParaRPr lang="pt-BR"/>
           </a:p>
@@ -2398,7 +2398,7 @@
           <a:p>
             <a:fld id="{73948A2C-A351-44A5-9543-EA3B6BD94DE1}" type="datetimeFigureOut">
               <a:rPr lang="pt-BR" smtClean="0"/>
-              <a:t>17/03/2013</a:t>
+              <a:t>17/3/2013</a:t>
             </a:fld>
             <a:endParaRPr lang="pt-BR"/>
           </a:p>
@@ -2440,7 +2440,7 @@
           <a:p>
             <a:fld id="{193FF5D9-4674-4F21-ABEA-BCF3C230FAB2}" type="slidenum">
               <a:rPr lang="pt-BR" smtClean="0"/>
-              <a:t>‹nº›</a:t>
+              <a:t>‹#›</a:t>
             </a:fld>
             <a:endParaRPr lang="pt-BR"/>
           </a:p>
@@ -2615,7 +2615,7 @@
           <a:p>
             <a:fld id="{73948A2C-A351-44A5-9543-EA3B6BD94DE1}" type="datetimeFigureOut">
               <a:rPr lang="pt-BR" smtClean="0"/>
-              <a:t>17/03/2013</a:t>
+              <a:t>17/3/2013</a:t>
             </a:fld>
             <a:endParaRPr lang="pt-BR"/>
           </a:p>
@@ -2693,7 +2693,7 @@
           <a:p>
             <a:fld id="{193FF5D9-4674-4F21-ABEA-BCF3C230FAB2}" type="slidenum">
               <a:rPr lang="pt-BR" smtClean="0"/>
-              <a:t>‹nº›</a:t>
+              <a:t>‹#›</a:t>
             </a:fld>
             <a:endParaRPr lang="pt-BR"/>
           </a:p>
@@ -3547,11 +3547,7 @@
             </a:r>
             <a:r>
               <a:rPr lang="pt-BR" dirty="0" smtClean="0"/>
-              <a:t> e do desmame da mesma</a:t>
-            </a:r>
-            <a:r>
-              <a:rPr lang="pt-BR" dirty="0" smtClean="0"/>
-              <a:t>, dando um </a:t>
+              <a:t> e do desmame da mesma, dando um </a:t>
             </a:r>
             <a:r>
               <a:rPr lang="pt-BR" dirty="0" err="1" smtClean="0"/>
@@ -3561,7 +3557,6 @@
               <a:rPr lang="pt-BR" dirty="0" smtClean="0"/>
               <a:t> de sucesso e explicando como este resultado foi obtido.</a:t>
             </a:r>
-            <a:endParaRPr lang="pt-BR" dirty="0" smtClean="0"/>
           </a:p>
         </p:txBody>
       </p:sp>
@@ -3918,9 +3913,15 @@
           <a:p>
             <a:r>
               <a:rPr lang="pt-BR" dirty="0" smtClean="0"/>
-              <a:t>O que sua proposta tem de diferente no contexto escolhido com o hoje existente no mercado.</a:t>
-            </a:r>
-            <a:endParaRPr lang="pt-BR" dirty="0"/>
+              <a:t>Com a utilização do sistema especialista, o fisioterapeuta tera ganho de tempo no desmame do paciente, como também mais segurança em efetuar o mesmo.</a:t>
+            </a:r>
+          </a:p>
+          <a:p>
+            <a:r>
+              <a:rPr lang="pt-BR" dirty="0" smtClean="0"/>
+              <a:t>Nas UTIs irão ter mais vagas livres, pois não só ira diminuir o tempo de um paciente em ventilação mecanica, trará maiores chances de o mesmo precisar voltar a ventilação.</a:t>
+            </a:r>
+            <a:endParaRPr lang="pt-BR" dirty="0" smtClean="0"/>
           </a:p>
         </p:txBody>
       </p:sp>
@@ -4001,7 +4002,13 @@
           <a:p>
             <a:r>
               <a:rPr lang="pt-BR" dirty="0" smtClean="0"/>
-              <a:t>Expectativa de sucesso e justificativa.</a:t>
+              <a:t>Sabemos que a area de saude no Brasil é precaria, com a ideia do sistema teriamos mais tranquilidade em realizar as ações necessarias para a instalação do ventilador mecanico nos pacientes.</a:t>
+            </a:r>
+          </a:p>
+          <a:p>
+            <a:r>
+              <a:rPr lang="pt-BR" dirty="0" smtClean="0"/>
+              <a:t>A idéa do sistema trara beneficio não só a UTI como tambem ao fisioterapeuta que ficara mais seguro efetuando um desmame, sabendo que a chance do paciente precisar voltar a ventilação mecanica é menor.</a:t>
             </a:r>
             <a:endParaRPr lang="pt-BR" dirty="0"/>
           </a:p>

--- a/Proposta/ApresentacaoProposta.pptx
+++ b/Proposta/ApresentacaoProposta.pptx
@@ -2,17 +2,22 @@
 <file path=ppt/presentation.xml><?xml version="1.0" encoding="utf-8"?>
 <p:presentation xmlns:a="http://schemas.openxmlformats.org/drawingml/2006/main" xmlns:r="http://schemas.openxmlformats.org/officeDocument/2006/relationships" xmlns:p="http://schemas.openxmlformats.org/presentationml/2006/main" saveSubsetFonts="1">
   <p:sldMasterIdLst>
-    <p:sldMasterId id="2147483660" r:id="rId1"/>
+    <p:sldMasterId id="2147483744" r:id="rId1"/>
   </p:sldMasterIdLst>
   <p:sldIdLst>
     <p:sldId id="256" r:id="rId2"/>
     <p:sldId id="265" r:id="rId3"/>
-    <p:sldId id="261" r:id="rId4"/>
-    <p:sldId id="257" r:id="rId5"/>
-    <p:sldId id="262" r:id="rId6"/>
-    <p:sldId id="259" r:id="rId7"/>
-    <p:sldId id="260" r:id="rId8"/>
-    <p:sldId id="266" r:id="rId9"/>
+    <p:sldId id="267" r:id="rId4"/>
+    <p:sldId id="261" r:id="rId5"/>
+    <p:sldId id="257" r:id="rId6"/>
+    <p:sldId id="262" r:id="rId7"/>
+    <p:sldId id="268" r:id="rId8"/>
+    <p:sldId id="269" r:id="rId9"/>
+    <p:sldId id="270" r:id="rId10"/>
+    <p:sldId id="271" r:id="rId11"/>
+    <p:sldId id="259" r:id="rId12"/>
+    <p:sldId id="260" r:id="rId13"/>
+    <p:sldId id="266" r:id="rId14"/>
   </p:sldIdLst>
   <p:sldSz cx="9144000" cy="6858000" type="screen4x3"/>
   <p:notesSz cx="6858000" cy="9144000"/>
@@ -115,8 +120,8 @@
 </file>
 
 <file path=ppt/slideLayouts/slideLayout1.xml><?xml version="1.0" encoding="utf-8"?>
-<p:sldLayout xmlns:a="http://schemas.openxmlformats.org/drawingml/2006/main" xmlns:r="http://schemas.openxmlformats.org/officeDocument/2006/relationships" xmlns:p="http://schemas.openxmlformats.org/presentationml/2006/main" type="title" preserve="1">
-  <p:cSld name="Slide de título">
+<p:sldLayout xmlns:a="http://schemas.openxmlformats.org/drawingml/2006/main" xmlns:r="http://schemas.openxmlformats.org/officeDocument/2006/relationships" xmlns:p="http://schemas.openxmlformats.org/presentationml/2006/main" showMasterSp="0" type="title" preserve="1">
+  <p:cSld name="Title Slide">
     <p:spTree>
       <p:nvGrpSpPr>
         <p:cNvPr id="1" name=""/>
@@ -133,76 +138,102 @@
       </p:grpSpPr>
       <p:sp>
         <p:nvSpPr>
-          <p:cNvPr id="8" name="Título 7"/>
-          <p:cNvSpPr>
-            <a:spLocks noGrp="1"/>
-          </p:cNvSpPr>
-          <p:nvPr>
-            <p:ph type="ctrTitle"/>
-          </p:nvPr>
+          <p:cNvPr id="7" name="Round Diagonal Corner Rectangle 6"/>
+          <p:cNvSpPr/>
+          <p:nvPr/>
         </p:nvSpPr>
         <p:spPr>
           <a:xfrm>
-            <a:off x="422030" y="1371600"/>
-            <a:ext cx="8229600" cy="1828800"/>
+            <a:off x="164592" y="146304"/>
+            <a:ext cx="8814816" cy="2505456"/>
+          </a:xfrm>
+          <a:prstGeom prst="round2DiagRect">
+            <a:avLst>
+              <a:gd name="adj1" fmla="val 11807"/>
+              <a:gd name="adj2" fmla="val 0"/>
+            </a:avLst>
+          </a:prstGeom>
+          <a:solidFill>
+            <a:schemeClr val="bg2">
+              <a:tint val="85000"/>
+              <a:shade val="90000"/>
+              <a:satMod val="150000"/>
+              <a:alpha val="65000"/>
+            </a:schemeClr>
+          </a:solidFill>
+          <a:ln w="11000" cap="rnd" cmpd="sng" algn="ctr">
+            <a:solidFill>
+              <a:schemeClr val="bg2">
+                <a:tint val="78000"/>
+                <a:satMod val="180000"/>
+                <a:alpha val="88000"/>
+              </a:schemeClr>
+            </a:solidFill>
+            <a:prstDash val="solid"/>
+          </a:ln>
+          <a:effectLst>
+            <a:innerShdw blurRad="114300">
+              <a:srgbClr val="000000">
+                <a:alpha val="100000"/>
+              </a:srgbClr>
+            </a:innerShdw>
+          </a:effectLst>
+        </p:spPr>
+        <p:style>
+          <a:lnRef idx="3">
+            <a:schemeClr val="lt1"/>
+          </a:lnRef>
+          <a:fillRef idx="1">
+            <a:schemeClr val="accent1"/>
+          </a:fillRef>
+          <a:effectRef idx="1">
+            <a:schemeClr val="accent1"/>
+          </a:effectRef>
+          <a:fontRef idx="minor">
+            <a:schemeClr val="lt1"/>
+          </a:fontRef>
+        </p:style>
+        <p:txBody>
+          <a:bodyPr anchor="ctr"/>
+          <a:lstStyle>
+            <a:extLst/>
+          </a:lstStyle>
+          <a:p>
+            <a:pPr algn="ctr" eaLnBrk="1" latinLnBrk="0" hangingPunct="1"/>
+            <a:endParaRPr kumimoji="0" lang="en-US"/>
+          </a:p>
+        </p:txBody>
+      </p:sp>
+      <p:sp>
+        <p:nvSpPr>
+          <p:cNvPr id="8" name="Title 7"/>
+          <p:cNvSpPr>
+            <a:spLocks noGrp="1"/>
+          </p:cNvSpPr>
+          <p:nvPr>
+            <p:ph type="ctrTitle"/>
+          </p:nvPr>
+        </p:nvSpPr>
+        <p:spPr>
+          <a:xfrm>
+            <a:off x="464234" y="381001"/>
+            <a:ext cx="8229600" cy="2209800"/>
           </a:xfrm>
         </p:spPr>
         <p:txBody>
-          <a:bodyPr vert="horz" lIns="45720" tIns="0" rIns="45720" bIns="0" anchor="b">
+          <a:bodyPr lIns="45720" rIns="228600" anchor="b">
             <a:normAutofit/>
-            <a:scene3d>
-              <a:camera prst="orthographicFront"/>
-              <a:lightRig rig="soft" dir="t">
-                <a:rot lat="0" lon="0" rev="17220000"/>
-              </a:lightRig>
-            </a:scene3d>
-            <a:sp3d prstMaterial="softEdge">
-              <a:bevelT w="38100" h="38100"/>
-            </a:sp3d>
           </a:bodyPr>
           <a:lstStyle>
-            <a:lvl1pPr>
-              <a:defRPr sz="4800" b="1" cap="all" baseline="0">
-                <a:ln w="6350">
-                  <a:noFill/>
-                </a:ln>
-                <a:gradFill>
-                  <a:gsLst>
-                    <a:gs pos="0">
-                      <a:schemeClr val="accent1">
-                        <a:tint val="73000"/>
-                        <a:satMod val="145000"/>
-                      </a:schemeClr>
-                    </a:gs>
-                    <a:gs pos="73000">
-                      <a:schemeClr val="accent1">
-                        <a:tint val="73000"/>
-                        <a:satMod val="145000"/>
-                      </a:schemeClr>
-                    </a:gs>
-                    <a:gs pos="100000">
-                      <a:schemeClr val="accent1">
-                        <a:tint val="83000"/>
-                        <a:satMod val="143000"/>
-                      </a:schemeClr>
-                    </a:gs>
-                  </a:gsLst>
-                  <a:lin ang="4800000" scaled="1"/>
-                </a:gradFill>
-                <a:effectLst>
-                  <a:outerShdw blurRad="127000" dist="200000" dir="2700000" algn="tl" rotWithShape="0">
-                    <a:srgbClr val="000000">
-                      <a:alpha val="30000"/>
-                    </a:srgbClr>
-                  </a:outerShdw>
-                </a:effectLst>
-              </a:defRPr>
+            <a:lvl1pPr marL="0" algn="r">
+              <a:defRPr sz="4800"/>
             </a:lvl1pPr>
-          </a:lstStyle>
-          <a:p>
-            <a:r>
-              <a:rPr kumimoji="0" lang="pt-BR" smtClean="0"/>
-              <a:t>Clique para editar o título mestre</a:t>
+            <a:extLst/>
+          </a:lstStyle>
+          <a:p>
+            <a:r>
+              <a:rPr kumimoji="0" lang="en-US" smtClean="0"/>
+              <a:t>Click to edit Master title style</a:t>
             </a:r>
             <a:endParaRPr kumimoji="0" lang="en-US"/>
           </a:p>
@@ -210,72 +241,7 @@
       </p:sp>
       <p:sp>
         <p:nvSpPr>
-          <p:cNvPr id="28" name="Espaço Reservado para Data 27"/>
-          <p:cNvSpPr>
-            <a:spLocks noGrp="1"/>
-          </p:cNvSpPr>
-          <p:nvPr>
-            <p:ph type="dt" sz="half" idx="10"/>
-          </p:nvPr>
-        </p:nvSpPr>
-        <p:spPr/>
-        <p:txBody>
-          <a:bodyPr/>
-          <a:lstStyle/>
-          <a:p>
-            <a:fld id="{73948A2C-A351-44A5-9543-EA3B6BD94DE1}" type="datetimeFigureOut">
-              <a:rPr lang="pt-BR" smtClean="0"/>
-              <a:t>17/3/2013</a:t>
-            </a:fld>
-            <a:endParaRPr lang="pt-BR"/>
-          </a:p>
-        </p:txBody>
-      </p:sp>
-      <p:sp>
-        <p:nvSpPr>
-          <p:cNvPr id="17" name="Espaço Reservado para Rodapé 16"/>
-          <p:cNvSpPr>
-            <a:spLocks noGrp="1"/>
-          </p:cNvSpPr>
-          <p:nvPr>
-            <p:ph type="ftr" sz="quarter" idx="11"/>
-          </p:nvPr>
-        </p:nvSpPr>
-        <p:spPr/>
-        <p:txBody>
-          <a:bodyPr/>
-          <a:lstStyle/>
-          <a:p>
-            <a:endParaRPr lang="pt-BR"/>
-          </a:p>
-        </p:txBody>
-      </p:sp>
-      <p:sp>
-        <p:nvSpPr>
-          <p:cNvPr id="29" name="Espaço Reservado para Número de Slide 28"/>
-          <p:cNvSpPr>
-            <a:spLocks noGrp="1"/>
-          </p:cNvSpPr>
-          <p:nvPr>
-            <p:ph type="sldNum" sz="quarter" idx="12"/>
-          </p:nvPr>
-        </p:nvSpPr>
-        <p:spPr/>
-        <p:txBody>
-          <a:bodyPr/>
-          <a:lstStyle/>
-          <a:p>
-            <a:fld id="{193FF5D9-4674-4F21-ABEA-BCF3C230FAB2}" type="slidenum">
-              <a:rPr lang="pt-BR" smtClean="0"/>
-              <a:t>‹#›</a:t>
-            </a:fld>
-            <a:endParaRPr lang="pt-BR"/>
-          </a:p>
-        </p:txBody>
-      </p:sp>
-      <p:sp>
-        <p:nvSpPr>
-          <p:cNvPr id="9" name="Subtítulo 8"/>
+          <p:cNvPr id="9" name="Subtitle 8"/>
           <p:cNvSpPr>
             <a:spLocks noGrp="1"/>
           </p:cNvSpPr>
@@ -285,19 +251,20 @@
         </p:nvSpPr>
         <p:spPr>
           <a:xfrm>
-            <a:off x="1371600" y="3331698"/>
-            <a:ext cx="6400800" cy="1752600"/>
+            <a:off x="2133600" y="2819400"/>
+            <a:ext cx="6560234" cy="1752600"/>
           </a:xfrm>
         </p:spPr>
         <p:txBody>
-          <a:bodyPr/>
-          <a:lstStyle>
-            <a:lvl1pPr marL="0" indent="0" algn="ctr">
+          <a:bodyPr lIns="45720" rIns="246888"/>
+          <a:lstStyle>
+            <a:lvl1pPr marL="0" indent="0" algn="r">
+              <a:spcBef>
+                <a:spcPts val="0"/>
+              </a:spcBef>
               <a:buNone/>
               <a:defRPr>
-                <a:solidFill>
-                  <a:schemeClr val="tx1"/>
-                </a:solidFill>
+                <a:effectLst/>
               </a:defRPr>
             </a:lvl1pPr>
             <a:lvl2pPr marL="457200" indent="0" algn="ctr">
@@ -324,13 +291,109 @@
             <a:lvl9pPr marL="3657600" indent="0" algn="ctr">
               <a:buNone/>
             </a:lvl9pPr>
-          </a:lstStyle>
-          <a:p>
-            <a:r>
-              <a:rPr kumimoji="0" lang="pt-BR" smtClean="0"/>
-              <a:t>Clique para editar o estilo do subtítulo mestre</a:t>
+            <a:extLst/>
+          </a:lstStyle>
+          <a:p>
+            <a:r>
+              <a:rPr kumimoji="0" lang="en-US" smtClean="0"/>
+              <a:t>Click to edit Master subtitle style</a:t>
             </a:r>
             <a:endParaRPr kumimoji="0" lang="en-US"/>
+          </a:p>
+        </p:txBody>
+      </p:sp>
+      <p:sp>
+        <p:nvSpPr>
+          <p:cNvPr id="10" name="Date Placeholder 9"/>
+          <p:cNvSpPr>
+            <a:spLocks noGrp="1"/>
+          </p:cNvSpPr>
+          <p:nvPr>
+            <p:ph type="dt" sz="half" idx="10"/>
+          </p:nvPr>
+        </p:nvSpPr>
+        <p:spPr>
+          <a:xfrm>
+            <a:off x="5562600" y="6509004"/>
+            <a:ext cx="3002280" cy="274320"/>
+          </a:xfrm>
+        </p:spPr>
+        <p:txBody>
+          <a:bodyPr vert="horz" rtlCol="0"/>
+          <a:lstStyle>
+            <a:extLst/>
+          </a:lstStyle>
+          <a:p>
+            <a:fld id="{73948A2C-A351-44A5-9543-EA3B6BD94DE1}" type="datetimeFigureOut">
+              <a:rPr lang="pt-BR" smtClean="0"/>
+              <a:t>19/3/2013</a:t>
+            </a:fld>
+            <a:endParaRPr lang="pt-BR"/>
+          </a:p>
+        </p:txBody>
+      </p:sp>
+      <p:sp>
+        <p:nvSpPr>
+          <p:cNvPr id="11" name="Slide Number Placeholder 10"/>
+          <p:cNvSpPr>
+            <a:spLocks noGrp="1"/>
+          </p:cNvSpPr>
+          <p:nvPr>
+            <p:ph type="sldNum" sz="quarter" idx="11"/>
+          </p:nvPr>
+        </p:nvSpPr>
+        <p:spPr>
+          <a:xfrm>
+            <a:off x="8638952" y="6509004"/>
+            <a:ext cx="464288" cy="274320"/>
+          </a:xfrm>
+        </p:spPr>
+        <p:txBody>
+          <a:bodyPr vert="horz" rtlCol="0"/>
+          <a:lstStyle>
+            <a:lvl1pPr>
+              <a:defRPr>
+                <a:solidFill>
+                  <a:schemeClr val="tx2">
+                    <a:shade val="90000"/>
+                  </a:schemeClr>
+                </a:solidFill>
+              </a:defRPr>
+            </a:lvl1pPr>
+            <a:extLst/>
+          </a:lstStyle>
+          <a:p>
+            <a:fld id="{193FF5D9-4674-4F21-ABEA-BCF3C230FAB2}" type="slidenum">
+              <a:rPr lang="pt-BR" smtClean="0"/>
+              <a:t>‹#›</a:t>
+            </a:fld>
+            <a:endParaRPr lang="pt-BR"/>
+          </a:p>
+        </p:txBody>
+      </p:sp>
+      <p:sp>
+        <p:nvSpPr>
+          <p:cNvPr id="12" name="Footer Placeholder 11"/>
+          <p:cNvSpPr>
+            <a:spLocks noGrp="1"/>
+          </p:cNvSpPr>
+          <p:nvPr>
+            <p:ph type="ftr" sz="quarter" idx="12"/>
+          </p:nvPr>
+        </p:nvSpPr>
+        <p:spPr>
+          <a:xfrm>
+            <a:off x="1600200" y="6509004"/>
+            <a:ext cx="3907464" cy="274320"/>
+          </a:xfrm>
+        </p:spPr>
+        <p:txBody>
+          <a:bodyPr vert="horz" rtlCol="0"/>
+          <a:lstStyle>
+            <a:extLst/>
+          </a:lstStyle>
+          <a:p>
+            <a:endParaRPr lang="pt-BR"/>
           </a:p>
         </p:txBody>
       </p:sp>
@@ -344,7 +407,7 @@
 
 <file path=ppt/slideLayouts/slideLayout10.xml><?xml version="1.0" encoding="utf-8"?>
 <p:sldLayout xmlns:a="http://schemas.openxmlformats.org/drawingml/2006/main" xmlns:r="http://schemas.openxmlformats.org/officeDocument/2006/relationships" xmlns:p="http://schemas.openxmlformats.org/presentationml/2006/main" type="vertTx" preserve="1">
-  <p:cSld name="Título e texto vertical">
+  <p:cSld name="Title and Vertical Text">
     <p:spTree>
       <p:nvGrpSpPr>
         <p:cNvPr id="1" name=""/>
@@ -361,7 +424,7 @@
       </p:grpSpPr>
       <p:sp>
         <p:nvSpPr>
-          <p:cNvPr id="2" name="Título 1"/>
+          <p:cNvPr id="2" name="Title 1"/>
           <p:cNvSpPr>
             <a:spLocks noGrp="1"/>
           </p:cNvSpPr>
@@ -372,11 +435,13 @@
         <p:spPr/>
         <p:txBody>
           <a:bodyPr/>
-          <a:lstStyle/>
-          <a:p>
-            <a:r>
-              <a:rPr kumimoji="0" lang="pt-BR" smtClean="0"/>
-              <a:t>Clique para editar o título mestre</a:t>
+          <a:lstStyle>
+            <a:extLst/>
+          </a:lstStyle>
+          <a:p>
+            <a:r>
+              <a:rPr kumimoji="0" lang="en-US" smtClean="0"/>
+              <a:t>Click to edit Master title style</a:t>
             </a:r>
             <a:endParaRPr kumimoji="0" lang="en-US"/>
           </a:p>
@@ -384,7 +449,7 @@
       </p:sp>
       <p:sp>
         <p:nvSpPr>
-          <p:cNvPr id="3" name="Espaço Reservado para Texto Vertical 2"/>
+          <p:cNvPr id="3" name="Vertical Text Placeholder 2"/>
           <p:cNvSpPr>
             <a:spLocks noGrp="1"/>
           </p:cNvSpPr>
@@ -395,40 +460,42 @@
         <p:spPr/>
         <p:txBody>
           <a:bodyPr vert="eaVert"/>
-          <a:lstStyle/>
+          <a:lstStyle>
+            <a:extLst/>
+          </a:lstStyle>
           <a:p>
             <a:pPr lvl="0" eaLnBrk="1" latinLnBrk="0" hangingPunct="1"/>
             <a:r>
-              <a:rPr lang="pt-BR" smtClean="0"/>
-              <a:t>Clique para editar o texto mestre</a:t>
+              <a:rPr lang="en-US" smtClean="0"/>
+              <a:t>Click to edit Master text styles</a:t>
             </a:r>
           </a:p>
           <a:p>
             <a:pPr lvl="1" eaLnBrk="1" latinLnBrk="0" hangingPunct="1"/>
             <a:r>
-              <a:rPr lang="pt-BR" smtClean="0"/>
-              <a:t>Segundo nível</a:t>
+              <a:rPr lang="en-US" smtClean="0"/>
+              <a:t>Second level</a:t>
             </a:r>
           </a:p>
           <a:p>
             <a:pPr lvl="2" eaLnBrk="1" latinLnBrk="0" hangingPunct="1"/>
             <a:r>
-              <a:rPr lang="pt-BR" smtClean="0"/>
-              <a:t>Terceiro nível</a:t>
+              <a:rPr lang="en-US" smtClean="0"/>
+              <a:t>Third level</a:t>
             </a:r>
           </a:p>
           <a:p>
             <a:pPr lvl="3" eaLnBrk="1" latinLnBrk="0" hangingPunct="1"/>
             <a:r>
-              <a:rPr lang="pt-BR" smtClean="0"/>
-              <a:t>Quarto nível</a:t>
+              <a:rPr lang="en-US" smtClean="0"/>
+              <a:t>Fourth level</a:t>
             </a:r>
           </a:p>
           <a:p>
             <a:pPr lvl="4" eaLnBrk="1" latinLnBrk="0" hangingPunct="1"/>
             <a:r>
-              <a:rPr lang="pt-BR" smtClean="0"/>
-              <a:t>Quinto nível</a:t>
+              <a:rPr lang="en-US" smtClean="0"/>
+              <a:t>Fifth level</a:t>
             </a:r>
             <a:endParaRPr kumimoji="0" lang="en-US"/>
           </a:p>
@@ -436,7 +503,7 @@
       </p:sp>
       <p:sp>
         <p:nvSpPr>
-          <p:cNvPr id="4" name="Espaço Reservado para Data 3"/>
+          <p:cNvPr id="4" name="Date Placeholder 3"/>
           <p:cNvSpPr>
             <a:spLocks noGrp="1"/>
           </p:cNvSpPr>
@@ -447,11 +514,13 @@
         <p:spPr/>
         <p:txBody>
           <a:bodyPr/>
-          <a:lstStyle/>
+          <a:lstStyle>
+            <a:extLst/>
+          </a:lstStyle>
           <a:p>
             <a:fld id="{73948A2C-A351-44A5-9543-EA3B6BD94DE1}" type="datetimeFigureOut">
               <a:rPr lang="pt-BR" smtClean="0"/>
-              <a:t>17/3/2013</a:t>
+              <a:t>19/3/2013</a:t>
             </a:fld>
             <a:endParaRPr lang="pt-BR"/>
           </a:p>
@@ -459,7 +528,7 @@
       </p:sp>
       <p:sp>
         <p:nvSpPr>
-          <p:cNvPr id="5" name="Espaço Reservado para Rodapé 4"/>
+          <p:cNvPr id="5" name="Footer Placeholder 4"/>
           <p:cNvSpPr>
             <a:spLocks noGrp="1"/>
           </p:cNvSpPr>
@@ -470,7 +539,9 @@
         <p:spPr/>
         <p:txBody>
           <a:bodyPr/>
-          <a:lstStyle/>
+          <a:lstStyle>
+            <a:extLst/>
+          </a:lstStyle>
           <a:p>
             <a:endParaRPr lang="pt-BR"/>
           </a:p>
@@ -478,7 +549,7 @@
       </p:sp>
       <p:sp>
         <p:nvSpPr>
-          <p:cNvPr id="6" name="Espaço Reservado para Número de Slide 5"/>
+          <p:cNvPr id="6" name="Slide Number Placeholder 5"/>
           <p:cNvSpPr>
             <a:spLocks noGrp="1"/>
           </p:cNvSpPr>
@@ -489,7 +560,9 @@
         <p:spPr/>
         <p:txBody>
           <a:bodyPr/>
-          <a:lstStyle/>
+          <a:lstStyle>
+            <a:extLst/>
+          </a:lstStyle>
           <a:p>
             <a:fld id="{193FF5D9-4674-4F21-ABEA-BCF3C230FAB2}" type="slidenum">
               <a:rPr lang="pt-BR" smtClean="0"/>
@@ -509,7 +582,7 @@
 
 <file path=ppt/slideLayouts/slideLayout11.xml><?xml version="1.0" encoding="utf-8"?>
 <p:sldLayout xmlns:a="http://schemas.openxmlformats.org/drawingml/2006/main" xmlns:r="http://schemas.openxmlformats.org/officeDocument/2006/relationships" xmlns:p="http://schemas.openxmlformats.org/presentationml/2006/main" type="vertTitleAndTx" preserve="1">
-  <p:cSld name="Título e texto verticais">
+  <p:cSld name="Vertical Title and Text">
     <p:spTree>
       <p:nvGrpSpPr>
         <p:cNvPr id="1" name=""/>
@@ -526,7 +599,7 @@
       </p:grpSpPr>
       <p:sp>
         <p:nvSpPr>
-          <p:cNvPr id="2" name="Título Vertical 1"/>
+          <p:cNvPr id="2" name="Vertical Title 1"/>
           <p:cNvSpPr>
             <a:spLocks noGrp="1"/>
           </p:cNvSpPr>
@@ -542,11 +615,16 @@
         </p:spPr>
         <p:txBody>
           <a:bodyPr vert="eaVert"/>
-          <a:lstStyle/>
-          <a:p>
-            <a:r>
-              <a:rPr kumimoji="0" lang="pt-BR" smtClean="0"/>
-              <a:t>Clique para editar o título mestre</a:t>
+          <a:lstStyle>
+            <a:lvl1pPr algn="l">
+              <a:defRPr/>
+            </a:lvl1pPr>
+            <a:extLst/>
+          </a:lstStyle>
+          <a:p>
+            <a:r>
+              <a:rPr kumimoji="0" lang="en-US" smtClean="0"/>
+              <a:t>Click to edit Master title style</a:t>
             </a:r>
             <a:endParaRPr kumimoji="0" lang="en-US"/>
           </a:p>
@@ -554,7 +632,7 @@
       </p:sp>
       <p:sp>
         <p:nvSpPr>
-          <p:cNvPr id="3" name="Espaço Reservado para Texto Vertical 2"/>
+          <p:cNvPr id="3" name="Vertical Text Placeholder 2"/>
           <p:cNvSpPr>
             <a:spLocks noGrp="1"/>
           </p:cNvSpPr>
@@ -570,40 +648,42 @@
         </p:spPr>
         <p:txBody>
           <a:bodyPr vert="eaVert"/>
-          <a:lstStyle/>
+          <a:lstStyle>
+            <a:extLst/>
+          </a:lstStyle>
           <a:p>
             <a:pPr lvl="0" eaLnBrk="1" latinLnBrk="0" hangingPunct="1"/>
             <a:r>
-              <a:rPr lang="pt-BR" smtClean="0"/>
-              <a:t>Clique para editar o texto mestre</a:t>
+              <a:rPr lang="en-US" smtClean="0"/>
+              <a:t>Click to edit Master text styles</a:t>
             </a:r>
           </a:p>
           <a:p>
             <a:pPr lvl="1" eaLnBrk="1" latinLnBrk="0" hangingPunct="1"/>
             <a:r>
-              <a:rPr lang="pt-BR" smtClean="0"/>
-              <a:t>Segundo nível</a:t>
+              <a:rPr lang="en-US" smtClean="0"/>
+              <a:t>Second level</a:t>
             </a:r>
           </a:p>
           <a:p>
             <a:pPr lvl="2" eaLnBrk="1" latinLnBrk="0" hangingPunct="1"/>
             <a:r>
-              <a:rPr lang="pt-BR" smtClean="0"/>
-              <a:t>Terceiro nível</a:t>
+              <a:rPr lang="en-US" smtClean="0"/>
+              <a:t>Third level</a:t>
             </a:r>
           </a:p>
           <a:p>
             <a:pPr lvl="3" eaLnBrk="1" latinLnBrk="0" hangingPunct="1"/>
             <a:r>
-              <a:rPr lang="pt-BR" smtClean="0"/>
-              <a:t>Quarto nível</a:t>
+              <a:rPr lang="en-US" smtClean="0"/>
+              <a:t>Fourth level</a:t>
             </a:r>
           </a:p>
           <a:p>
             <a:pPr lvl="4" eaLnBrk="1" latinLnBrk="0" hangingPunct="1"/>
             <a:r>
-              <a:rPr lang="pt-BR" smtClean="0"/>
-              <a:t>Quinto nível</a:t>
+              <a:rPr lang="en-US" smtClean="0"/>
+              <a:t>Fifth level</a:t>
             </a:r>
             <a:endParaRPr kumimoji="0" lang="en-US"/>
           </a:p>
@@ -611,7 +691,7 @@
       </p:sp>
       <p:sp>
         <p:nvSpPr>
-          <p:cNvPr id="4" name="Espaço Reservado para Data 3"/>
+          <p:cNvPr id="4" name="Date Placeholder 3"/>
           <p:cNvSpPr>
             <a:spLocks noGrp="1"/>
           </p:cNvSpPr>
@@ -622,11 +702,13 @@
         <p:spPr/>
         <p:txBody>
           <a:bodyPr/>
-          <a:lstStyle/>
+          <a:lstStyle>
+            <a:extLst/>
+          </a:lstStyle>
           <a:p>
             <a:fld id="{73948A2C-A351-44A5-9543-EA3B6BD94DE1}" type="datetimeFigureOut">
               <a:rPr lang="pt-BR" smtClean="0"/>
-              <a:t>17/3/2013</a:t>
+              <a:t>19/3/2013</a:t>
             </a:fld>
             <a:endParaRPr lang="pt-BR"/>
           </a:p>
@@ -634,7 +716,7 @@
       </p:sp>
       <p:sp>
         <p:nvSpPr>
-          <p:cNvPr id="5" name="Espaço Reservado para Rodapé 4"/>
+          <p:cNvPr id="5" name="Footer Placeholder 4"/>
           <p:cNvSpPr>
             <a:spLocks noGrp="1"/>
           </p:cNvSpPr>
@@ -645,7 +727,9 @@
         <p:spPr/>
         <p:txBody>
           <a:bodyPr/>
-          <a:lstStyle/>
+          <a:lstStyle>
+            <a:extLst/>
+          </a:lstStyle>
           <a:p>
             <a:endParaRPr lang="pt-BR"/>
           </a:p>
@@ -653,7 +737,7 @@
       </p:sp>
       <p:sp>
         <p:nvSpPr>
-          <p:cNvPr id="6" name="Espaço Reservado para Número de Slide 5"/>
+          <p:cNvPr id="6" name="Slide Number Placeholder 5"/>
           <p:cNvSpPr>
             <a:spLocks noGrp="1"/>
           </p:cNvSpPr>
@@ -664,7 +748,9 @@
         <p:spPr/>
         <p:txBody>
           <a:bodyPr/>
-          <a:lstStyle/>
+          <a:lstStyle>
+            <a:extLst/>
+          </a:lstStyle>
           <a:p>
             <a:fld id="{193FF5D9-4674-4F21-ABEA-BCF3C230FAB2}" type="slidenum">
               <a:rPr lang="pt-BR" smtClean="0"/>
@@ -684,7 +770,7 @@
 
 <file path=ppt/slideLayouts/slideLayout2.xml><?xml version="1.0" encoding="utf-8"?>
 <p:sldLayout xmlns:a="http://schemas.openxmlformats.org/drawingml/2006/main" xmlns:r="http://schemas.openxmlformats.org/officeDocument/2006/relationships" xmlns:p="http://schemas.openxmlformats.org/presentationml/2006/main" type="obj" preserve="1">
-  <p:cSld name="Título e conteúdo">
+  <p:cSld name="Title and Content">
     <p:spTree>
       <p:nvGrpSpPr>
         <p:cNvPr id="1" name=""/>
@@ -701,7 +787,61 @@
       </p:grpSpPr>
       <p:sp>
         <p:nvSpPr>
-          <p:cNvPr id="2" name="Título 1"/>
+          <p:cNvPr id="7" name="Rectangle 6"/>
+          <p:cNvSpPr/>
+          <p:nvPr/>
+        </p:nvSpPr>
+        <p:spPr>
+          <a:xfrm>
+            <a:off x="588392" y="1424588"/>
+            <a:ext cx="8001000" cy="9144"/>
+          </a:xfrm>
+          <a:prstGeom prst="rect">
+            <a:avLst/>
+          </a:prstGeom>
+          <a:solidFill>
+            <a:schemeClr val="accent1"/>
+          </a:solidFill>
+          <a:ln w="38100" cap="rnd" cmpd="sng" algn="ctr">
+            <a:noFill/>
+            <a:prstDash val="solid"/>
+          </a:ln>
+          <a:effectLst>
+            <a:outerShdw blurRad="12700" dist="12900" dir="5400000" algn="tl" rotWithShape="0">
+              <a:srgbClr val="000000">
+                <a:alpha val="75000"/>
+              </a:srgbClr>
+            </a:outerShdw>
+          </a:effectLst>
+        </p:spPr>
+        <p:style>
+          <a:lnRef idx="3">
+            <a:schemeClr val="lt1"/>
+          </a:lnRef>
+          <a:fillRef idx="1">
+            <a:schemeClr val="accent1"/>
+          </a:fillRef>
+          <a:effectRef idx="1">
+            <a:schemeClr val="accent1"/>
+          </a:effectRef>
+          <a:fontRef idx="minor">
+            <a:schemeClr val="lt1"/>
+          </a:fontRef>
+        </p:style>
+        <p:txBody>
+          <a:bodyPr anchor="ctr"/>
+          <a:lstStyle>
+            <a:extLst/>
+          </a:lstStyle>
+          <a:p>
+            <a:pPr algn="ctr" eaLnBrk="1" latinLnBrk="0" hangingPunct="1"/>
+            <a:endParaRPr kumimoji="0" lang="en-US"/>
+          </a:p>
+        </p:txBody>
+      </p:sp>
+      <p:sp>
+        <p:nvSpPr>
+          <p:cNvPr id="2" name="Title 1"/>
           <p:cNvSpPr>
             <a:spLocks noGrp="1"/>
           </p:cNvSpPr>
@@ -712,11 +852,13 @@
         <p:spPr/>
         <p:txBody>
           <a:bodyPr/>
-          <a:lstStyle/>
-          <a:p>
-            <a:r>
-              <a:rPr kumimoji="0" lang="pt-BR" smtClean="0"/>
-              <a:t>Clique para editar o título mestre</a:t>
+          <a:lstStyle>
+            <a:extLst/>
+          </a:lstStyle>
+          <a:p>
+            <a:r>
+              <a:rPr kumimoji="0" lang="en-US" smtClean="0"/>
+              <a:t>Click to edit Master title style</a:t>
             </a:r>
             <a:endParaRPr kumimoji="0" lang="en-US"/>
           </a:p>
@@ -724,7 +866,7 @@
       </p:sp>
       <p:sp>
         <p:nvSpPr>
-          <p:cNvPr id="3" name="Espaço Reservado para Conteúdo 2"/>
+          <p:cNvPr id="3" name="Content Placeholder 2"/>
           <p:cNvSpPr>
             <a:spLocks noGrp="1"/>
           </p:cNvSpPr>
@@ -735,40 +877,42 @@
         <p:spPr/>
         <p:txBody>
           <a:bodyPr/>
-          <a:lstStyle/>
+          <a:lstStyle>
+            <a:extLst/>
+          </a:lstStyle>
           <a:p>
             <a:pPr lvl="0" eaLnBrk="1" latinLnBrk="0" hangingPunct="1"/>
             <a:r>
-              <a:rPr lang="pt-BR" smtClean="0"/>
-              <a:t>Clique para editar o texto mestre</a:t>
+              <a:rPr lang="en-US" smtClean="0"/>
+              <a:t>Click to edit Master text styles</a:t>
             </a:r>
           </a:p>
           <a:p>
             <a:pPr lvl="1" eaLnBrk="1" latinLnBrk="0" hangingPunct="1"/>
             <a:r>
-              <a:rPr lang="pt-BR" smtClean="0"/>
-              <a:t>Segundo nível</a:t>
+              <a:rPr lang="en-US" smtClean="0"/>
+              <a:t>Second level</a:t>
             </a:r>
           </a:p>
           <a:p>
             <a:pPr lvl="2" eaLnBrk="1" latinLnBrk="0" hangingPunct="1"/>
             <a:r>
-              <a:rPr lang="pt-BR" smtClean="0"/>
-              <a:t>Terceiro nível</a:t>
+              <a:rPr lang="en-US" smtClean="0"/>
+              <a:t>Third level</a:t>
             </a:r>
           </a:p>
           <a:p>
             <a:pPr lvl="3" eaLnBrk="1" latinLnBrk="0" hangingPunct="1"/>
             <a:r>
-              <a:rPr lang="pt-BR" smtClean="0"/>
-              <a:t>Quarto nível</a:t>
+              <a:rPr lang="en-US" smtClean="0"/>
+              <a:t>Fourth level</a:t>
             </a:r>
           </a:p>
           <a:p>
             <a:pPr lvl="4" eaLnBrk="1" latinLnBrk="0" hangingPunct="1"/>
             <a:r>
-              <a:rPr lang="pt-BR" smtClean="0"/>
-              <a:t>Quinto nível</a:t>
+              <a:rPr lang="en-US" smtClean="0"/>
+              <a:t>Fifth level</a:t>
             </a:r>
             <a:endParaRPr kumimoji="0" lang="en-US"/>
           </a:p>
@@ -776,7 +920,7 @@
       </p:sp>
       <p:sp>
         <p:nvSpPr>
-          <p:cNvPr id="4" name="Espaço Reservado para Data 3"/>
+          <p:cNvPr id="4" name="Date Placeholder 3"/>
           <p:cNvSpPr>
             <a:spLocks noGrp="1"/>
           </p:cNvSpPr>
@@ -787,11 +931,13 @@
         <p:spPr/>
         <p:txBody>
           <a:bodyPr/>
-          <a:lstStyle/>
+          <a:lstStyle>
+            <a:extLst/>
+          </a:lstStyle>
           <a:p>
             <a:fld id="{73948A2C-A351-44A5-9543-EA3B6BD94DE1}" type="datetimeFigureOut">
               <a:rPr lang="pt-BR" smtClean="0"/>
-              <a:t>17/3/2013</a:t>
+              <a:t>19/3/2013</a:t>
             </a:fld>
             <a:endParaRPr lang="pt-BR"/>
           </a:p>
@@ -799,7 +945,7 @@
       </p:sp>
       <p:sp>
         <p:nvSpPr>
-          <p:cNvPr id="5" name="Espaço Reservado para Rodapé 4"/>
+          <p:cNvPr id="5" name="Footer Placeholder 4"/>
           <p:cNvSpPr>
             <a:spLocks noGrp="1"/>
           </p:cNvSpPr>
@@ -810,7 +956,9 @@
         <p:spPr/>
         <p:txBody>
           <a:bodyPr/>
-          <a:lstStyle/>
+          <a:lstStyle>
+            <a:extLst/>
+          </a:lstStyle>
           <a:p>
             <a:endParaRPr lang="pt-BR"/>
           </a:p>
@@ -818,7 +966,7 @@
       </p:sp>
       <p:sp>
         <p:nvSpPr>
-          <p:cNvPr id="6" name="Espaço Reservado para Número de Slide 5"/>
+          <p:cNvPr id="6" name="Slide Number Placeholder 5"/>
           <p:cNvSpPr>
             <a:spLocks noGrp="1"/>
           </p:cNvSpPr>
@@ -829,7 +977,9 @@
         <p:spPr/>
         <p:txBody>
           <a:bodyPr/>
-          <a:lstStyle/>
+          <a:lstStyle>
+            <a:extLst/>
+          </a:lstStyle>
           <a:p>
             <a:fld id="{193FF5D9-4674-4F21-ABEA-BCF3C230FAB2}" type="slidenum">
               <a:rPr lang="pt-BR" smtClean="0"/>
@@ -848,10 +998,10 @@
 </file>
 
 <file path=ppt/slideLayouts/slideLayout3.xml><?xml version="1.0" encoding="utf-8"?>
-<p:sldLayout xmlns:a="http://schemas.openxmlformats.org/drawingml/2006/main" xmlns:r="http://schemas.openxmlformats.org/officeDocument/2006/relationships" xmlns:p="http://schemas.openxmlformats.org/presentationml/2006/main" type="secHead" preserve="1">
-  <p:cSld name="Cabeçalho da Seção">
+<p:sldLayout xmlns:a="http://schemas.openxmlformats.org/drawingml/2006/main" xmlns:r="http://schemas.openxmlformats.org/officeDocument/2006/relationships" xmlns:p="http://schemas.openxmlformats.org/presentationml/2006/main" showMasterSp="0" type="secHead" preserve="1">
+  <p:cSld name="Section Header">
     <p:bg>
-      <p:bgRef idx="1003">
+      <p:bgRef idx="1001">
         <a:schemeClr val="bg2"/>
       </p:bgRef>
     </p:bg>
@@ -871,71 +1021,94 @@
       </p:grpSpPr>
       <p:sp>
         <p:nvSpPr>
-          <p:cNvPr id="2" name="Título 1"/>
-          <p:cNvSpPr>
-            <a:spLocks noGrp="1"/>
-          </p:cNvSpPr>
-          <p:nvPr>
-            <p:ph type="title"/>
-          </p:nvPr>
+          <p:cNvPr id="7" name="Rectangle 6"/>
+          <p:cNvSpPr/>
+          <p:nvPr/>
         </p:nvSpPr>
         <p:spPr>
           <a:xfrm>
-            <a:off x="1600200" y="609600"/>
-            <a:ext cx="7086600" cy="1828800"/>
+            <a:off x="1000128" y="3267456"/>
+            <a:ext cx="7406640" cy="9144"/>
+          </a:xfrm>
+          <a:prstGeom prst="rect">
+            <a:avLst/>
+          </a:prstGeom>
+          <a:solidFill>
+            <a:schemeClr val="accent1"/>
+          </a:solidFill>
+          <a:ln w="38100" cap="rnd" cmpd="sng" algn="ctr">
+            <a:noFill/>
+            <a:prstDash val="solid"/>
+          </a:ln>
+          <a:effectLst>
+            <a:outerShdw blurRad="12700" dist="12900" dir="5400000" algn="tl" rotWithShape="0">
+              <a:srgbClr val="000000">
+                <a:alpha val="75000"/>
+              </a:srgbClr>
+            </a:outerShdw>
+          </a:effectLst>
+        </p:spPr>
+        <p:style>
+          <a:lnRef idx="3">
+            <a:schemeClr val="lt1"/>
+          </a:lnRef>
+          <a:fillRef idx="1">
+            <a:schemeClr val="accent1"/>
+          </a:fillRef>
+          <a:effectRef idx="1">
+            <a:schemeClr val="accent1"/>
+          </a:effectRef>
+          <a:fontRef idx="minor">
+            <a:schemeClr val="lt1"/>
+          </a:fontRef>
+        </p:style>
+        <p:txBody>
+          <a:bodyPr anchor="ctr"/>
+          <a:lstStyle>
+            <a:extLst/>
+          </a:lstStyle>
+          <a:p>
+            <a:pPr algn="ctr" eaLnBrk="1" latinLnBrk="0" hangingPunct="1"/>
+            <a:endParaRPr kumimoji="0" lang="en-US"/>
+          </a:p>
+        </p:txBody>
+      </p:sp>
+      <p:sp>
+        <p:nvSpPr>
+          <p:cNvPr id="2" name="Title 1"/>
+          <p:cNvSpPr>
+            <a:spLocks noGrp="1"/>
+          </p:cNvSpPr>
+          <p:nvPr>
+            <p:ph type="title"/>
+          </p:nvPr>
+        </p:nvSpPr>
+        <p:spPr>
+          <a:xfrm>
+            <a:off x="722376" y="498230"/>
+            <a:ext cx="7772400" cy="2731008"/>
           </a:xfrm>
         </p:spPr>
         <p:txBody>
-          <a:bodyPr vert="horz" bIns="0" anchor="b">
-            <a:noAutofit/>
-            <a:scene3d>
-              <a:camera prst="orthographicFront"/>
-              <a:lightRig rig="soft" dir="t">
-                <a:rot lat="0" lon="0" rev="17220000"/>
-              </a:lightRig>
-            </a:scene3d>
-            <a:sp3d prstMaterial="softEdge">
-              <a:bevelT w="38100" h="38100"/>
-              <a:contourClr>
-                <a:schemeClr val="tx2">
-                  <a:shade val="50000"/>
-                </a:schemeClr>
-              </a:contourClr>
-            </a:sp3d>
-          </a:bodyPr>
-          <a:lstStyle>
-            <a:lvl1pPr algn="l" rtl="0">
-              <a:spcBef>
-                <a:spcPct val="0"/>
-              </a:spcBef>
+          <a:bodyPr rIns="100584"/>
+          <a:lstStyle>
+            <a:lvl1pPr algn="r">
               <a:buNone/>
-              <a:defRPr sz="4800" b="1" cap="none" baseline="0">
-                <a:ln w="6350">
-                  <a:noFill/>
-                </a:ln>
+              <a:defRPr sz="4000" b="1" cap="none">
                 <a:solidFill>
                   <a:schemeClr val="accent1">
-                    <a:tint val="90000"/>
-                    <a:satMod val="120000"/>
+                    <a:tint val="95000"/>
+                    <a:satMod val="200000"/>
                   </a:schemeClr>
                 </a:solidFill>
-                <a:effectLst>
-                  <a:outerShdw blurRad="114300" dist="101600" dir="2700000" algn="tl" rotWithShape="0">
-                    <a:srgbClr val="000000">
-                      <a:alpha val="40000"/>
-                    </a:srgbClr>
-                  </a:outerShdw>
-                </a:effectLst>
-                <a:latin typeface="+mj-lt"/>
-                <a:ea typeface="+mj-ea"/>
-                <a:cs typeface="+mj-cs"/>
               </a:defRPr>
             </a:lvl1pPr>
-          </a:lstStyle>
-          <a:p>
-            <a:r>
-              <a:rPr kumimoji="0" lang="pt-BR" smtClean="0"/>
-              <a:t>Clique para editar o título mestre</a:t>
+            <a:extLst/>
+          </a:lstStyle>
+          <a:p>
+            <a:r>
+              <a:rPr kumimoji="0" lang="en-US" smtClean="0"/>
+              <a:t>Click to edit Master title style</a:t>
             </a:r>
             <a:endParaRPr kumimoji="0" lang="en-US"/>
           </a:p>
@@ -943,7 +1116,7 @@
       </p:sp>
       <p:sp>
         <p:nvSpPr>
-          <p:cNvPr id="3" name="Espaço Reservado para Texto 2"/>
+          <p:cNvPr id="3" name="Text Placeholder 2"/>
           <p:cNvSpPr>
             <a:spLocks noGrp="1"/>
           </p:cNvSpPr>
@@ -953,18 +1126,20 @@
         </p:nvSpPr>
         <p:spPr>
           <a:xfrm>
-            <a:off x="1600200" y="2507786"/>
-            <a:ext cx="7086600" cy="1509712"/>
+            <a:off x="722313" y="3287713"/>
+            <a:ext cx="7772400" cy="1509712"/>
           </a:xfrm>
         </p:spPr>
         <p:txBody>
-          <a:bodyPr anchor="t"/>
-          <a:lstStyle>
-            <a:lvl1pPr marL="73152" indent="0" algn="l">
+          <a:bodyPr rIns="128016" anchor="t"/>
+          <a:lstStyle>
+            <a:lvl1pPr marL="0" indent="0" algn="r">
               <a:buNone/>
               <a:defRPr sz="2000">
                 <a:solidFill>
-                  <a:schemeClr val="tx1"/>
+                  <a:schemeClr val="tx1">
+                    <a:tint val="75000"/>
+                  </a:schemeClr>
                 </a:solidFill>
               </a:defRPr>
             </a:lvl1pPr>
@@ -1008,19 +1183,20 @@
                 </a:solidFill>
               </a:defRPr>
             </a:lvl5pPr>
+            <a:extLst/>
           </a:lstStyle>
           <a:p>
             <a:pPr lvl="0" eaLnBrk="1" latinLnBrk="0" hangingPunct="1"/>
             <a:r>
-              <a:rPr kumimoji="0" lang="pt-BR" smtClean="0"/>
-              <a:t>Clique para editar o texto mestre</a:t>
-            </a:r>
-          </a:p>
-        </p:txBody>
-      </p:sp>
-      <p:sp>
-        <p:nvSpPr>
-          <p:cNvPr id="4" name="Espaço Reservado para Data 3"/>
+              <a:rPr kumimoji="0" lang="en-US" smtClean="0"/>
+              <a:t>Click to edit Master text styles</a:t>
+            </a:r>
+          </a:p>
+        </p:txBody>
+      </p:sp>
+      <p:sp>
+        <p:nvSpPr>
+          <p:cNvPr id="8" name="Date Placeholder 7"/>
           <p:cNvSpPr>
             <a:spLocks noGrp="1"/>
           </p:cNvSpPr>
@@ -1028,14 +1204,21 @@
             <p:ph type="dt" sz="half" idx="10"/>
           </p:nvPr>
         </p:nvSpPr>
-        <p:spPr/>
-        <p:txBody>
-          <a:bodyPr/>
-          <a:lstStyle/>
+        <p:spPr>
+          <a:xfrm>
+            <a:off x="5562600" y="6513670"/>
+            <a:ext cx="3002280" cy="274320"/>
+          </a:xfrm>
+        </p:spPr>
+        <p:txBody>
+          <a:bodyPr vert="horz" rtlCol="0"/>
+          <a:lstStyle>
+            <a:extLst/>
+          </a:lstStyle>
           <a:p>
             <a:fld id="{73948A2C-A351-44A5-9543-EA3B6BD94DE1}" type="datetimeFigureOut">
               <a:rPr lang="pt-BR" smtClean="0"/>
-              <a:t>17/3/2013</a:t>
+              <a:t>19/3/2013</a:t>
             </a:fld>
             <a:endParaRPr lang="pt-BR"/>
           </a:p>
@@ -1043,47 +1226,65 @@
       </p:sp>
       <p:sp>
         <p:nvSpPr>
-          <p:cNvPr id="5" name="Espaço Reservado para Rodapé 4"/>
-          <p:cNvSpPr>
-            <a:spLocks noGrp="1"/>
-          </p:cNvSpPr>
-          <p:nvPr>
-            <p:ph type="ftr" sz="quarter" idx="11"/>
-          </p:nvPr>
-        </p:nvSpPr>
-        <p:spPr/>
-        <p:txBody>
-          <a:bodyPr/>
-          <a:lstStyle/>
-          <a:p>
-            <a:endParaRPr lang="pt-BR"/>
-          </a:p>
-        </p:txBody>
-      </p:sp>
-      <p:sp>
-        <p:nvSpPr>
-          <p:cNvPr id="6" name="Espaço Reservado para Número de Slide 5"/>
-          <p:cNvSpPr>
-            <a:spLocks noGrp="1"/>
-          </p:cNvSpPr>
-          <p:nvPr>
-            <p:ph type="sldNum" sz="quarter" idx="12"/>
+          <p:cNvPr id="9" name="Slide Number Placeholder 8"/>
+          <p:cNvSpPr>
+            <a:spLocks noGrp="1"/>
+          </p:cNvSpPr>
+          <p:nvPr>
+            <p:ph type="sldNum" sz="quarter" idx="11"/>
           </p:nvPr>
         </p:nvSpPr>
         <p:spPr>
           <a:xfrm>
-            <a:off x="7924800" y="6416675"/>
-            <a:ext cx="762000" cy="365125"/>
+            <a:off x="8638952" y="6513670"/>
+            <a:ext cx="464288" cy="274320"/>
           </a:xfrm>
         </p:spPr>
         <p:txBody>
-          <a:bodyPr/>
-          <a:lstStyle/>
+          <a:bodyPr vert="horz" rtlCol="0"/>
+          <a:lstStyle>
+            <a:lvl1pPr>
+              <a:defRPr>
+                <a:solidFill>
+                  <a:schemeClr val="tx2">
+                    <a:shade val="90000"/>
+                  </a:schemeClr>
+                </a:solidFill>
+              </a:defRPr>
+            </a:lvl1pPr>
+            <a:extLst/>
+          </a:lstStyle>
           <a:p>
             <a:fld id="{193FF5D9-4674-4F21-ABEA-BCF3C230FAB2}" type="slidenum">
               <a:rPr lang="pt-BR" smtClean="0"/>
               <a:t>‹#›</a:t>
             </a:fld>
+            <a:endParaRPr lang="pt-BR"/>
+          </a:p>
+        </p:txBody>
+      </p:sp>
+      <p:sp>
+        <p:nvSpPr>
+          <p:cNvPr id="10" name="Footer Placeholder 9"/>
+          <p:cNvSpPr>
+            <a:spLocks noGrp="1"/>
+          </p:cNvSpPr>
+          <p:nvPr>
+            <p:ph type="ftr" sz="quarter" idx="12"/>
+          </p:nvPr>
+        </p:nvSpPr>
+        <p:spPr>
+          <a:xfrm>
+            <a:off x="1600200" y="6513670"/>
+            <a:ext cx="3907464" cy="274320"/>
+          </a:xfrm>
+        </p:spPr>
+        <p:txBody>
+          <a:bodyPr vert="horz" rtlCol="0"/>
+          <a:lstStyle>
+            <a:extLst/>
+          </a:lstStyle>
+          <a:p>
             <a:endParaRPr lang="pt-BR"/>
           </a:p>
         </p:txBody>
@@ -1098,7 +1299,7 @@
 
 <file path=ppt/slideLayouts/slideLayout4.xml><?xml version="1.0" encoding="utf-8"?>
 <p:sldLayout xmlns:a="http://schemas.openxmlformats.org/drawingml/2006/main" xmlns:r="http://schemas.openxmlformats.org/officeDocument/2006/relationships" xmlns:p="http://schemas.openxmlformats.org/presentationml/2006/main" type="twoObj" preserve="1">
-  <p:cSld name="Duas Partes de Conteúdo">
+  <p:cSld name="Two Content">
     <p:spTree>
       <p:nvGrpSpPr>
         <p:cNvPr id="1" name=""/>
@@ -1115,7 +1316,7 @@
       </p:grpSpPr>
       <p:sp>
         <p:nvSpPr>
-          <p:cNvPr id="2" name="Título 1"/>
+          <p:cNvPr id="2" name="Title 1"/>
           <p:cNvSpPr>
             <a:spLocks noGrp="1"/>
           </p:cNvSpPr>
@@ -1126,11 +1327,13 @@
         <p:spPr/>
         <p:txBody>
           <a:bodyPr/>
-          <a:lstStyle/>
-          <a:p>
-            <a:r>
-              <a:rPr kumimoji="0" lang="pt-BR" smtClean="0"/>
-              <a:t>Clique para editar o título mestre</a:t>
+          <a:lstStyle>
+            <a:extLst/>
+          </a:lstStyle>
+          <a:p>
+            <a:r>
+              <a:rPr kumimoji="0" lang="en-US" smtClean="0"/>
+              <a:t>Click to edit Master title style</a:t>
             </a:r>
             <a:endParaRPr kumimoji="0" lang="en-US"/>
           </a:p>
@@ -1138,7 +1341,7 @@
       </p:sp>
       <p:sp>
         <p:nvSpPr>
-          <p:cNvPr id="3" name="Espaço Reservado para Conteúdo 2"/>
+          <p:cNvPr id="3" name="Content Placeholder 2"/>
           <p:cNvSpPr>
             <a:spLocks noGrp="1"/>
           </p:cNvSpPr>
@@ -1148,15 +1351,15 @@
         </p:nvSpPr>
         <p:spPr>
           <a:xfrm>
-            <a:off x="457200" y="1600200"/>
-            <a:ext cx="4038600" cy="4525963"/>
+            <a:off x="457200" y="1645920"/>
+            <a:ext cx="4038600" cy="4526280"/>
           </a:xfrm>
         </p:spPr>
         <p:txBody>
           <a:bodyPr/>
           <a:lstStyle>
             <a:lvl1pPr>
-              <a:defRPr sz="2600"/>
+              <a:defRPr sz="2800"/>
             </a:lvl1pPr>
             <a:lvl2pPr>
               <a:defRPr sz="2400"/>
@@ -1170,40 +1373,41 @@
             <a:lvl5pPr>
               <a:defRPr sz="1800"/>
             </a:lvl5pPr>
+            <a:extLst/>
           </a:lstStyle>
           <a:p>
             <a:pPr lvl="0" eaLnBrk="1" latinLnBrk="0" hangingPunct="1"/>
             <a:r>
-              <a:rPr lang="pt-BR" smtClean="0"/>
-              <a:t>Clique para editar o texto mestre</a:t>
+              <a:rPr lang="en-US" smtClean="0"/>
+              <a:t>Click to edit Master text styles</a:t>
             </a:r>
           </a:p>
           <a:p>
             <a:pPr lvl="1" eaLnBrk="1" latinLnBrk="0" hangingPunct="1"/>
             <a:r>
-              <a:rPr lang="pt-BR" smtClean="0"/>
-              <a:t>Segundo nível</a:t>
+              <a:rPr lang="en-US" smtClean="0"/>
+              <a:t>Second level</a:t>
             </a:r>
           </a:p>
           <a:p>
             <a:pPr lvl="2" eaLnBrk="1" latinLnBrk="0" hangingPunct="1"/>
             <a:r>
-              <a:rPr lang="pt-BR" smtClean="0"/>
-              <a:t>Terceiro nível</a:t>
+              <a:rPr lang="en-US" smtClean="0"/>
+              <a:t>Third level</a:t>
             </a:r>
           </a:p>
           <a:p>
             <a:pPr lvl="3" eaLnBrk="1" latinLnBrk="0" hangingPunct="1"/>
             <a:r>
-              <a:rPr lang="pt-BR" smtClean="0"/>
-              <a:t>Quarto nível</a:t>
+              <a:rPr lang="en-US" smtClean="0"/>
+              <a:t>Fourth level</a:t>
             </a:r>
           </a:p>
           <a:p>
             <a:pPr lvl="4" eaLnBrk="1" latinLnBrk="0" hangingPunct="1"/>
             <a:r>
-              <a:rPr lang="pt-BR" smtClean="0"/>
-              <a:t>Quinto nível</a:t>
+              <a:rPr lang="en-US" smtClean="0"/>
+              <a:t>Fifth level</a:t>
             </a:r>
             <a:endParaRPr kumimoji="0" lang="en-US"/>
           </a:p>
@@ -1211,7 +1415,7 @@
       </p:sp>
       <p:sp>
         <p:nvSpPr>
-          <p:cNvPr id="4" name="Espaço Reservado para Conteúdo 3"/>
+          <p:cNvPr id="4" name="Content Placeholder 3"/>
           <p:cNvSpPr>
             <a:spLocks noGrp="1"/>
           </p:cNvSpPr>
@@ -1221,15 +1425,15 @@
         </p:nvSpPr>
         <p:spPr>
           <a:xfrm>
-            <a:off x="4648200" y="1600200"/>
-            <a:ext cx="4038600" cy="4525963"/>
+            <a:off x="4648200" y="1645920"/>
+            <a:ext cx="4038600" cy="4526280"/>
           </a:xfrm>
         </p:spPr>
         <p:txBody>
           <a:bodyPr/>
           <a:lstStyle>
             <a:lvl1pPr>
-              <a:defRPr sz="2600"/>
+              <a:defRPr sz="2800"/>
             </a:lvl1pPr>
             <a:lvl2pPr>
               <a:defRPr sz="2400"/>
@@ -1243,40 +1447,41 @@
             <a:lvl5pPr>
               <a:defRPr sz="1800"/>
             </a:lvl5pPr>
+            <a:extLst/>
           </a:lstStyle>
           <a:p>
             <a:pPr lvl="0" eaLnBrk="1" latinLnBrk="0" hangingPunct="1"/>
             <a:r>
-              <a:rPr lang="pt-BR" smtClean="0"/>
-              <a:t>Clique para editar o texto mestre</a:t>
+              <a:rPr lang="en-US" smtClean="0"/>
+              <a:t>Click to edit Master text styles</a:t>
             </a:r>
           </a:p>
           <a:p>
             <a:pPr lvl="1" eaLnBrk="1" latinLnBrk="0" hangingPunct="1"/>
             <a:r>
-              <a:rPr lang="pt-BR" smtClean="0"/>
-              <a:t>Segundo nível</a:t>
+              <a:rPr lang="en-US" smtClean="0"/>
+              <a:t>Second level</a:t>
             </a:r>
           </a:p>
           <a:p>
             <a:pPr lvl="2" eaLnBrk="1" latinLnBrk="0" hangingPunct="1"/>
             <a:r>
-              <a:rPr lang="pt-BR" smtClean="0"/>
-              <a:t>Terceiro nível</a:t>
+              <a:rPr lang="en-US" smtClean="0"/>
+              <a:t>Third level</a:t>
             </a:r>
           </a:p>
           <a:p>
             <a:pPr lvl="3" eaLnBrk="1" latinLnBrk="0" hangingPunct="1"/>
             <a:r>
-              <a:rPr lang="pt-BR" smtClean="0"/>
-              <a:t>Quarto nível</a:t>
+              <a:rPr lang="en-US" smtClean="0"/>
+              <a:t>Fourth level</a:t>
             </a:r>
           </a:p>
           <a:p>
             <a:pPr lvl="4" eaLnBrk="1" latinLnBrk="0" hangingPunct="1"/>
             <a:r>
-              <a:rPr lang="pt-BR" smtClean="0"/>
-              <a:t>Quinto nível</a:t>
+              <a:rPr lang="en-US" smtClean="0"/>
+              <a:t>Fifth level</a:t>
             </a:r>
             <a:endParaRPr kumimoji="0" lang="en-US"/>
           </a:p>
@@ -1284,7 +1489,7 @@
       </p:sp>
       <p:sp>
         <p:nvSpPr>
-          <p:cNvPr id="5" name="Espaço Reservado para Data 4"/>
+          <p:cNvPr id="5" name="Date Placeholder 4"/>
           <p:cNvSpPr>
             <a:spLocks noGrp="1"/>
           </p:cNvSpPr>
@@ -1295,11 +1500,13 @@
         <p:spPr/>
         <p:txBody>
           <a:bodyPr/>
-          <a:lstStyle/>
+          <a:lstStyle>
+            <a:extLst/>
+          </a:lstStyle>
           <a:p>
             <a:fld id="{73948A2C-A351-44A5-9543-EA3B6BD94DE1}" type="datetimeFigureOut">
               <a:rPr lang="pt-BR" smtClean="0"/>
-              <a:t>17/3/2013</a:t>
+              <a:t>19/3/2013</a:t>
             </a:fld>
             <a:endParaRPr lang="pt-BR"/>
           </a:p>
@@ -1307,7 +1514,7 @@
       </p:sp>
       <p:sp>
         <p:nvSpPr>
-          <p:cNvPr id="6" name="Espaço Reservado para Rodapé 5"/>
+          <p:cNvPr id="6" name="Footer Placeholder 5"/>
           <p:cNvSpPr>
             <a:spLocks noGrp="1"/>
           </p:cNvSpPr>
@@ -1318,7 +1525,9 @@
         <p:spPr/>
         <p:txBody>
           <a:bodyPr/>
-          <a:lstStyle/>
+          <a:lstStyle>
+            <a:extLst/>
+          </a:lstStyle>
           <a:p>
             <a:endParaRPr lang="pt-BR"/>
           </a:p>
@@ -1326,7 +1535,7 @@
       </p:sp>
       <p:sp>
         <p:nvSpPr>
-          <p:cNvPr id="7" name="Espaço Reservado para Número de Slide 6"/>
+          <p:cNvPr id="7" name="Slide Number Placeholder 6"/>
           <p:cNvSpPr>
             <a:spLocks noGrp="1"/>
           </p:cNvSpPr>
@@ -1334,16 +1543,77 @@
             <p:ph type="sldNum" sz="quarter" idx="12"/>
           </p:nvPr>
         </p:nvSpPr>
-        <p:spPr/>
+        <p:spPr>
+          <a:xfrm>
+            <a:off x="8641080" y="6514568"/>
+            <a:ext cx="464288" cy="274320"/>
+          </a:xfrm>
+        </p:spPr>
         <p:txBody>
           <a:bodyPr/>
-          <a:lstStyle/>
+          <a:lstStyle>
+            <a:extLst/>
+          </a:lstStyle>
           <a:p>
             <a:fld id="{193FF5D9-4674-4F21-ABEA-BCF3C230FAB2}" type="slidenum">
               <a:rPr lang="pt-BR" smtClean="0"/>
               <a:t>‹#›</a:t>
             </a:fld>
             <a:endParaRPr lang="pt-BR"/>
+          </a:p>
+        </p:txBody>
+      </p:sp>
+      <p:sp>
+        <p:nvSpPr>
+          <p:cNvPr id="10" name="Rectangle 9"/>
+          <p:cNvSpPr/>
+          <p:nvPr/>
+        </p:nvSpPr>
+        <p:spPr>
+          <a:xfrm>
+            <a:off x="588392" y="1424588"/>
+            <a:ext cx="8001000" cy="9144"/>
+          </a:xfrm>
+          <a:prstGeom prst="rect">
+            <a:avLst/>
+          </a:prstGeom>
+          <a:solidFill>
+            <a:schemeClr val="accent1"/>
+          </a:solidFill>
+          <a:ln w="38100" cap="rnd" cmpd="sng" algn="ctr">
+            <a:noFill/>
+            <a:prstDash val="solid"/>
+          </a:ln>
+          <a:effectLst>
+            <a:outerShdw blurRad="12700" dist="12900" dir="5400000" algn="tl" rotWithShape="0">
+              <a:srgbClr val="000000">
+                <a:alpha val="75000"/>
+              </a:srgbClr>
+            </a:outerShdw>
+          </a:effectLst>
+        </p:spPr>
+        <p:style>
+          <a:lnRef idx="3">
+            <a:schemeClr val="lt1"/>
+          </a:lnRef>
+          <a:fillRef idx="1">
+            <a:schemeClr val="accent1"/>
+          </a:fillRef>
+          <a:effectRef idx="1">
+            <a:schemeClr val="accent1"/>
+          </a:effectRef>
+          <a:fontRef idx="minor">
+            <a:schemeClr val="lt1"/>
+          </a:fontRef>
+        </p:style>
+        <p:txBody>
+          <a:bodyPr anchor="ctr"/>
+          <a:lstStyle>
+            <a:extLst/>
+          </a:lstStyle>
+          <a:p>
+            <a:pPr algn="ctr" eaLnBrk="1" latinLnBrk="0" hangingPunct="1"/>
+            <a:endParaRPr kumimoji="0" lang="en-US"/>
           </a:p>
         </p:txBody>
       </p:sp>
@@ -1357,7 +1627,7 @@
 
 <file path=ppt/slideLayouts/slideLayout5.xml><?xml version="1.0" encoding="utf-8"?>
 <p:sldLayout xmlns:a="http://schemas.openxmlformats.org/drawingml/2006/main" xmlns:r="http://schemas.openxmlformats.org/officeDocument/2006/relationships" xmlns:p="http://schemas.openxmlformats.org/presentationml/2006/main" type="twoTxTwoObj" preserve="1">
-  <p:cSld name="Comparação">
+  <p:cSld name="Comparison">
     <p:spTree>
       <p:nvGrpSpPr>
         <p:cNvPr id="1" name=""/>
@@ -1374,31 +1644,140 @@
       </p:grpSpPr>
       <p:sp>
         <p:nvSpPr>
-          <p:cNvPr id="2" name="Título 1"/>
-          <p:cNvSpPr>
-            <a:spLocks noGrp="1"/>
-          </p:cNvSpPr>
-          <p:nvPr>
-            <p:ph type="title"/>
-          </p:nvPr>
+          <p:cNvPr id="10" name="Rectangle 9"/>
+          <p:cNvSpPr/>
+          <p:nvPr/>
         </p:nvSpPr>
         <p:spPr>
           <a:xfrm>
-            <a:off x="457200" y="273050"/>
+            <a:off x="616744" y="2165216"/>
+            <a:ext cx="3749040" cy="9144"/>
+          </a:xfrm>
+          <a:prstGeom prst="rect">
+            <a:avLst/>
+          </a:prstGeom>
+          <a:solidFill>
+            <a:schemeClr val="accent1"/>
+          </a:solidFill>
+          <a:ln w="38100" cap="rnd" cmpd="sng" algn="ctr">
+            <a:noFill/>
+            <a:prstDash val="solid"/>
+          </a:ln>
+          <a:effectLst>
+            <a:outerShdw blurRad="12700" dist="12900" dir="5400000" algn="tl" rotWithShape="0">
+              <a:srgbClr val="000000">
+                <a:alpha val="75000"/>
+              </a:srgbClr>
+            </a:outerShdw>
+          </a:effectLst>
+        </p:spPr>
+        <p:style>
+          <a:lnRef idx="3">
+            <a:schemeClr val="lt1"/>
+          </a:lnRef>
+          <a:fillRef idx="1">
+            <a:schemeClr val="accent1"/>
+          </a:fillRef>
+          <a:effectRef idx="1">
+            <a:schemeClr val="accent1"/>
+          </a:effectRef>
+          <a:fontRef idx="minor">
+            <a:schemeClr val="lt1"/>
+          </a:fontRef>
+        </p:style>
+        <p:txBody>
+          <a:bodyPr anchor="b"/>
+          <a:lstStyle>
+            <a:extLst/>
+          </a:lstStyle>
+          <a:p>
+            <a:pPr algn="ctr" eaLnBrk="1" latinLnBrk="0" hangingPunct="1"/>
+            <a:endParaRPr kumimoji="0" lang="en-US"/>
+          </a:p>
+        </p:txBody>
+      </p:sp>
+      <p:sp>
+        <p:nvSpPr>
+          <p:cNvPr id="11" name="Rectangle 10"/>
+          <p:cNvSpPr/>
+          <p:nvPr/>
+        </p:nvSpPr>
+        <p:spPr>
+          <a:xfrm>
+            <a:off x="4800600" y="2165216"/>
+            <a:ext cx="3749040" cy="9144"/>
+          </a:xfrm>
+          <a:prstGeom prst="rect">
+            <a:avLst/>
+          </a:prstGeom>
+          <a:solidFill>
+            <a:schemeClr val="accent1"/>
+          </a:solidFill>
+          <a:ln w="38100" cap="rnd" cmpd="sng" algn="ctr">
+            <a:noFill/>
+            <a:prstDash val="solid"/>
+          </a:ln>
+          <a:effectLst>
+            <a:outerShdw blurRad="12700" dist="12900" dir="5400000" algn="tl" rotWithShape="0">
+              <a:srgbClr val="000000">
+                <a:alpha val="75000"/>
+              </a:srgbClr>
+            </a:outerShdw>
+          </a:effectLst>
+        </p:spPr>
+        <p:style>
+          <a:lnRef idx="3">
+            <a:schemeClr val="lt1"/>
+          </a:lnRef>
+          <a:fillRef idx="1">
+            <a:schemeClr val="accent1"/>
+          </a:fillRef>
+          <a:effectRef idx="1">
+            <a:schemeClr val="accent1"/>
+          </a:effectRef>
+          <a:fontRef idx="minor">
+            <a:schemeClr val="lt1"/>
+          </a:fontRef>
+        </p:style>
+        <p:txBody>
+          <a:bodyPr anchor="b"/>
+          <a:lstStyle>
+            <a:extLst/>
+          </a:lstStyle>
+          <a:p>
+            <a:pPr algn="ctr" eaLnBrk="1" latinLnBrk="0" hangingPunct="1"/>
+            <a:endParaRPr kumimoji="0" lang="en-US"/>
+          </a:p>
+        </p:txBody>
+      </p:sp>
+      <p:sp>
+        <p:nvSpPr>
+          <p:cNvPr id="2" name="Title 1"/>
+          <p:cNvSpPr>
+            <a:spLocks noGrp="1"/>
+          </p:cNvSpPr>
+          <p:nvPr>
+            <p:ph type="title"/>
+          </p:nvPr>
+        </p:nvSpPr>
+        <p:spPr>
+          <a:xfrm>
+            <a:off x="457200" y="251948"/>
             <a:ext cx="8229600" cy="1143000"/>
           </a:xfrm>
         </p:spPr>
         <p:txBody>
-          <a:bodyPr anchor="ctr"/>
+          <a:bodyPr anchor="b"/>
           <a:lstStyle>
             <a:lvl1pPr>
               <a:defRPr/>
             </a:lvl1pPr>
-          </a:lstStyle>
-          <a:p>
-            <a:r>
-              <a:rPr kumimoji="0" lang="pt-BR" smtClean="0"/>
-              <a:t>Clique para editar o título mestre</a:t>
+            <a:extLst/>
+          </a:lstStyle>
+          <a:p>
+            <a:r>
+              <a:rPr kumimoji="0" lang="en-US" smtClean="0"/>
+              <a:t>Click to edit Master title style</a:t>
             </a:r>
             <a:endParaRPr kumimoji="0" lang="en-US"/>
           </a:p>
@@ -1406,7 +1785,7 @@
       </p:sp>
       <p:sp>
         <p:nvSpPr>
-          <p:cNvPr id="3" name="Espaço Reservado para Texto 2"/>
+          <p:cNvPr id="3" name="Text Placeholder 2"/>
           <p:cNvSpPr>
             <a:spLocks noGrp="1"/>
           </p:cNvSpPr>
@@ -1416,20 +1795,21 @@
         </p:nvSpPr>
         <p:spPr>
           <a:xfrm>
-            <a:off x="457200" y="1535112"/>
-            <a:ext cx="4040188" cy="750887"/>
+            <a:off x="457200" y="1535113"/>
+            <a:ext cx="4040188" cy="639762"/>
           </a:xfrm>
         </p:spPr>
         <p:txBody>
-          <a:bodyPr anchor="ctr"/>
-          <a:lstStyle>
-            <a:lvl1pPr marL="0" indent="0">
+          <a:bodyPr anchor="b">
+            <a:noAutofit/>
+          </a:bodyPr>
+          <a:lstStyle>
+            <a:lvl1pPr marL="91440" indent="0" algn="l">
+              <a:spcBef>
+                <a:spcPts val="0"/>
+              </a:spcBef>
               <a:buNone/>
-              <a:defRPr sz="2400" b="0" cap="all" baseline="0">
-                <a:solidFill>
-                  <a:schemeClr val="tx1"/>
-                </a:solidFill>
-              </a:defRPr>
+              <a:defRPr sz="2200" b="0" cap="all" baseline="0"/>
             </a:lvl1pPr>
             <a:lvl2pPr>
               <a:buNone/>
@@ -1447,19 +1827,20 @@
               <a:buNone/>
               <a:defRPr sz="1600" b="1"/>
             </a:lvl5pPr>
+            <a:extLst/>
           </a:lstStyle>
           <a:p>
             <a:pPr lvl="0" eaLnBrk="1" latinLnBrk="0" hangingPunct="1"/>
             <a:r>
-              <a:rPr kumimoji="0" lang="pt-BR" smtClean="0"/>
-              <a:t>Clique para editar o texto mestre</a:t>
-            </a:r>
-          </a:p>
-        </p:txBody>
-      </p:sp>
-      <p:sp>
-        <p:nvSpPr>
-          <p:cNvPr id="4" name="Espaço Reservado para Texto 3"/>
+              <a:rPr kumimoji="0" lang="en-US" smtClean="0"/>
+              <a:t>Click to edit Master text styles</a:t>
+            </a:r>
+          </a:p>
+        </p:txBody>
+      </p:sp>
+      <p:sp>
+        <p:nvSpPr>
+          <p:cNvPr id="4" name="Text Placeholder 3"/>
           <p:cNvSpPr>
             <a:spLocks noGrp="1"/>
           </p:cNvSpPr>
@@ -1469,20 +1850,21 @@
         </p:nvSpPr>
         <p:spPr>
           <a:xfrm>
-            <a:off x="4645025" y="1535112"/>
-            <a:ext cx="4041775" cy="750887"/>
+            <a:off x="4645025" y="1535113"/>
+            <a:ext cx="4041775" cy="639762"/>
           </a:xfrm>
         </p:spPr>
         <p:txBody>
-          <a:bodyPr anchor="ctr"/>
-          <a:lstStyle>
-            <a:lvl1pPr marL="0" indent="0">
+          <a:bodyPr anchor="b">
+            <a:noAutofit/>
+          </a:bodyPr>
+          <a:lstStyle>
+            <a:lvl1pPr marL="91440" indent="0" algn="l">
+              <a:spcBef>
+                <a:spcPts val="0"/>
+              </a:spcBef>
               <a:buNone/>
-              <a:defRPr sz="2400" b="0" cap="all" baseline="0">
-                <a:solidFill>
-                  <a:schemeClr val="tx1"/>
-                </a:solidFill>
-              </a:defRPr>
+              <a:defRPr sz="2200" b="0" cap="all" baseline="0"/>
             </a:lvl1pPr>
             <a:lvl2pPr>
               <a:buNone/>
@@ -1500,19 +1882,20 @@
               <a:buNone/>
               <a:defRPr sz="1600" b="1"/>
             </a:lvl5pPr>
+            <a:extLst/>
           </a:lstStyle>
           <a:p>
             <a:pPr lvl="0" eaLnBrk="1" latinLnBrk="0" hangingPunct="1"/>
             <a:r>
-              <a:rPr kumimoji="0" lang="pt-BR" smtClean="0"/>
-              <a:t>Clique para editar o texto mestre</a:t>
-            </a:r>
-          </a:p>
-        </p:txBody>
-      </p:sp>
-      <p:sp>
-        <p:nvSpPr>
-          <p:cNvPr id="5" name="Espaço Reservado para Conteúdo 4"/>
+              <a:rPr kumimoji="0" lang="en-US" smtClean="0"/>
+              <a:t>Click to edit Master text styles</a:t>
+            </a:r>
+          </a:p>
+        </p:txBody>
+      </p:sp>
+      <p:sp>
+        <p:nvSpPr>
+          <p:cNvPr id="5" name="Content Placeholder 4"/>
           <p:cNvSpPr>
             <a:spLocks noGrp="1"/>
           </p:cNvSpPr>
@@ -1523,14 +1906,14 @@
         <p:spPr>
           <a:xfrm>
             <a:off x="457200" y="2362200"/>
-            <a:ext cx="4040188" cy="3763963"/>
+            <a:ext cx="4040188" cy="3941763"/>
           </a:xfrm>
         </p:spPr>
         <p:txBody>
-          <a:bodyPr/>
+          <a:bodyPr lIns="91440"/>
           <a:lstStyle>
             <a:lvl1pPr>
-              <a:defRPr sz="2400"/>
+              <a:defRPr sz="2200"/>
             </a:lvl1pPr>
             <a:lvl2pPr>
               <a:defRPr sz="2000"/>
@@ -1544,40 +1927,41 @@
             <a:lvl5pPr>
               <a:defRPr sz="1600"/>
             </a:lvl5pPr>
+            <a:extLst/>
           </a:lstStyle>
           <a:p>
             <a:pPr lvl="0" eaLnBrk="1" latinLnBrk="0" hangingPunct="1"/>
             <a:r>
-              <a:rPr lang="pt-BR" smtClean="0"/>
-              <a:t>Clique para editar o texto mestre</a:t>
+              <a:rPr lang="en-US" smtClean="0"/>
+              <a:t>Click to edit Master text styles</a:t>
             </a:r>
           </a:p>
           <a:p>
             <a:pPr lvl="1" eaLnBrk="1" latinLnBrk="0" hangingPunct="1"/>
             <a:r>
-              <a:rPr lang="pt-BR" smtClean="0"/>
-              <a:t>Segundo nível</a:t>
+              <a:rPr lang="en-US" smtClean="0"/>
+              <a:t>Second level</a:t>
             </a:r>
           </a:p>
           <a:p>
             <a:pPr lvl="2" eaLnBrk="1" latinLnBrk="0" hangingPunct="1"/>
             <a:r>
-              <a:rPr lang="pt-BR" smtClean="0"/>
-              <a:t>Terceiro nível</a:t>
+              <a:rPr lang="en-US" smtClean="0"/>
+              <a:t>Third level</a:t>
             </a:r>
           </a:p>
           <a:p>
             <a:pPr lvl="3" eaLnBrk="1" latinLnBrk="0" hangingPunct="1"/>
             <a:r>
-              <a:rPr lang="pt-BR" smtClean="0"/>
-              <a:t>Quarto nível</a:t>
+              <a:rPr lang="en-US" smtClean="0"/>
+              <a:t>Fourth level</a:t>
             </a:r>
           </a:p>
           <a:p>
             <a:pPr lvl="4" eaLnBrk="1" latinLnBrk="0" hangingPunct="1"/>
             <a:r>
-              <a:rPr lang="pt-BR" smtClean="0"/>
-              <a:t>Quinto nível</a:t>
+              <a:rPr lang="en-US" smtClean="0"/>
+              <a:t>Fifth level</a:t>
             </a:r>
             <a:endParaRPr kumimoji="0" lang="en-US"/>
           </a:p>
@@ -1585,7 +1969,7 @@
       </p:sp>
       <p:sp>
         <p:nvSpPr>
-          <p:cNvPr id="6" name="Espaço Reservado para Conteúdo 5"/>
+          <p:cNvPr id="6" name="Content Placeholder 5"/>
           <p:cNvSpPr>
             <a:spLocks noGrp="1"/>
           </p:cNvSpPr>
@@ -1596,14 +1980,14 @@
         <p:spPr>
           <a:xfrm>
             <a:off x="4645025" y="2362200"/>
-            <a:ext cx="4041775" cy="3763963"/>
+            <a:ext cx="4041775" cy="3941763"/>
           </a:xfrm>
         </p:spPr>
         <p:txBody>
           <a:bodyPr/>
           <a:lstStyle>
             <a:lvl1pPr>
-              <a:defRPr sz="2400"/>
+              <a:defRPr sz="2200"/>
             </a:lvl1pPr>
             <a:lvl2pPr>
               <a:defRPr sz="2000"/>
@@ -1617,40 +2001,41 @@
             <a:lvl5pPr>
               <a:defRPr sz="1600"/>
             </a:lvl5pPr>
+            <a:extLst/>
           </a:lstStyle>
           <a:p>
             <a:pPr lvl="0" eaLnBrk="1" latinLnBrk="0" hangingPunct="1"/>
             <a:r>
-              <a:rPr lang="pt-BR" smtClean="0"/>
-              <a:t>Clique para editar o texto mestre</a:t>
+              <a:rPr lang="en-US" smtClean="0"/>
+              <a:t>Click to edit Master text styles</a:t>
             </a:r>
           </a:p>
           <a:p>
             <a:pPr lvl="1" eaLnBrk="1" latinLnBrk="0" hangingPunct="1"/>
             <a:r>
-              <a:rPr lang="pt-BR" smtClean="0"/>
-              <a:t>Segundo nível</a:t>
+              <a:rPr lang="en-US" smtClean="0"/>
+              <a:t>Second level</a:t>
             </a:r>
           </a:p>
           <a:p>
             <a:pPr lvl="2" eaLnBrk="1" latinLnBrk="0" hangingPunct="1"/>
             <a:r>
-              <a:rPr lang="pt-BR" smtClean="0"/>
-              <a:t>Terceiro nível</a:t>
+              <a:rPr lang="en-US" smtClean="0"/>
+              <a:t>Third level</a:t>
             </a:r>
           </a:p>
           <a:p>
             <a:pPr lvl="3" eaLnBrk="1" latinLnBrk="0" hangingPunct="1"/>
             <a:r>
-              <a:rPr lang="pt-BR" smtClean="0"/>
-              <a:t>Quarto nível</a:t>
+              <a:rPr lang="en-US" smtClean="0"/>
+              <a:t>Fourth level</a:t>
             </a:r>
           </a:p>
           <a:p>
             <a:pPr lvl="4" eaLnBrk="1" latinLnBrk="0" hangingPunct="1"/>
             <a:r>
-              <a:rPr lang="pt-BR" smtClean="0"/>
-              <a:t>Quinto nível</a:t>
+              <a:rPr lang="en-US" smtClean="0"/>
+              <a:t>Fifth level</a:t>
             </a:r>
             <a:endParaRPr kumimoji="0" lang="en-US"/>
           </a:p>
@@ -1658,7 +2043,7 @@
       </p:sp>
       <p:sp>
         <p:nvSpPr>
-          <p:cNvPr id="7" name="Espaço Reservado para Data 6"/>
+          <p:cNvPr id="7" name="Date Placeholder 6"/>
           <p:cNvSpPr>
             <a:spLocks noGrp="1"/>
           </p:cNvSpPr>
@@ -1669,11 +2054,13 @@
         <p:spPr/>
         <p:txBody>
           <a:bodyPr/>
-          <a:lstStyle/>
+          <a:lstStyle>
+            <a:extLst/>
+          </a:lstStyle>
           <a:p>
             <a:fld id="{73948A2C-A351-44A5-9543-EA3B6BD94DE1}" type="datetimeFigureOut">
               <a:rPr lang="pt-BR" smtClean="0"/>
-              <a:t>17/3/2013</a:t>
+              <a:t>19/3/2013</a:t>
             </a:fld>
             <a:endParaRPr lang="pt-BR"/>
           </a:p>
@@ -1681,7 +2068,7 @@
       </p:sp>
       <p:sp>
         <p:nvSpPr>
-          <p:cNvPr id="8" name="Espaço Reservado para Rodapé 7"/>
+          <p:cNvPr id="8" name="Footer Placeholder 7"/>
           <p:cNvSpPr>
             <a:spLocks noGrp="1"/>
           </p:cNvSpPr>
@@ -1692,7 +2079,9 @@
         <p:spPr/>
         <p:txBody>
           <a:bodyPr/>
-          <a:lstStyle/>
+          <a:lstStyle>
+            <a:extLst/>
+          </a:lstStyle>
           <a:p>
             <a:endParaRPr lang="pt-BR"/>
           </a:p>
@@ -1700,7 +2089,7 @@
       </p:sp>
       <p:sp>
         <p:nvSpPr>
-          <p:cNvPr id="9" name="Espaço Reservado para Número de Slide 8"/>
+          <p:cNvPr id="9" name="Slide Number Placeholder 8"/>
           <p:cNvSpPr>
             <a:spLocks noGrp="1"/>
           </p:cNvSpPr>
@@ -1708,10 +2097,17 @@
             <p:ph type="sldNum" sz="quarter" idx="12"/>
           </p:nvPr>
         </p:nvSpPr>
-        <p:spPr/>
+        <p:spPr>
+          <a:xfrm>
+            <a:off x="8641080" y="6514568"/>
+            <a:ext cx="464288" cy="274320"/>
+          </a:xfrm>
+        </p:spPr>
         <p:txBody>
           <a:bodyPr/>
-          <a:lstStyle/>
+          <a:lstStyle>
+            <a:extLst/>
+          </a:lstStyle>
           <a:p>
             <a:fld id="{193FF5D9-4674-4F21-ABEA-BCF3C230FAB2}" type="slidenum">
               <a:rPr lang="pt-BR" smtClean="0"/>
@@ -1731,7 +2127,7 @@
 
 <file path=ppt/slideLayouts/slideLayout6.xml><?xml version="1.0" encoding="utf-8"?>
 <p:sldLayout xmlns:a="http://schemas.openxmlformats.org/drawingml/2006/main" xmlns:r="http://schemas.openxmlformats.org/officeDocument/2006/relationships" xmlns:p="http://schemas.openxmlformats.org/presentationml/2006/main" type="titleOnly" preserve="1">
-  <p:cSld name="Somente título">
+  <p:cSld name="Title Only">
     <p:spTree>
       <p:nvGrpSpPr>
         <p:cNvPr id="1" name=""/>
@@ -1748,7 +2144,7 @@
       </p:grpSpPr>
       <p:sp>
         <p:nvSpPr>
-          <p:cNvPr id="2" name="Título 1"/>
+          <p:cNvPr id="2" name="Title 1"/>
           <p:cNvSpPr>
             <a:spLocks noGrp="1"/>
           </p:cNvSpPr>
@@ -1756,37 +2152,46 @@
             <p:ph type="title"/>
           </p:nvPr>
         </p:nvSpPr>
+        <p:spPr>
+          <a:xfrm>
+            <a:off x="457200" y="253218"/>
+            <a:ext cx="8229600" cy="1143000"/>
+          </a:xfrm>
+        </p:spPr>
+        <p:txBody>
+          <a:bodyPr/>
+          <a:lstStyle>
+            <a:extLst/>
+          </a:lstStyle>
+          <a:p>
+            <a:r>
+              <a:rPr kumimoji="0" lang="en-US" smtClean="0"/>
+              <a:t>Click to edit Master title style</a:t>
+            </a:r>
+            <a:endParaRPr kumimoji="0" lang="en-US"/>
+          </a:p>
+        </p:txBody>
+      </p:sp>
+      <p:sp>
+        <p:nvSpPr>
+          <p:cNvPr id="3" name="Date Placeholder 2"/>
+          <p:cNvSpPr>
+            <a:spLocks noGrp="1"/>
+          </p:cNvSpPr>
+          <p:nvPr>
+            <p:ph type="dt" sz="half" idx="10"/>
+          </p:nvPr>
+        </p:nvSpPr>
         <p:spPr/>
         <p:txBody>
           <a:bodyPr/>
-          <a:lstStyle/>
-          <a:p>
-            <a:r>
-              <a:rPr kumimoji="0" lang="pt-BR" smtClean="0"/>
-              <a:t>Clique para editar o título mestre</a:t>
-            </a:r>
-            <a:endParaRPr kumimoji="0" lang="en-US"/>
-          </a:p>
-        </p:txBody>
-      </p:sp>
-      <p:sp>
-        <p:nvSpPr>
-          <p:cNvPr id="3" name="Espaço Reservado para Data 2"/>
-          <p:cNvSpPr>
-            <a:spLocks noGrp="1"/>
-          </p:cNvSpPr>
-          <p:nvPr>
-            <p:ph type="dt" sz="half" idx="10"/>
-          </p:nvPr>
-        </p:nvSpPr>
-        <p:spPr/>
-        <p:txBody>
-          <a:bodyPr/>
-          <a:lstStyle/>
+          <a:lstStyle>
+            <a:extLst/>
+          </a:lstStyle>
           <a:p>
             <a:fld id="{73948A2C-A351-44A5-9543-EA3B6BD94DE1}" type="datetimeFigureOut">
               <a:rPr lang="pt-BR" smtClean="0"/>
-              <a:t>17/3/2013</a:t>
+              <a:t>19/3/2013</a:t>
             </a:fld>
             <a:endParaRPr lang="pt-BR"/>
           </a:p>
@@ -1794,7 +2199,7 @@
       </p:sp>
       <p:sp>
         <p:nvSpPr>
-          <p:cNvPr id="4" name="Espaço Reservado para Rodapé 3"/>
+          <p:cNvPr id="4" name="Footer Placeholder 3"/>
           <p:cNvSpPr>
             <a:spLocks noGrp="1"/>
           </p:cNvSpPr>
@@ -1805,7 +2210,9 @@
         <p:spPr/>
         <p:txBody>
           <a:bodyPr/>
-          <a:lstStyle/>
+          <a:lstStyle>
+            <a:extLst/>
+          </a:lstStyle>
           <a:p>
             <a:endParaRPr lang="pt-BR"/>
           </a:p>
@@ -1813,7 +2220,7 @@
       </p:sp>
       <p:sp>
         <p:nvSpPr>
-          <p:cNvPr id="5" name="Espaço Reservado para Número de Slide 4"/>
+          <p:cNvPr id="5" name="Slide Number Placeholder 4"/>
           <p:cNvSpPr>
             <a:spLocks noGrp="1"/>
           </p:cNvSpPr>
@@ -1824,13 +2231,69 @@
         <p:spPr/>
         <p:txBody>
           <a:bodyPr/>
-          <a:lstStyle/>
+          <a:lstStyle>
+            <a:extLst/>
+          </a:lstStyle>
           <a:p>
             <a:fld id="{193FF5D9-4674-4F21-ABEA-BCF3C230FAB2}" type="slidenum">
               <a:rPr lang="pt-BR" smtClean="0"/>
               <a:t>‹#›</a:t>
             </a:fld>
             <a:endParaRPr lang="pt-BR"/>
+          </a:p>
+        </p:txBody>
+      </p:sp>
+      <p:sp>
+        <p:nvSpPr>
+          <p:cNvPr id="7" name="Rectangle 6"/>
+          <p:cNvSpPr/>
+          <p:nvPr/>
+        </p:nvSpPr>
+        <p:spPr>
+          <a:xfrm>
+            <a:off x="588392" y="1424588"/>
+            <a:ext cx="8001000" cy="9144"/>
+          </a:xfrm>
+          <a:prstGeom prst="rect">
+            <a:avLst/>
+          </a:prstGeom>
+          <a:solidFill>
+            <a:schemeClr val="accent1"/>
+          </a:solidFill>
+          <a:ln w="38100" cap="rnd" cmpd="sng" algn="ctr">
+            <a:noFill/>
+            <a:prstDash val="solid"/>
+          </a:ln>
+          <a:effectLst>
+            <a:outerShdw blurRad="12700" dist="12900" dir="5400000" algn="tl" rotWithShape="0">
+              <a:srgbClr val="000000">
+                <a:alpha val="75000"/>
+              </a:srgbClr>
+            </a:outerShdw>
+          </a:effectLst>
+        </p:spPr>
+        <p:style>
+          <a:lnRef idx="3">
+            <a:schemeClr val="lt1"/>
+          </a:lnRef>
+          <a:fillRef idx="1">
+            <a:schemeClr val="accent1"/>
+          </a:fillRef>
+          <a:effectRef idx="1">
+            <a:schemeClr val="accent1"/>
+          </a:effectRef>
+          <a:fontRef idx="minor">
+            <a:schemeClr val="lt1"/>
+          </a:fontRef>
+        </p:style>
+        <p:txBody>
+          <a:bodyPr anchor="ctr"/>
+          <a:lstStyle>
+            <a:extLst/>
+          </a:lstStyle>
+          <a:p>
+            <a:pPr algn="ctr" eaLnBrk="1" latinLnBrk="0" hangingPunct="1"/>
+            <a:endParaRPr kumimoji="0" lang="en-US"/>
           </a:p>
         </p:txBody>
       </p:sp>
@@ -1844,7 +2307,7 @@
 
 <file path=ppt/slideLayouts/slideLayout7.xml><?xml version="1.0" encoding="utf-8"?>
 <p:sldLayout xmlns:a="http://schemas.openxmlformats.org/drawingml/2006/main" xmlns:r="http://schemas.openxmlformats.org/officeDocument/2006/relationships" xmlns:p="http://schemas.openxmlformats.org/presentationml/2006/main" type="blank" preserve="1">
-  <p:cSld name="Em branco">
+  <p:cSld name="Blank">
     <p:spTree>
       <p:nvGrpSpPr>
         <p:cNvPr id="1" name=""/>
@@ -1861,7 +2324,7 @@
       </p:grpSpPr>
       <p:sp>
         <p:nvSpPr>
-          <p:cNvPr id="2" name="Espaço Reservado para Data 1"/>
+          <p:cNvPr id="2" name="Date Placeholder 1"/>
           <p:cNvSpPr>
             <a:spLocks noGrp="1"/>
           </p:cNvSpPr>
@@ -1872,11 +2335,13 @@
         <p:spPr/>
         <p:txBody>
           <a:bodyPr/>
-          <a:lstStyle/>
+          <a:lstStyle>
+            <a:extLst/>
+          </a:lstStyle>
           <a:p>
             <a:fld id="{73948A2C-A351-44A5-9543-EA3B6BD94DE1}" type="datetimeFigureOut">
               <a:rPr lang="pt-BR" smtClean="0"/>
-              <a:t>17/3/2013</a:t>
+              <a:t>19/3/2013</a:t>
             </a:fld>
             <a:endParaRPr lang="pt-BR"/>
           </a:p>
@@ -1884,7 +2349,7 @@
       </p:sp>
       <p:sp>
         <p:nvSpPr>
-          <p:cNvPr id="3" name="Espaço Reservado para Rodapé 2"/>
+          <p:cNvPr id="3" name="Footer Placeholder 2"/>
           <p:cNvSpPr>
             <a:spLocks noGrp="1"/>
           </p:cNvSpPr>
@@ -1895,7 +2360,9 @@
         <p:spPr/>
         <p:txBody>
           <a:bodyPr/>
-          <a:lstStyle/>
+          <a:lstStyle>
+            <a:extLst/>
+          </a:lstStyle>
           <a:p>
             <a:endParaRPr lang="pt-BR"/>
           </a:p>
@@ -1903,7 +2370,7 @@
       </p:sp>
       <p:sp>
         <p:nvSpPr>
-          <p:cNvPr id="4" name="Espaço Reservado para Número de Slide 3"/>
+          <p:cNvPr id="4" name="Slide Number Placeholder 3"/>
           <p:cNvSpPr>
             <a:spLocks noGrp="1"/>
           </p:cNvSpPr>
@@ -1914,7 +2381,9 @@
         <p:spPr/>
         <p:txBody>
           <a:bodyPr/>
-          <a:lstStyle/>
+          <a:lstStyle>
+            <a:extLst/>
+          </a:lstStyle>
           <a:p>
             <a:fld id="{193FF5D9-4674-4F21-ABEA-BCF3C230FAB2}" type="slidenum">
               <a:rPr lang="pt-BR" smtClean="0"/>
@@ -1933,8 +2402,13 @@
 </file>
 
 <file path=ppt/slideLayouts/slideLayout8.xml><?xml version="1.0" encoding="utf-8"?>
-<p:sldLayout xmlns:a="http://schemas.openxmlformats.org/drawingml/2006/main" xmlns:r="http://schemas.openxmlformats.org/officeDocument/2006/relationships" xmlns:p="http://schemas.openxmlformats.org/presentationml/2006/main" type="objTx" preserve="1">
-  <p:cSld name="Conteúdo com Legenda">
+<p:sldLayout xmlns:a="http://schemas.openxmlformats.org/drawingml/2006/main" xmlns:r="http://schemas.openxmlformats.org/officeDocument/2006/relationships" xmlns:p="http://schemas.openxmlformats.org/presentationml/2006/main" showMasterSp="0" type="objTx" preserve="1">
+  <p:cSld name="Content with Caption">
+    <p:bg>
+      <p:bgRef idx="1001">
+        <a:schemeClr val="bg2"/>
+      </p:bgRef>
+    </p:bg>
     <p:spTree>
       <p:nvGrpSpPr>
         <p:cNvPr id="1" name=""/>
@@ -1951,45 +2425,87 @@
       </p:grpSpPr>
       <p:sp>
         <p:nvSpPr>
-          <p:cNvPr id="2" name="Título 1"/>
-          <p:cNvSpPr>
-            <a:spLocks noGrp="1"/>
-          </p:cNvSpPr>
-          <p:nvPr>
-            <p:ph type="title"/>
-          </p:nvPr>
+          <p:cNvPr id="8" name="Rectangle 7"/>
+          <p:cNvSpPr/>
+          <p:nvPr/>
         </p:nvSpPr>
         <p:spPr>
           <a:xfrm>
-            <a:off x="457200" y="273050"/>
-            <a:ext cx="3008313" cy="1162050"/>
+            <a:off x="5057552" y="1057656"/>
+            <a:ext cx="3749040" cy="9144"/>
+          </a:xfrm>
+          <a:prstGeom prst="rect">
+            <a:avLst/>
+          </a:prstGeom>
+          <a:solidFill>
+            <a:schemeClr val="accent1"/>
+          </a:solidFill>
+          <a:ln w="38100" cap="rnd" cmpd="sng" algn="ctr">
+            <a:noFill/>
+            <a:prstDash val="solid"/>
+          </a:ln>
+          <a:effectLst>
+            <a:outerShdw blurRad="12700" dist="12900" dir="5400000" algn="tl" rotWithShape="0">
+              <a:srgbClr val="000000">
+                <a:alpha val="75000"/>
+              </a:srgbClr>
+            </a:outerShdw>
+          </a:effectLst>
+        </p:spPr>
+        <p:style>
+          <a:lnRef idx="3">
+            <a:schemeClr val="lt1"/>
+          </a:lnRef>
+          <a:fillRef idx="1">
+            <a:schemeClr val="accent1"/>
+          </a:fillRef>
+          <a:effectRef idx="1">
+            <a:schemeClr val="accent1"/>
+          </a:effectRef>
+          <a:fontRef idx="minor">
+            <a:schemeClr val="lt1"/>
+          </a:fontRef>
+        </p:style>
+        <p:txBody>
+          <a:bodyPr anchor="ctr"/>
+          <a:lstStyle>
+            <a:extLst/>
+          </a:lstStyle>
+          <a:p>
+            <a:pPr algn="ctr" eaLnBrk="1" latinLnBrk="0" hangingPunct="1"/>
+            <a:endParaRPr kumimoji="0" lang="en-US"/>
+          </a:p>
+        </p:txBody>
+      </p:sp>
+      <p:sp>
+        <p:nvSpPr>
+          <p:cNvPr id="2" name="Title 1"/>
+          <p:cNvSpPr>
+            <a:spLocks noGrp="1"/>
+          </p:cNvSpPr>
+          <p:nvPr>
+            <p:ph type="title"/>
+          </p:nvPr>
+        </p:nvSpPr>
+        <p:spPr>
+          <a:xfrm>
+            <a:off x="4963136" y="304800"/>
+            <a:ext cx="3931920" cy="762000"/>
           </a:xfrm>
         </p:spPr>
         <p:txBody>
-          <a:bodyPr vert="horz" anchor="b">
-            <a:normAutofit/>
-            <a:sp3d prstMaterial="softEdge"/>
-          </a:bodyPr>
-          <a:lstStyle>
-            <a:lvl1pPr algn="l">
+          <a:bodyPr anchor="b"/>
+          <a:lstStyle>
+            <a:lvl1pPr marL="0" algn="r">
               <a:buNone/>
-              <a:defRPr sz="2200" b="0">
-                <a:ln w="6350">
-                  <a:noFill/>
-                </a:ln>
-                <a:solidFill>
-                  <a:schemeClr val="accent1">
-                    <a:tint val="73000"/>
-                    <a:satMod val="180000"/>
-                  </a:schemeClr>
-                </a:solidFill>
-              </a:defRPr>
+              <a:defRPr sz="2000" b="1"/>
             </a:lvl1pPr>
-          </a:lstStyle>
-          <a:p>
-            <a:r>
-              <a:rPr kumimoji="0" lang="pt-BR" smtClean="0"/>
-              <a:t>Clique para editar o título mestre</a:t>
+            <a:extLst/>
+          </a:lstStyle>
+          <a:p>
+            <a:r>
+              <a:rPr kumimoji="0" lang="en-US" smtClean="0"/>
+              <a:t>Click to edit Master title style</a:t>
             </a:r>
             <a:endParaRPr kumimoji="0" lang="en-US"/>
           </a:p>
@@ -1997,7 +2513,7 @@
       </p:sp>
       <p:sp>
         <p:nvSpPr>
-          <p:cNvPr id="3" name="Espaço Reservado para Texto 2"/>
+          <p:cNvPr id="3" name="Text Placeholder 2"/>
           <p:cNvSpPr>
             <a:spLocks noGrp="1"/>
           </p:cNvSpPr>
@@ -2007,14 +2523,17 @@
         </p:nvSpPr>
         <p:spPr>
           <a:xfrm>
-            <a:off x="457200" y="1524000"/>
-            <a:ext cx="3008313" cy="4602163"/>
+            <a:off x="4963136" y="1107560"/>
+            <a:ext cx="3931920" cy="1066800"/>
           </a:xfrm>
         </p:spPr>
         <p:txBody>
           <a:bodyPr/>
           <a:lstStyle>
-            <a:lvl1pPr marL="0" indent="0">
+            <a:lvl1pPr marL="0" indent="0" algn="r">
+              <a:spcBef>
+                <a:spcPts val="0"/>
+              </a:spcBef>
               <a:buNone/>
               <a:defRPr sz="1400"/>
             </a:lvl1pPr>
@@ -2034,19 +2553,20 @@
               <a:buNone/>
               <a:defRPr sz="900"/>
             </a:lvl5pPr>
+            <a:extLst/>
           </a:lstStyle>
           <a:p>
             <a:pPr lvl="0" eaLnBrk="1" latinLnBrk="0" hangingPunct="1"/>
             <a:r>
-              <a:rPr kumimoji="0" lang="pt-BR" smtClean="0"/>
-              <a:t>Clique para editar o texto mestre</a:t>
-            </a:r>
-          </a:p>
-        </p:txBody>
-      </p:sp>
-      <p:sp>
-        <p:nvSpPr>
-          <p:cNvPr id="4" name="Espaço Reservado para Conteúdo 3"/>
+              <a:rPr kumimoji="0" lang="en-US" smtClean="0"/>
+              <a:t>Click to edit Master text styles</a:t>
+            </a:r>
+          </a:p>
+        </p:txBody>
+      </p:sp>
+      <p:sp>
+        <p:nvSpPr>
+          <p:cNvPr id="4" name="Content Placeholder 3"/>
           <p:cNvSpPr>
             <a:spLocks noGrp="1"/>
           </p:cNvSpPr>
@@ -2056,62 +2576,63 @@
         </p:nvSpPr>
         <p:spPr>
           <a:xfrm>
-            <a:off x="3575050" y="273050"/>
-            <a:ext cx="5111750" cy="5853113"/>
+            <a:off x="228600" y="2209800"/>
+            <a:ext cx="8666456" cy="3977640"/>
           </a:xfrm>
         </p:spPr>
         <p:txBody>
           <a:bodyPr/>
           <a:lstStyle>
-            <a:lvl1pPr>
-              <a:defRPr sz="2600"/>
+            <a:lvl1pPr marL="292608">
+              <a:defRPr sz="3200"/>
             </a:lvl1pPr>
-            <a:lvl2pPr>
+            <a:lvl2pPr marL="594360">
+              <a:defRPr sz="2800"/>
+            </a:lvl2pPr>
+            <a:lvl3pPr marL="822960">
               <a:defRPr sz="2400"/>
-            </a:lvl2pPr>
-            <a:lvl3pPr>
-              <a:defRPr sz="2200"/>
             </a:lvl3pPr>
-            <a:lvl4pPr>
+            <a:lvl4pPr marL="1051560">
               <a:defRPr sz="2000"/>
             </a:lvl4pPr>
-            <a:lvl5pPr>
-              <a:defRPr sz="1800"/>
+            <a:lvl5pPr marL="1261872">
+              <a:defRPr sz="2000"/>
             </a:lvl5pPr>
+            <a:extLst/>
           </a:lstStyle>
           <a:p>
             <a:pPr lvl="0" eaLnBrk="1" latinLnBrk="0" hangingPunct="1"/>
             <a:r>
-              <a:rPr lang="pt-BR" smtClean="0"/>
-              <a:t>Clique para editar o texto mestre</a:t>
+              <a:rPr lang="en-US" smtClean="0"/>
+              <a:t>Click to edit Master text styles</a:t>
             </a:r>
           </a:p>
           <a:p>
             <a:pPr lvl="1" eaLnBrk="1" latinLnBrk="0" hangingPunct="1"/>
             <a:r>
-              <a:rPr lang="pt-BR" smtClean="0"/>
-              <a:t>Segundo nível</a:t>
+              <a:rPr lang="en-US" smtClean="0"/>
+              <a:t>Second level</a:t>
             </a:r>
           </a:p>
           <a:p>
             <a:pPr lvl="2" eaLnBrk="1" latinLnBrk="0" hangingPunct="1"/>
             <a:r>
-              <a:rPr lang="pt-BR" smtClean="0"/>
-              <a:t>Terceiro nível</a:t>
+              <a:rPr lang="en-US" smtClean="0"/>
+              <a:t>Third level</a:t>
             </a:r>
           </a:p>
           <a:p>
             <a:pPr lvl="3" eaLnBrk="1" latinLnBrk="0" hangingPunct="1"/>
             <a:r>
-              <a:rPr lang="pt-BR" smtClean="0"/>
-              <a:t>Quarto nível</a:t>
+              <a:rPr lang="en-US" smtClean="0"/>
+              <a:t>Fourth level</a:t>
             </a:r>
           </a:p>
           <a:p>
             <a:pPr lvl="4" eaLnBrk="1" latinLnBrk="0" hangingPunct="1"/>
             <a:r>
-              <a:rPr lang="pt-BR" smtClean="0"/>
-              <a:t>Quinto nível</a:t>
+              <a:rPr lang="en-US" smtClean="0"/>
+              <a:t>Fifth level</a:t>
             </a:r>
             <a:endParaRPr kumimoji="0" lang="en-US"/>
           </a:p>
@@ -2119,7 +2640,7 @@
       </p:sp>
       <p:sp>
         <p:nvSpPr>
-          <p:cNvPr id="5" name="Espaço Reservado para Data 4"/>
+          <p:cNvPr id="9" name="Date Placeholder 8"/>
           <p:cNvSpPr>
             <a:spLocks noGrp="1"/>
           </p:cNvSpPr>
@@ -2127,14 +2648,21 @@
             <p:ph type="dt" sz="half" idx="10"/>
           </p:nvPr>
         </p:nvSpPr>
-        <p:spPr/>
-        <p:txBody>
-          <a:bodyPr/>
-          <a:lstStyle/>
+        <p:spPr>
+          <a:xfrm>
+            <a:off x="5562600" y="6513670"/>
+            <a:ext cx="3002280" cy="274320"/>
+          </a:xfrm>
+        </p:spPr>
+        <p:txBody>
+          <a:bodyPr vert="horz" rtlCol="0"/>
+          <a:lstStyle>
+            <a:extLst/>
+          </a:lstStyle>
           <a:p>
             <a:fld id="{73948A2C-A351-44A5-9543-EA3B6BD94DE1}" type="datetimeFigureOut">
               <a:rPr lang="pt-BR" smtClean="0"/>
-              <a:t>17/3/2013</a:t>
+              <a:t>19/3/2013</a:t>
             </a:fld>
             <a:endParaRPr lang="pt-BR"/>
           </a:p>
@@ -2142,37 +2670,34 @@
       </p:sp>
       <p:sp>
         <p:nvSpPr>
-          <p:cNvPr id="6" name="Espaço Reservado para Rodapé 5"/>
-          <p:cNvSpPr>
-            <a:spLocks noGrp="1"/>
-          </p:cNvSpPr>
-          <p:nvPr>
-            <p:ph type="ftr" sz="quarter" idx="11"/>
-          </p:nvPr>
-        </p:nvSpPr>
-        <p:spPr/>
-        <p:txBody>
-          <a:bodyPr/>
-          <a:lstStyle/>
-          <a:p>
-            <a:endParaRPr lang="pt-BR"/>
-          </a:p>
-        </p:txBody>
-      </p:sp>
-      <p:sp>
-        <p:nvSpPr>
-          <p:cNvPr id="7" name="Espaço Reservado para Número de Slide 6"/>
-          <p:cNvSpPr>
-            <a:spLocks noGrp="1"/>
-          </p:cNvSpPr>
-          <p:nvPr>
-            <p:ph type="sldNum" sz="quarter" idx="12"/>
-          </p:nvPr>
-        </p:nvSpPr>
-        <p:spPr/>
-        <p:txBody>
-          <a:bodyPr/>
-          <a:lstStyle/>
+          <p:cNvPr id="10" name="Slide Number Placeholder 9"/>
+          <p:cNvSpPr>
+            <a:spLocks noGrp="1"/>
+          </p:cNvSpPr>
+          <p:nvPr>
+            <p:ph type="sldNum" sz="quarter" idx="11"/>
+          </p:nvPr>
+        </p:nvSpPr>
+        <p:spPr>
+          <a:xfrm>
+            <a:off x="8638952" y="6513670"/>
+            <a:ext cx="464288" cy="274320"/>
+          </a:xfrm>
+        </p:spPr>
+        <p:txBody>
+          <a:bodyPr vert="horz" rtlCol="0"/>
+          <a:lstStyle>
+            <a:lvl1pPr>
+              <a:defRPr>
+                <a:solidFill>
+                  <a:schemeClr val="tx2">
+                    <a:shade val="90000"/>
+                  </a:schemeClr>
+                </a:solidFill>
+              </a:defRPr>
+            </a:lvl1pPr>
+            <a:extLst/>
+          </a:lstStyle>
           <a:p>
             <a:fld id="{193FF5D9-4674-4F21-ABEA-BCF3C230FAB2}" type="slidenum">
               <a:rPr lang="pt-BR" smtClean="0"/>
@@ -2182,17 +2707,43 @@
           </a:p>
         </p:txBody>
       </p:sp>
+      <p:sp>
+        <p:nvSpPr>
+          <p:cNvPr id="11" name="Footer Placeholder 10"/>
+          <p:cNvSpPr>
+            <a:spLocks noGrp="1"/>
+          </p:cNvSpPr>
+          <p:nvPr>
+            <p:ph type="ftr" sz="quarter" idx="12"/>
+          </p:nvPr>
+        </p:nvSpPr>
+        <p:spPr>
+          <a:xfrm>
+            <a:off x="1600200" y="6513670"/>
+            <a:ext cx="3907464" cy="274320"/>
+          </a:xfrm>
+        </p:spPr>
+        <p:txBody>
+          <a:bodyPr vert="horz" rtlCol="0"/>
+          <a:lstStyle>
+            <a:extLst/>
+          </a:lstStyle>
+          <a:p>
+            <a:endParaRPr lang="pt-BR"/>
+          </a:p>
+        </p:txBody>
+      </p:sp>
     </p:spTree>
   </p:cSld>
   <p:clrMapOvr>
-    <a:masterClrMapping/>
+    <a:overrideClrMapping bg1="dk1" tx1="lt1" bg2="dk2" tx2="lt2" accent1="accent1" accent2="accent2" accent3="accent3" accent4="accent4" accent5="accent5" accent6="accent6" hlink="hlink" folHlink="folHlink"/>
   </p:clrMapOvr>
 </p:sldLayout>
 </file>
 
 <file path=ppt/slideLayouts/slideLayout9.xml><?xml version="1.0" encoding="utf-8"?>
-<p:sldLayout xmlns:a="http://schemas.openxmlformats.org/drawingml/2006/main" xmlns:r="http://schemas.openxmlformats.org/officeDocument/2006/relationships" xmlns:p="http://schemas.openxmlformats.org/presentationml/2006/main" type="picTx" preserve="1">
-  <p:cSld name="Imagem com Legenda">
+<p:sldLayout xmlns:a="http://schemas.openxmlformats.org/drawingml/2006/main" xmlns:r="http://schemas.openxmlformats.org/officeDocument/2006/relationships" xmlns:p="http://schemas.openxmlformats.org/presentationml/2006/main" showMasterSp="0" type="picTx" preserve="1">
+  <p:cSld name="Picture with Caption">
     <p:spTree>
       <p:nvGrpSpPr>
         <p:cNvPr id="1" name=""/>
@@ -2209,7 +2760,7 @@
       </p:grpSpPr>
       <p:sp>
         <p:nvSpPr>
-          <p:cNvPr id="2" name="Título 1"/>
+          <p:cNvPr id="2" name="Title 1"/>
           <p:cNvSpPr>
             <a:spLocks noGrp="1"/>
           </p:cNvSpPr>
@@ -2219,24 +2770,23 @@
         </p:nvSpPr>
         <p:spPr>
           <a:xfrm>
-            <a:off x="1828800" y="609600"/>
-            <a:ext cx="5486400" cy="522288"/>
+            <a:off x="3040443" y="4724400"/>
+            <a:ext cx="5486400" cy="664536"/>
           </a:xfrm>
         </p:spPr>
         <p:txBody>
-          <a:bodyPr lIns="45720" rIns="45720" bIns="0" anchor="b">
-            <a:sp3d prstMaterial="softEdge"/>
-          </a:bodyPr>
-          <a:lstStyle>
-            <a:lvl1pPr algn="ctr">
+          <a:bodyPr anchor="b"/>
+          <a:lstStyle>
+            <a:lvl1pPr marL="0" algn="r">
               <a:buNone/>
               <a:defRPr sz="2000" b="1"/>
             </a:lvl1pPr>
-          </a:lstStyle>
-          <a:p>
-            <a:r>
-              <a:rPr kumimoji="0" lang="pt-BR" smtClean="0"/>
-              <a:t>Clique para editar o título mestre</a:t>
+            <a:extLst/>
+          </a:lstStyle>
+          <a:p>
+            <a:r>
+              <a:rPr kumimoji="0" lang="en-US" smtClean="0"/>
+              <a:t>Click to edit Master title style</a:t>
             </a:r>
             <a:endParaRPr kumimoji="0" lang="en-US"/>
           </a:p>
@@ -2244,51 +2794,99 @@
       </p:sp>
       <p:sp>
         <p:nvSpPr>
-          <p:cNvPr id="3" name="Espaço Reservado para Imagem 2"/>
-          <p:cNvSpPr>
-            <a:spLocks noGrp="1"/>
-          </p:cNvSpPr>
-          <p:nvPr>
-            <p:ph type="pic" idx="1"/>
+          <p:cNvPr id="4" name="Text Placeholder 3"/>
+          <p:cNvSpPr>
+            <a:spLocks noGrp="1"/>
+          </p:cNvSpPr>
+          <p:nvPr>
+            <p:ph type="body" sz="half" idx="2"/>
           </p:nvPr>
         </p:nvSpPr>
         <p:spPr>
           <a:xfrm>
-            <a:off x="1828800" y="1831975"/>
-            <a:ext cx="5486400" cy="3962400"/>
+            <a:off x="3040443" y="5388936"/>
+            <a:ext cx="5486400" cy="912255"/>
           </a:xfrm>
+        </p:spPr>
+        <p:txBody>
+          <a:bodyPr/>
+          <a:lstStyle>
+            <a:lvl1pPr marL="0" indent="0" algn="r">
+              <a:spcBef>
+                <a:spcPts val="0"/>
+              </a:spcBef>
+              <a:buNone/>
+              <a:defRPr sz="1400"/>
+            </a:lvl1pPr>
+            <a:lvl2pPr>
+              <a:defRPr sz="1200"/>
+            </a:lvl2pPr>
+            <a:lvl3pPr>
+              <a:defRPr sz="1000"/>
+            </a:lvl3pPr>
+            <a:lvl4pPr>
+              <a:defRPr sz="900"/>
+            </a:lvl4pPr>
+            <a:lvl5pPr>
+              <a:defRPr sz="900"/>
+            </a:lvl5pPr>
+            <a:extLst/>
+          </a:lstStyle>
+          <a:p>
+            <a:pPr lvl="0" eaLnBrk="1" latinLnBrk="0" hangingPunct="1"/>
+            <a:r>
+              <a:rPr kumimoji="0" lang="en-US" smtClean="0"/>
+              <a:t>Click to edit Master text styles</a:t>
+            </a:r>
+          </a:p>
+        </p:txBody>
+      </p:sp>
+      <p:sp>
+        <p:nvSpPr>
+          <p:cNvPr id="13" name="Picture Placeholder 12"/>
+          <p:cNvSpPr>
+            <a:spLocks noGrp="1"/>
+          </p:cNvSpPr>
+          <p:nvPr>
+            <p:ph type="pic" idx="1"/>
+          </p:nvPr>
+        </p:nvSpPr>
+        <p:spPr>
+          <a:xfrm>
+            <a:off x="304800" y="249864"/>
+            <a:ext cx="8534400" cy="4343400"/>
+          </a:xfrm>
+          <a:prstGeom prst="round2DiagRect">
+            <a:avLst>
+              <a:gd name="adj1" fmla="val 11403"/>
+              <a:gd name="adj2" fmla="val 0"/>
+            </a:avLst>
+          </a:prstGeom>
           <a:solidFill>
-            <a:schemeClr val="bg2"/>
+            <a:schemeClr val="bg2">
+              <a:tint val="85000"/>
+              <a:shade val="90000"/>
+              <a:satMod val="150000"/>
+              <a:alpha val="65000"/>
+            </a:schemeClr>
           </a:solidFill>
-          <a:ln w="44450" cap="sq" cmpd="sng" algn="ctr">
+          <a:ln w="11000" cap="rnd" cmpd="sng" algn="ctr">
             <a:solidFill>
-              <a:srgbClr val="FFFFFF"/>
+              <a:schemeClr val="bg2">
+                <a:tint val="78000"/>
+                <a:satMod val="180000"/>
+                <a:alpha val="88000"/>
+              </a:schemeClr>
             </a:solidFill>
             <a:prstDash val="solid"/>
-            <a:miter lim="800000"/>
           </a:ln>
           <a:effectLst>
-            <a:outerShdw blurRad="190500" dist="228600" dir="2700000" sy="90000">
+            <a:innerShdw blurRad="114300">
               <a:srgbClr val="000000">
-                <a:alpha val="25000"/>
+                <a:alpha val="100000"/>
               </a:srgbClr>
-            </a:outerShdw>
+            </a:innerShdw>
           </a:effectLst>
-          <a:scene3d>
-            <a:camera prst="orthographicFront">
-              <a:rot lat="0" lon="0" rev="0"/>
-            </a:camera>
-            <a:lightRig rig="balanced" dir="tr">
-              <a:rot lat="0" lon="0" rev="2700000"/>
-            </a:lightRig>
-          </a:scene3d>
-          <a:sp3d prstMaterial="matte">
-            <a:contourClr>
-              <a:schemeClr val="tx2">
-                <a:shade val="50000"/>
-              </a:schemeClr>
-            </a:contourClr>
-          </a:sp3d>
         </p:spPr>
         <p:style>
           <a:lnRef idx="3">
@@ -2311,11 +2909,12 @@
               <a:buNone/>
               <a:defRPr sz="3200"/>
             </a:lvl1pPr>
+            <a:extLst/>
           </a:lstStyle>
           <a:p>
             <a:pPr marL="0" algn="l" rtl="0" eaLnBrk="1" latinLnBrk="0" hangingPunct="1"/>
             <a:r>
-              <a:rPr kumimoji="0" lang="pt-BR" smtClean="0">
+              <a:rPr kumimoji="0" lang="en-US" smtClean="0">
                 <a:solidFill>
                   <a:schemeClr val="lt1"/>
                 </a:solidFill>
@@ -2323,7 +2922,7 @@
                 <a:ea typeface="+mn-ea"/>
                 <a:cs typeface="+mn-cs"/>
               </a:rPr>
-              <a:t>Clique no ícone para adicionar uma imagem</a:t>
+              <a:t>Click icon to add picture</a:t>
             </a:r>
             <a:endParaRPr kumimoji="0" lang="en-US" dirty="0">
               <a:solidFill>
@@ -2338,67 +2937,29 @@
       </p:sp>
       <p:sp>
         <p:nvSpPr>
-          <p:cNvPr id="4" name="Espaço Reservado para Texto 3"/>
-          <p:cNvSpPr>
-            <a:spLocks noGrp="1"/>
-          </p:cNvSpPr>
-          <p:nvPr>
-            <p:ph type="body" sz="half" idx="2"/>
+          <p:cNvPr id="8" name="Date Placeholder 7"/>
+          <p:cNvSpPr>
+            <a:spLocks noGrp="1"/>
+          </p:cNvSpPr>
+          <p:nvPr>
+            <p:ph type="dt" sz="half" idx="10"/>
           </p:nvPr>
         </p:nvSpPr>
         <p:spPr>
           <a:xfrm>
-            <a:off x="1828800" y="1166787"/>
-            <a:ext cx="5486400" cy="530352"/>
+            <a:off x="5562600" y="6509004"/>
+            <a:ext cx="3002280" cy="274320"/>
           </a:xfrm>
         </p:spPr>
         <p:txBody>
-          <a:bodyPr lIns="45720" tIns="45720" rIns="45720" anchor="t"/>
-          <a:lstStyle>
-            <a:lvl1pPr marL="0" indent="0" algn="ctr">
-              <a:buNone/>
-              <a:defRPr sz="1400"/>
-            </a:lvl1pPr>
-            <a:lvl2pPr>
-              <a:defRPr sz="1200"/>
-            </a:lvl2pPr>
-            <a:lvl3pPr>
-              <a:defRPr sz="1000"/>
-            </a:lvl3pPr>
-            <a:lvl4pPr>
-              <a:defRPr sz="900"/>
-            </a:lvl4pPr>
-            <a:lvl5pPr>
-              <a:defRPr sz="900"/>
-            </a:lvl5pPr>
-          </a:lstStyle>
-          <a:p>
-            <a:pPr lvl="0" eaLnBrk="1" latinLnBrk="0" hangingPunct="1"/>
-            <a:r>
-              <a:rPr kumimoji="0" lang="pt-BR" smtClean="0"/>
-              <a:t>Clique para editar o texto mestre</a:t>
-            </a:r>
-          </a:p>
-        </p:txBody>
-      </p:sp>
-      <p:sp>
-        <p:nvSpPr>
-          <p:cNvPr id="5" name="Espaço Reservado para Data 4"/>
-          <p:cNvSpPr>
-            <a:spLocks noGrp="1"/>
-          </p:cNvSpPr>
-          <p:nvPr>
-            <p:ph type="dt" sz="half" idx="10"/>
-          </p:nvPr>
-        </p:nvSpPr>
-        <p:spPr/>
-        <p:txBody>
-          <a:bodyPr/>
-          <a:lstStyle/>
+          <a:bodyPr vert="horz" rtlCol="0"/>
+          <a:lstStyle>
+            <a:extLst/>
+          </a:lstStyle>
           <a:p>
             <a:fld id="{73948A2C-A351-44A5-9543-EA3B6BD94DE1}" type="datetimeFigureOut">
               <a:rPr lang="pt-BR" smtClean="0"/>
-              <a:t>17/3/2013</a:t>
+              <a:t>19/3/2013</a:t>
             </a:fld>
             <a:endParaRPr lang="pt-BR"/>
           </a:p>
@@ -2406,42 +2967,65 @@
       </p:sp>
       <p:sp>
         <p:nvSpPr>
-          <p:cNvPr id="6" name="Espaço Reservado para Rodapé 5"/>
-          <p:cNvSpPr>
-            <a:spLocks noGrp="1"/>
-          </p:cNvSpPr>
-          <p:nvPr>
-            <p:ph type="ftr" sz="quarter" idx="11"/>
-          </p:nvPr>
-        </p:nvSpPr>
-        <p:spPr/>
-        <p:txBody>
-          <a:bodyPr/>
-          <a:lstStyle/>
-          <a:p>
-            <a:endParaRPr lang="pt-BR"/>
-          </a:p>
-        </p:txBody>
-      </p:sp>
-      <p:sp>
-        <p:nvSpPr>
-          <p:cNvPr id="7" name="Espaço Reservado para Número de Slide 6"/>
-          <p:cNvSpPr>
-            <a:spLocks noGrp="1"/>
-          </p:cNvSpPr>
-          <p:nvPr>
-            <p:ph type="sldNum" sz="quarter" idx="12"/>
-          </p:nvPr>
-        </p:nvSpPr>
-        <p:spPr/>
-        <p:txBody>
-          <a:bodyPr/>
-          <a:lstStyle/>
+          <p:cNvPr id="9" name="Slide Number Placeholder 8"/>
+          <p:cNvSpPr>
+            <a:spLocks noGrp="1"/>
+          </p:cNvSpPr>
+          <p:nvPr>
+            <p:ph type="sldNum" sz="quarter" idx="11"/>
+          </p:nvPr>
+        </p:nvSpPr>
+        <p:spPr>
+          <a:xfrm>
+            <a:off x="8638952" y="6509004"/>
+            <a:ext cx="464288" cy="274320"/>
+          </a:xfrm>
+        </p:spPr>
+        <p:txBody>
+          <a:bodyPr vert="horz" rtlCol="0"/>
+          <a:lstStyle>
+            <a:lvl1pPr>
+              <a:defRPr>
+                <a:solidFill>
+                  <a:schemeClr val="tx2">
+                    <a:shade val="90000"/>
+                  </a:schemeClr>
+                </a:solidFill>
+              </a:defRPr>
+            </a:lvl1pPr>
+            <a:extLst/>
+          </a:lstStyle>
           <a:p>
             <a:fld id="{193FF5D9-4674-4F21-ABEA-BCF3C230FAB2}" type="slidenum">
               <a:rPr lang="pt-BR" smtClean="0"/>
               <a:t>‹#›</a:t>
             </a:fld>
+            <a:endParaRPr lang="pt-BR"/>
+          </a:p>
+        </p:txBody>
+      </p:sp>
+      <p:sp>
+        <p:nvSpPr>
+          <p:cNvPr id="10" name="Footer Placeholder 9"/>
+          <p:cNvSpPr>
+            <a:spLocks noGrp="1"/>
+          </p:cNvSpPr>
+          <p:nvPr>
+            <p:ph type="ftr" sz="quarter" idx="12"/>
+          </p:nvPr>
+        </p:nvSpPr>
+        <p:spPr>
+          <a:xfrm>
+            <a:off x="1600200" y="6509004"/>
+            <a:ext cx="3907464" cy="274320"/>
+          </a:xfrm>
+        </p:spPr>
+        <p:txBody>
+          <a:bodyPr vert="horz" rtlCol="0"/>
+          <a:lstStyle>
+            <a:extLst/>
+          </a:lstStyle>
+          <a:p>
             <a:endParaRPr lang="pt-BR"/>
           </a:p>
         </p:txBody>
@@ -2478,17 +3062,210 @@
       </p:grpSpPr>
       <p:sp>
         <p:nvSpPr>
-          <p:cNvPr id="22" name="Espaço Reservado para Título 21"/>
-          <p:cNvSpPr>
-            <a:spLocks noGrp="1"/>
-          </p:cNvSpPr>
-          <p:nvPr>
-            <p:ph type="title"/>
-          </p:nvPr>
+          <p:cNvPr id="7" name="Round Diagonal Corner Rectangle 6"/>
+          <p:cNvSpPr/>
+          <p:nvPr/>
         </p:nvSpPr>
         <p:spPr>
           <a:xfrm>
-            <a:off x="457200" y="274638"/>
+            <a:off x="164592" y="147085"/>
+            <a:ext cx="8810846" cy="6565392"/>
+          </a:xfrm>
+          <a:prstGeom prst="round2DiagRect">
+            <a:avLst>
+              <a:gd name="adj1" fmla="val 11807"/>
+              <a:gd name="adj2" fmla="val 0"/>
+            </a:avLst>
+          </a:prstGeom>
+          <a:solidFill>
+            <a:schemeClr val="bg2">
+              <a:tint val="85000"/>
+              <a:shade val="90000"/>
+              <a:satMod val="150000"/>
+              <a:alpha val="65000"/>
+            </a:schemeClr>
+          </a:solidFill>
+          <a:ln w="11000" cap="rnd" cmpd="sng" algn="ctr">
+            <a:solidFill>
+              <a:schemeClr val="bg2">
+                <a:tint val="78000"/>
+                <a:satMod val="180000"/>
+                <a:alpha val="88000"/>
+              </a:schemeClr>
+            </a:solidFill>
+            <a:prstDash val="solid"/>
+          </a:ln>
+          <a:effectLst>
+            <a:innerShdw blurRad="114300">
+              <a:srgbClr val="000000">
+                <a:alpha val="100000"/>
+              </a:srgbClr>
+            </a:innerShdw>
+          </a:effectLst>
+        </p:spPr>
+        <p:style>
+          <a:lnRef idx="3">
+            <a:schemeClr val="lt1"/>
+          </a:lnRef>
+          <a:fillRef idx="1">
+            <a:schemeClr val="accent1"/>
+          </a:fillRef>
+          <a:effectRef idx="1">
+            <a:schemeClr val="accent1"/>
+          </a:effectRef>
+          <a:fontRef idx="minor">
+            <a:schemeClr val="lt1"/>
+          </a:fontRef>
+        </p:style>
+        <p:txBody>
+          <a:bodyPr anchor="ctr"/>
+          <a:lstStyle>
+            <a:extLst/>
+          </a:lstStyle>
+          <a:p>
+            <a:pPr algn="ctr" eaLnBrk="1" latinLnBrk="0" hangingPunct="1"/>
+            <a:endParaRPr kumimoji="0" lang="en-US"/>
+          </a:p>
+        </p:txBody>
+      </p:sp>
+      <p:sp>
+        <p:nvSpPr>
+          <p:cNvPr id="3" name="Footer Placeholder 2"/>
+          <p:cNvSpPr>
+            <a:spLocks noGrp="1"/>
+          </p:cNvSpPr>
+          <p:nvPr>
+            <p:ph type="ftr" sz="quarter" idx="3"/>
+          </p:nvPr>
+        </p:nvSpPr>
+        <p:spPr>
+          <a:xfrm>
+            <a:off x="1295400" y="6400800"/>
+            <a:ext cx="4212264" cy="274320"/>
+          </a:xfrm>
+          <a:prstGeom prst="rect">
+            <a:avLst/>
+          </a:prstGeom>
+        </p:spPr>
+        <p:txBody>
+          <a:bodyPr/>
+          <a:lstStyle>
+            <a:lvl1pPr algn="r" eaLnBrk="1" latinLnBrk="0" hangingPunct="1">
+              <a:defRPr kumimoji="0" sz="1300">
+                <a:solidFill>
+                  <a:schemeClr val="bg2">
+                    <a:tint val="60000"/>
+                    <a:satMod val="155000"/>
+                  </a:schemeClr>
+                </a:solidFill>
+              </a:defRPr>
+            </a:lvl1pPr>
+            <a:extLst/>
+          </a:lstStyle>
+          <a:p>
+            <a:endParaRPr lang="pt-BR"/>
+          </a:p>
+        </p:txBody>
+      </p:sp>
+      <p:sp>
+        <p:nvSpPr>
+          <p:cNvPr id="14" name="Date Placeholder 13"/>
+          <p:cNvSpPr>
+            <a:spLocks noGrp="1"/>
+          </p:cNvSpPr>
+          <p:nvPr>
+            <p:ph type="dt" sz="half" idx="2"/>
+          </p:nvPr>
+        </p:nvSpPr>
+        <p:spPr>
+          <a:xfrm>
+            <a:off x="5562600" y="6400800"/>
+            <a:ext cx="3002280" cy="274320"/>
+          </a:xfrm>
+          <a:prstGeom prst="rect">
+            <a:avLst/>
+          </a:prstGeom>
+        </p:spPr>
+        <p:txBody>
+          <a:bodyPr/>
+          <a:lstStyle>
+            <a:lvl1pPr algn="l" eaLnBrk="1" latinLnBrk="0" hangingPunct="1">
+              <a:defRPr kumimoji="0" sz="1300">
+                <a:solidFill>
+                  <a:schemeClr val="bg2">
+                    <a:tint val="60000"/>
+                    <a:satMod val="155000"/>
+                  </a:schemeClr>
+                </a:solidFill>
+              </a:defRPr>
+            </a:lvl1pPr>
+            <a:extLst/>
+          </a:lstStyle>
+          <a:p>
+            <a:fld id="{73948A2C-A351-44A5-9543-EA3B6BD94DE1}" type="datetimeFigureOut">
+              <a:rPr lang="pt-BR" smtClean="0"/>
+              <a:t>19/3/2013</a:t>
+            </a:fld>
+            <a:endParaRPr lang="pt-BR"/>
+          </a:p>
+        </p:txBody>
+      </p:sp>
+      <p:sp>
+        <p:nvSpPr>
+          <p:cNvPr id="23" name="Slide Number Placeholder 22"/>
+          <p:cNvSpPr>
+            <a:spLocks noGrp="1"/>
+          </p:cNvSpPr>
+          <p:nvPr>
+            <p:ph type="sldNum" sz="quarter" idx="4"/>
+          </p:nvPr>
+        </p:nvSpPr>
+        <p:spPr>
+          <a:xfrm>
+            <a:off x="8638952" y="6514568"/>
+            <a:ext cx="464288" cy="274320"/>
+          </a:xfrm>
+          <a:prstGeom prst="rect">
+            <a:avLst/>
+          </a:prstGeom>
+        </p:spPr>
+        <p:txBody>
+          <a:bodyPr anchor="ctr"/>
+          <a:lstStyle>
+            <a:lvl1pPr algn="r" eaLnBrk="1" latinLnBrk="0" hangingPunct="1">
+              <a:defRPr kumimoji="0" sz="1600">
+                <a:solidFill>
+                  <a:schemeClr val="tx2">
+                    <a:shade val="90000"/>
+                  </a:schemeClr>
+                </a:solidFill>
+                <a:effectLst/>
+              </a:defRPr>
+            </a:lvl1pPr>
+            <a:extLst/>
+          </a:lstStyle>
+          <a:p>
+            <a:fld id="{193FF5D9-4674-4F21-ABEA-BCF3C230FAB2}" type="slidenum">
+              <a:rPr lang="pt-BR" smtClean="0"/>
+              <a:t>‹#›</a:t>
+            </a:fld>
+            <a:endParaRPr lang="pt-BR"/>
+          </a:p>
+        </p:txBody>
+      </p:sp>
+      <p:sp>
+        <p:nvSpPr>
+          <p:cNvPr id="22" name="Title Placeholder 21"/>
+          <p:cNvSpPr>
+            <a:spLocks noGrp="1"/>
+          </p:cNvSpPr>
+          <p:nvPr>
+            <p:ph type="title"/>
+          </p:nvPr>
+        </p:nvSpPr>
+        <p:spPr>
+          <a:xfrm>
+            <a:off x="457200" y="253536"/>
             <a:ext cx="8229600" cy="1143000"/>
           </a:xfrm>
           <a:prstGeom prst="rect">
@@ -2496,23 +3273,25 @@
           </a:prstGeom>
         </p:spPr>
         <p:txBody>
-          <a:bodyPr vert="horz" anchor="ctr">
+          <a:bodyPr rIns="91440" anchor="b">
             <a:normAutofit/>
             <a:scene3d>
               <a:camera prst="orthographicFront"/>
               <a:lightRig rig="soft" dir="t">
-                <a:rot lat="0" lon="0" rev="16800000"/>
+                <a:rot lat="0" lon="0" rev="2400000"/>
               </a:lightRig>
             </a:scene3d>
-            <a:sp3d prstMaterial="softEdge">
-              <a:bevelT w="38100" h="38100"/>
+            <a:sp3d>
+              <a:bevelT w="19050" h="12700"/>
             </a:sp3d>
           </a:bodyPr>
-          <a:lstStyle/>
-          <a:p>
-            <a:r>
-              <a:rPr kumimoji="0" lang="pt-BR" smtClean="0"/>
-              <a:t>Clique para editar o título mestre</a:t>
+          <a:lstStyle>
+            <a:extLst/>
+          </a:lstStyle>
+          <a:p>
+            <a:r>
+              <a:rPr kumimoji="0" lang="en-US" smtClean="0"/>
+              <a:t>Click to edit Master title style</a:t>
             </a:r>
             <a:endParaRPr kumimoji="0" lang="en-US"/>
           </a:p>
@@ -2520,7 +3299,7 @@
       </p:sp>
       <p:sp>
         <p:nvSpPr>
-          <p:cNvPr id="13" name="Espaço Reservado para Texto 12"/>
+          <p:cNvPr id="13" name="Text Placeholder 12"/>
           <p:cNvSpPr>
             <a:spLocks noGrp="1"/>
           </p:cNvSpPr>
@@ -2530,172 +3309,55 @@
         </p:nvSpPr>
         <p:spPr>
           <a:xfrm>
-            <a:off x="457200" y="1600200"/>
-            <a:ext cx="8229600" cy="4709160"/>
+            <a:off x="457200" y="1646237"/>
+            <a:ext cx="8229600" cy="4526280"/>
           </a:xfrm>
           <a:prstGeom prst="rect">
             <a:avLst/>
           </a:prstGeom>
         </p:spPr>
         <p:txBody>
-          <a:bodyPr vert="horz">
+          <a:bodyPr>
             <a:normAutofit/>
           </a:bodyPr>
-          <a:lstStyle/>
+          <a:lstStyle>
+            <a:extLst/>
+          </a:lstStyle>
           <a:p>
             <a:pPr lvl="0" eaLnBrk="1" latinLnBrk="0" hangingPunct="1"/>
             <a:r>
-              <a:rPr kumimoji="0" lang="pt-BR" smtClean="0"/>
-              <a:t>Clique para editar o texto mestre</a:t>
+              <a:rPr kumimoji="0" lang="en-US" smtClean="0"/>
+              <a:t>Click to edit Master text styles</a:t>
             </a:r>
           </a:p>
           <a:p>
             <a:pPr lvl="1" eaLnBrk="1" latinLnBrk="0" hangingPunct="1"/>
             <a:r>
-              <a:rPr kumimoji="0" lang="pt-BR" smtClean="0"/>
-              <a:t>Segundo nível</a:t>
+              <a:rPr kumimoji="0" lang="en-US" smtClean="0"/>
+              <a:t>Second level</a:t>
             </a:r>
           </a:p>
           <a:p>
             <a:pPr lvl="2" eaLnBrk="1" latinLnBrk="0" hangingPunct="1"/>
             <a:r>
-              <a:rPr kumimoji="0" lang="pt-BR" smtClean="0"/>
-              <a:t>Terceiro nível</a:t>
+              <a:rPr kumimoji="0" lang="en-US" smtClean="0"/>
+              <a:t>Third level</a:t>
             </a:r>
           </a:p>
           <a:p>
             <a:pPr lvl="3" eaLnBrk="1" latinLnBrk="0" hangingPunct="1"/>
             <a:r>
-              <a:rPr kumimoji="0" lang="pt-BR" smtClean="0"/>
-              <a:t>Quarto nível</a:t>
+              <a:rPr kumimoji="0" lang="en-US" smtClean="0"/>
+              <a:t>Fourth level</a:t>
             </a:r>
           </a:p>
           <a:p>
             <a:pPr lvl="4" eaLnBrk="1" latinLnBrk="0" hangingPunct="1"/>
             <a:r>
-              <a:rPr kumimoji="0" lang="pt-BR" smtClean="0"/>
-              <a:t>Quinto nível</a:t>
+              <a:rPr kumimoji="0" lang="en-US" smtClean="0"/>
+              <a:t>Fifth level</a:t>
             </a:r>
             <a:endParaRPr kumimoji="0" lang="en-US"/>
-          </a:p>
-        </p:txBody>
-      </p:sp>
-      <p:sp>
-        <p:nvSpPr>
-          <p:cNvPr id="14" name="Espaço Reservado para Data 13"/>
-          <p:cNvSpPr>
-            <a:spLocks noGrp="1"/>
-          </p:cNvSpPr>
-          <p:nvPr>
-            <p:ph type="dt" sz="half" idx="2"/>
-          </p:nvPr>
-        </p:nvSpPr>
-        <p:spPr>
-          <a:xfrm>
-            <a:off x="457200" y="6416675"/>
-            <a:ext cx="2133600" cy="365125"/>
-          </a:xfrm>
-          <a:prstGeom prst="rect">
-            <a:avLst/>
-          </a:prstGeom>
-        </p:spPr>
-        <p:txBody>
-          <a:bodyPr vert="horz" anchor="b"/>
-          <a:lstStyle>
-            <a:lvl1pPr algn="l" eaLnBrk="1" latinLnBrk="0" hangingPunct="1">
-              <a:defRPr kumimoji="0" sz="1200">
-                <a:solidFill>
-                  <a:schemeClr val="tx1">
-                    <a:shade val="50000"/>
-                  </a:schemeClr>
-                </a:solidFill>
-              </a:defRPr>
-            </a:lvl1pPr>
-          </a:lstStyle>
-          <a:p>
-            <a:fld id="{73948A2C-A351-44A5-9543-EA3B6BD94DE1}" type="datetimeFigureOut">
-              <a:rPr lang="pt-BR" smtClean="0"/>
-              <a:t>17/3/2013</a:t>
-            </a:fld>
-            <a:endParaRPr lang="pt-BR"/>
-          </a:p>
-        </p:txBody>
-      </p:sp>
-      <p:sp>
-        <p:nvSpPr>
-          <p:cNvPr id="3" name="Espaço Reservado para Rodapé 2"/>
-          <p:cNvSpPr>
-            <a:spLocks noGrp="1"/>
-          </p:cNvSpPr>
-          <p:nvPr>
-            <p:ph type="ftr" sz="quarter" idx="3"/>
-          </p:nvPr>
-        </p:nvSpPr>
-        <p:spPr>
-          <a:xfrm>
-            <a:off x="3124200" y="6416675"/>
-            <a:ext cx="2895600" cy="365125"/>
-          </a:xfrm>
-          <a:prstGeom prst="rect">
-            <a:avLst/>
-          </a:prstGeom>
-        </p:spPr>
-        <p:txBody>
-          <a:bodyPr vert="horz" anchor="b"/>
-          <a:lstStyle>
-            <a:lvl1pPr algn="ctr" eaLnBrk="1" latinLnBrk="0" hangingPunct="1">
-              <a:defRPr kumimoji="0" sz="1200">
-                <a:solidFill>
-                  <a:schemeClr val="tx1">
-                    <a:shade val="50000"/>
-                  </a:schemeClr>
-                </a:solidFill>
-              </a:defRPr>
-            </a:lvl1pPr>
-          </a:lstStyle>
-          <a:p>
-            <a:endParaRPr lang="pt-BR"/>
-          </a:p>
-        </p:txBody>
-      </p:sp>
-      <p:sp>
-        <p:nvSpPr>
-          <p:cNvPr id="23" name="Espaço Reservado para Número de Slide 22"/>
-          <p:cNvSpPr>
-            <a:spLocks noGrp="1"/>
-          </p:cNvSpPr>
-          <p:nvPr>
-            <p:ph type="sldNum" sz="quarter" idx="4"/>
-          </p:nvPr>
-        </p:nvSpPr>
-        <p:spPr>
-          <a:xfrm>
-            <a:off x="7924800" y="6416675"/>
-            <a:ext cx="762000" cy="365125"/>
-          </a:xfrm>
-          <a:prstGeom prst="rect">
-            <a:avLst/>
-          </a:prstGeom>
-        </p:spPr>
-        <p:txBody>
-          <a:bodyPr vert="horz" lIns="0" rIns="0" anchor="b"/>
-          <a:lstStyle>
-            <a:lvl1pPr algn="r" eaLnBrk="1" latinLnBrk="0" hangingPunct="1">
-              <a:defRPr kumimoji="0" sz="1200">
-                <a:solidFill>
-                  <a:schemeClr val="tx1">
-                    <a:shade val="50000"/>
-                  </a:schemeClr>
-                </a:solidFill>
-              </a:defRPr>
-            </a:lvl1pPr>
-          </a:lstStyle>
-          <a:p>
-            <a:fld id="{193FF5D9-4674-4F21-ABEA-BCF3C230FAB2}" type="slidenum">
-              <a:rPr lang="pt-BR" smtClean="0"/>
-              <a:t>‹#›</a:t>
-            </a:fld>
-            <a:endParaRPr lang="pt-BR"/>
           </a:p>
         </p:txBody>
       </p:sp>
@@ -2703,56 +3365,39 @@
   </p:cSld>
   <p:clrMap bg1="dk1" tx1="lt1" bg2="dk2" tx2="lt2" accent1="accent1" accent2="accent2" accent3="accent3" accent4="accent4" accent5="accent5" accent6="accent6" hlink="hlink" folHlink="folHlink"/>
   <p:sldLayoutIdLst>
-    <p:sldLayoutId id="2147483661" r:id="rId1"/>
-    <p:sldLayoutId id="2147483662" r:id="rId2"/>
-    <p:sldLayoutId id="2147483663" r:id="rId3"/>
-    <p:sldLayoutId id="2147483664" r:id="rId4"/>
-    <p:sldLayoutId id="2147483665" r:id="rId5"/>
-    <p:sldLayoutId id="2147483666" r:id="rId6"/>
-    <p:sldLayoutId id="2147483667" r:id="rId7"/>
-    <p:sldLayoutId id="2147483668" r:id="rId8"/>
-    <p:sldLayoutId id="2147483669" r:id="rId9"/>
-    <p:sldLayoutId id="2147483670" r:id="rId10"/>
-    <p:sldLayoutId id="2147483671" r:id="rId11"/>
+    <p:sldLayoutId id="2147483745" r:id="rId1"/>
+    <p:sldLayoutId id="2147483746" r:id="rId2"/>
+    <p:sldLayoutId id="2147483747" r:id="rId3"/>
+    <p:sldLayoutId id="2147483748" r:id="rId4"/>
+    <p:sldLayoutId id="2147483749" r:id="rId5"/>
+    <p:sldLayoutId id="2147483750" r:id="rId6"/>
+    <p:sldLayoutId id="2147483751" r:id="rId7"/>
+    <p:sldLayoutId id="2147483752" r:id="rId8"/>
+    <p:sldLayoutId id="2147483753" r:id="rId9"/>
+    <p:sldLayoutId id="2147483754" r:id="rId10"/>
+    <p:sldLayoutId id="2147483755" r:id="rId11"/>
   </p:sldLayoutIdLst>
   <p:txStyles>
     <p:titleStyle>
-      <a:lvl1pPr algn="ctr" rtl="0" eaLnBrk="1" latinLnBrk="0" hangingPunct="1">
+      <a:lvl1pPr marL="54864" algn="r" rtl="0" eaLnBrk="1" latinLnBrk="0" hangingPunct="1">
         <a:spcBef>
           <a:spcPct val="0"/>
         </a:spcBef>
         <a:buNone/>
-        <a:defRPr kumimoji="0" sz="4100" b="1" kern="1200" cap="none" baseline="0">
-          <a:ln w="6350">
-            <a:noFill/>
-          </a:ln>
-          <a:gradFill>
-            <a:gsLst>
-              <a:gs pos="0">
-                <a:schemeClr val="accent1">
-                  <a:tint val="73000"/>
-                  <a:satMod val="145000"/>
-                </a:schemeClr>
-              </a:gs>
-              <a:gs pos="73000">
-                <a:schemeClr val="accent1">
-                  <a:tint val="73000"/>
-                  <a:satMod val="145000"/>
-                </a:schemeClr>
-              </a:gs>
-              <a:gs pos="100000">
-                <a:schemeClr val="accent1">
-                  <a:tint val="83000"/>
-                  <a:satMod val="143000"/>
-                </a:schemeClr>
-              </a:gs>
-            </a:gsLst>
-            <a:lin ang="4800000" scaled="1"/>
-          </a:gradFill>
+        <a:defRPr kumimoji="0" sz="4600" kern="1200">
+          <a:solidFill>
+            <a:schemeClr val="tx2">
+              <a:tint val="100000"/>
+              <a:shade val="90000"/>
+              <a:satMod val="250000"/>
+              <a:alpha val="100000"/>
+            </a:schemeClr>
+          </a:solidFill>
           <a:effectLst>
-            <a:outerShdw blurRad="114300" dist="101600" dir="2700000" algn="tl" rotWithShape="0">
+            <a:outerShdw blurRad="38100" dist="25500" dir="5400000" algn="tl" rotWithShape="0">
               <a:srgbClr val="000000">
-                <a:alpha val="40000"/>
+                <a:satMod val="180000"/>
+                <a:alpha val="75000"/>
               </a:srgbClr>
             </a:outerShdw>
           </a:effectLst>
@@ -2761,21 +3406,20 @@
           <a:cs typeface="+mj-cs"/>
         </a:defRPr>
       </a:lvl1pPr>
+      <a:extLst/>
     </p:titleStyle>
     <p:bodyStyle>
-      <a:lvl1pPr marL="548640" indent="-411480" algn="l" rtl="0" eaLnBrk="1" latinLnBrk="0" hangingPunct="1">
+      <a:lvl1pPr marL="292100" indent="-292100" algn="l" rtl="0" eaLnBrk="1" latinLnBrk="0" hangingPunct="1">
         <a:spcBef>
-          <a:spcPct val="20000"/>
+          <a:spcPts val="0"/>
         </a:spcBef>
         <a:buClr>
-          <a:schemeClr val="tx1">
-            <a:shade val="95000"/>
-          </a:schemeClr>
+          <a:schemeClr val="accent1"/>
         </a:buClr>
-        <a:buSzPct val="65000"/>
+        <a:buSzPct val="70000"/>
         <a:buFont typeface="Wingdings 2"/>
-        <a:buChar char=""/>
-        <a:defRPr kumimoji="0" sz="2800" kern="1200">
+        <a:buChar char=""/>
+        <a:defRPr kumimoji="0" sz="3200" kern="1200">
           <a:solidFill>
             <a:schemeClr val="tx1"/>
           </a:solidFill>
@@ -2784,17 +3428,17 @@
           <a:cs typeface="+mn-cs"/>
         </a:defRPr>
       </a:lvl1pPr>
-      <a:lvl2pPr marL="868680" indent="-283464" algn="l" rtl="0" eaLnBrk="1" latinLnBrk="0" hangingPunct="1">
+      <a:lvl2pPr marL="640080" indent="-228600" algn="l" rtl="0" eaLnBrk="1" latinLnBrk="0" hangingPunct="1">
         <a:spcBef>
-          <a:spcPct val="20000"/>
+          <a:spcPts val="400"/>
         </a:spcBef>
         <a:buClr>
-          <a:schemeClr val="tx1"/>
+          <a:schemeClr val="accent2"/>
         </a:buClr>
-        <a:buSzPct val="80000"/>
-        <a:buFont typeface="Wingdings 2"/>
-        <a:buChar char=""/>
-        <a:defRPr kumimoji="0" sz="2400" kern="1200">
+        <a:buSzPct val="90000"/>
+        <a:buFontTx/>
+        <a:buChar char="•"/>
+        <a:defRPr kumimoji="0" sz="2600" kern="1200">
           <a:solidFill>
             <a:schemeClr val="tx1"/>
           </a:solidFill>
@@ -2803,17 +3447,17 @@
           <a:cs typeface="+mn-cs"/>
         </a:defRPr>
       </a:lvl2pPr>
-      <a:lvl3pPr marL="1133856" indent="-228600" algn="l" rtl="0" eaLnBrk="1" latinLnBrk="0" hangingPunct="1">
+      <a:lvl3pPr marL="822960" indent="-192024" algn="l" rtl="0" eaLnBrk="1" latinLnBrk="0" hangingPunct="1">
         <a:spcBef>
-          <a:spcPct val="20000"/>
+          <a:spcPts val="400"/>
         </a:spcBef>
         <a:buClr>
-          <a:schemeClr val="tx1"/>
+          <a:schemeClr val="accent3"/>
         </a:buClr>
-        <a:buSzPct val="95000"/>
-        <a:buFont typeface="Wingdings"/>
-        <a:buChar char=""/>
-        <a:defRPr kumimoji="0" sz="2200" kern="1200">
+        <a:buSzPct val="100000"/>
+        <a:buFont typeface="Wingdings 2"/>
+        <a:buChar char=""/>
+        <a:defRPr kumimoji="0" sz="2300" kern="1200">
           <a:solidFill>
             <a:schemeClr val="tx1"/>
           </a:solidFill>
@@ -2822,16 +3466,16 @@
           <a:cs typeface="+mn-cs"/>
         </a:defRPr>
       </a:lvl3pPr>
-      <a:lvl4pPr marL="1353312" indent="-182880" algn="l" rtl="0" eaLnBrk="1" latinLnBrk="0" hangingPunct="1">
+      <a:lvl4pPr marL="1005840" indent="-182880" algn="l" rtl="0" eaLnBrk="1" latinLnBrk="0" hangingPunct="1">
         <a:spcBef>
-          <a:spcPct val="20000"/>
+          <a:spcPts val="400"/>
         </a:spcBef>
         <a:buClr>
-          <a:schemeClr val="tx1"/>
+          <a:schemeClr val="accent3"/>
         </a:buClr>
         <a:buSzPct val="100000"/>
-        <a:buFont typeface="Wingdings 3"/>
-        <a:buChar char=""/>
+        <a:buFont typeface="Wingdings 2"/>
+        <a:buChar char=""/>
         <a:defRPr kumimoji="0" sz="2000" kern="1200">
           <a:solidFill>
             <a:schemeClr val="tx1"/>
@@ -2841,16 +3485,17 @@
           <a:cs typeface="+mn-cs"/>
         </a:defRPr>
       </a:lvl4pPr>
-      <a:lvl5pPr marL="1545336" indent="-182880" algn="l" rtl="0" eaLnBrk="1" latinLnBrk="0" hangingPunct="1">
+      <a:lvl5pPr marL="1188720" indent="-182880" algn="l" rtl="0" eaLnBrk="1" latinLnBrk="0" hangingPunct="1">
         <a:spcBef>
-          <a:spcPct val="20000"/>
+          <a:spcPts val="400"/>
         </a:spcBef>
         <a:buClr>
-          <a:schemeClr val="tx1"/>
+          <a:schemeClr val="accent3"/>
         </a:buClr>
+        <a:buSzPct val="100000"/>
         <a:buFont typeface="Wingdings 2"/>
-        <a:buChar char=""/>
-        <a:defRPr kumimoji="0" sz="2000" kern="1200">
+        <a:buChar char=""/>
+        <a:defRPr kumimoji="0" sz="1900" kern="1200">
           <a:solidFill>
             <a:schemeClr val="tx1"/>
           </a:solidFill>
@@ -2859,16 +3504,16 @@
           <a:cs typeface="+mn-cs"/>
         </a:defRPr>
       </a:lvl5pPr>
-      <a:lvl6pPr marL="1764792" indent="-182880" algn="l" rtl="0" eaLnBrk="1" latinLnBrk="0" hangingPunct="1">
+      <a:lvl6pPr marL="1371600" indent="-173736" algn="l" rtl="0" eaLnBrk="1" latinLnBrk="0" hangingPunct="1">
         <a:spcBef>
-          <a:spcPct val="20000"/>
+          <a:spcPts val="400"/>
         </a:spcBef>
         <a:buClr>
-          <a:schemeClr val="tx1"/>
+          <a:schemeClr val="accent4"/>
         </a:buClr>
-        <a:buFont typeface="Wingdings 3"/>
-        <a:buChar char=""/>
-        <a:defRPr kumimoji="0" sz="1800" kern="1200">
+        <a:buFont typeface="Wingdings 2"/>
+        <a:buChar char=""/>
+        <a:defRPr kumimoji="0" sz="1800" kern="1200" baseline="0">
           <a:solidFill>
             <a:schemeClr val="tx1"/>
           </a:solidFill>
@@ -2877,16 +3522,16 @@
           <a:cs typeface="+mn-cs"/>
         </a:defRPr>
       </a:lvl6pPr>
-      <a:lvl7pPr marL="1965960" indent="-182880" algn="l" rtl="0" eaLnBrk="1" latinLnBrk="0" hangingPunct="1">
+      <a:lvl7pPr marL="1554480" indent="-173736" algn="l" rtl="0" eaLnBrk="1" latinLnBrk="0" hangingPunct="1">
         <a:spcBef>
-          <a:spcPct val="20000"/>
+          <a:spcPts val="400"/>
         </a:spcBef>
         <a:buClr>
-          <a:schemeClr val="tx1"/>
+          <a:schemeClr val="accent4"/>
         </a:buClr>
         <a:buFont typeface="Wingdings 2"/>
         <a:buChar char=""/>
-        <a:defRPr kumimoji="0" sz="1600" kern="1200">
+        <a:defRPr kumimoji="0" sz="1600" kern="1200" baseline="0">
           <a:solidFill>
             <a:schemeClr val="tx1"/>
           </a:solidFill>
@@ -2895,16 +3540,16 @@
           <a:cs typeface="+mn-cs"/>
         </a:defRPr>
       </a:lvl7pPr>
-      <a:lvl8pPr marL="2167128" indent="-182880" algn="l" rtl="0" eaLnBrk="1" latinLnBrk="0" hangingPunct="1">
+      <a:lvl8pPr marL="1737360" indent="-173736" algn="l" rtl="0" eaLnBrk="1" latinLnBrk="0" hangingPunct="1">
         <a:spcBef>
-          <a:spcPct val="20000"/>
+          <a:spcPts val="400"/>
         </a:spcBef>
         <a:buClr>
-          <a:schemeClr val="tx1"/>
+          <a:schemeClr val="accent4"/>
         </a:buClr>
         <a:buFont typeface="Wingdings 2"/>
         <a:buChar char=""/>
-        <a:defRPr kumimoji="0" sz="1400" kern="1200">
+        <a:defRPr kumimoji="0" sz="1600" kern="1200" baseline="0">
           <a:solidFill>
             <a:schemeClr val="tx1"/>
           </a:solidFill>
@@ -2913,16 +3558,16 @@
           <a:cs typeface="+mn-cs"/>
         </a:defRPr>
       </a:lvl8pPr>
-      <a:lvl9pPr marL="2368296" indent="-182880" algn="l" rtl="0" eaLnBrk="1" latinLnBrk="0" hangingPunct="1">
+      <a:lvl9pPr marL="1920240" indent="-173736" algn="l" rtl="0" eaLnBrk="1" latinLnBrk="0" hangingPunct="1">
         <a:spcBef>
-          <a:spcPct val="20000"/>
+          <a:spcPts val="400"/>
         </a:spcBef>
         <a:buClr>
-          <a:schemeClr val="tx1"/>
+          <a:schemeClr val="accent4"/>
         </a:buClr>
         <a:buFont typeface="Wingdings 2"/>
         <a:buChar char=""/>
-        <a:defRPr kumimoji="0" sz="1400" kern="1200" baseline="0">
+        <a:defRPr kumimoji="0" sz="1600" kern="1200" baseline="0">
           <a:solidFill>
             <a:schemeClr val="tx1"/>
           </a:solidFill>
@@ -2931,6 +3576,7 @@
           <a:cs typeface="+mn-cs"/>
         </a:defRPr>
       </a:lvl9pPr>
+      <a:extLst/>
     </p:bodyStyle>
     <p:otherStyle>
       <a:lvl1pPr marL="0" algn="l" rtl="0" eaLnBrk="1" latinLnBrk="0" hangingPunct="1">
@@ -3023,6 +3669,7 @@
           <a:cs typeface="+mn-cs"/>
         </a:defRPr>
       </a:lvl9pPr>
+      <a:extLst/>
     </p:otherStyle>
   </p:txStyles>
 </p:sldMaster>
@@ -3125,6 +3772,435 @@
 </p:sld>
 </file>
 
+<file path=ppt/slides/slide10.xml><?xml version="1.0" encoding="utf-8"?>
+<p:sld xmlns:a="http://schemas.openxmlformats.org/drawingml/2006/main" xmlns:r="http://schemas.openxmlformats.org/officeDocument/2006/relationships" xmlns:p="http://schemas.openxmlformats.org/presentationml/2006/main">
+  <p:cSld>
+    <p:spTree>
+      <p:nvGrpSpPr>
+        <p:cNvPr id="1" name=""/>
+        <p:cNvGrpSpPr/>
+        <p:nvPr/>
+      </p:nvGrpSpPr>
+      <p:grpSpPr>
+        <a:xfrm>
+          <a:off x="0" y="0"/>
+          <a:ext cx="0" cy="0"/>
+          <a:chOff x="0" y="0"/>
+          <a:chExt cx="0" cy="0"/>
+        </a:xfrm>
+      </p:grpSpPr>
+      <p:sp>
+        <p:nvSpPr>
+          <p:cNvPr id="2" name="Título 1"/>
+          <p:cNvSpPr>
+            <a:spLocks noGrp="1"/>
+          </p:cNvSpPr>
+          <p:nvPr>
+            <p:ph type="title"/>
+          </p:nvPr>
+        </p:nvSpPr>
+        <p:spPr/>
+        <p:txBody>
+          <a:bodyPr>
+            <a:normAutofit/>
+          </a:bodyPr>
+          <a:lstStyle/>
+          <a:p>
+            <a:r>
+              <a:rPr lang="pt-BR" dirty="0" smtClean="0"/>
+              <a:t>Requisitos Funcionais</a:t>
+            </a:r>
+            <a:endParaRPr lang="pt-BR" dirty="0"/>
+          </a:p>
+        </p:txBody>
+      </p:sp>
+      <p:sp>
+        <p:nvSpPr>
+          <p:cNvPr id="3" name="Espaço Reservado para Conteúdo 2"/>
+          <p:cNvSpPr>
+            <a:spLocks noGrp="1"/>
+          </p:cNvSpPr>
+          <p:nvPr>
+            <p:ph idx="1"/>
+          </p:nvPr>
+        </p:nvSpPr>
+        <p:spPr/>
+        <p:txBody>
+          <a:bodyPr>
+            <a:normAutofit/>
+          </a:bodyPr>
+          <a:lstStyle/>
+          <a:p>
+            <a:pPr lvl="0"/>
+            <a:r>
+              <a:rPr lang="pt-BR" b="1" dirty="0"/>
+              <a:t>RF10 </a:t>
+            </a:r>
+            <a:r>
+              <a:rPr lang="pt-BR" dirty="0"/>
+              <a:t>Todos os diagnósticos fornecidos pelo sistema, devem apresentar um relatório de como chegou aquele resultado informando quais foram as principais variáveis de analise e como elas influenciaram no resultado.</a:t>
+            </a:r>
+            <a:endParaRPr lang="en-US" dirty="0"/>
+          </a:p>
+          <a:p>
+            <a:pPr lvl="0"/>
+            <a:r>
+              <a:rPr lang="pt-BR" b="1" dirty="0"/>
+              <a:t>RF11 </a:t>
+            </a:r>
+            <a:r>
+              <a:rPr lang="pt-BR" dirty="0"/>
+              <a:t>Os resultados de diagnósticos devem ser mantidos no sistema para futuras analises.</a:t>
+            </a:r>
+            <a:endParaRPr lang="en-US" dirty="0"/>
+          </a:p>
+          <a:p>
+            <a:endParaRPr lang="pt-BR" dirty="0"/>
+          </a:p>
+        </p:txBody>
+      </p:sp>
+    </p:spTree>
+    <p:extLst>
+      <p:ext uri="{BB962C8B-B14F-4D97-AF65-F5344CB8AC3E}">
+        <p14:creationId xmlns:p14="http://schemas.microsoft.com/office/powerpoint/2010/main" val="2878069976"/>
+      </p:ext>
+    </p:extLst>
+  </p:cSld>
+  <p:clrMapOvr>
+    <a:masterClrMapping/>
+  </p:clrMapOvr>
+  <p:timing>
+    <p:tnLst>
+      <p:par>
+        <p:cTn id="1" dur="indefinite" restart="never" nodeType="tmRoot"/>
+      </p:par>
+    </p:tnLst>
+  </p:timing>
+</p:sld>
+</file>
+
+<file path=ppt/slides/slide11.xml><?xml version="1.0" encoding="utf-8"?>
+<p:sld xmlns:a="http://schemas.openxmlformats.org/drawingml/2006/main" xmlns:r="http://schemas.openxmlformats.org/officeDocument/2006/relationships" xmlns:p="http://schemas.openxmlformats.org/presentationml/2006/main">
+  <p:cSld>
+    <p:spTree>
+      <p:nvGrpSpPr>
+        <p:cNvPr id="1" name=""/>
+        <p:cNvGrpSpPr/>
+        <p:nvPr/>
+      </p:nvGrpSpPr>
+      <p:grpSpPr>
+        <a:xfrm>
+          <a:off x="0" y="0"/>
+          <a:ext cx="0" cy="0"/>
+          <a:chOff x="0" y="0"/>
+          <a:chExt cx="0" cy="0"/>
+        </a:xfrm>
+      </p:grpSpPr>
+      <p:sp>
+        <p:nvSpPr>
+          <p:cNvPr id="2" name="Título 1"/>
+          <p:cNvSpPr>
+            <a:spLocks noGrp="1"/>
+          </p:cNvSpPr>
+          <p:nvPr>
+            <p:ph type="title"/>
+          </p:nvPr>
+        </p:nvSpPr>
+        <p:spPr/>
+        <p:txBody>
+          <a:bodyPr>
+            <a:normAutofit fontScale="90000"/>
+          </a:bodyPr>
+          <a:lstStyle/>
+          <a:p>
+            <a:r>
+              <a:rPr lang="pt-BR" dirty="0" smtClean="0"/>
+              <a:t>Diagrama Conceitual de Dados</a:t>
+            </a:r>
+            <a:endParaRPr lang="pt-BR" dirty="0"/>
+          </a:p>
+        </p:txBody>
+      </p:sp>
+      <p:pic>
+        <p:nvPicPr>
+          <p:cNvPr id="4" name="Content Placeholder 3"/>
+          <p:cNvPicPr>
+            <a:picLocks noGrp="1" noChangeAspect="1"/>
+          </p:cNvPicPr>
+          <p:nvPr>
+            <p:ph idx="1"/>
+          </p:nvPr>
+        </p:nvPicPr>
+        <p:blipFill>
+          <a:blip r:embed="rId2">
+            <a:extLst>
+              <a:ext uri="{28A0092B-C50C-407E-A947-70E740481C1C}">
+                <a14:useLocalDpi xmlns:a14="http://schemas.microsoft.com/office/drawing/2010/main" val="0"/>
+              </a:ext>
+            </a:extLst>
+          </a:blip>
+          <a:stretch>
+            <a:fillRect/>
+          </a:stretch>
+        </p:blipFill>
+        <p:spPr>
+          <a:xfrm>
+            <a:off x="467544" y="1412776"/>
+            <a:ext cx="8208912" cy="5112568"/>
+          </a:xfrm>
+        </p:spPr>
+      </p:pic>
+    </p:spTree>
+    <p:extLst>
+      <p:ext uri="{BB962C8B-B14F-4D97-AF65-F5344CB8AC3E}">
+        <p14:creationId xmlns:p14="http://schemas.microsoft.com/office/powerpoint/2010/main" val="2714990097"/>
+      </p:ext>
+    </p:extLst>
+  </p:cSld>
+  <p:clrMapOvr>
+    <a:masterClrMapping/>
+  </p:clrMapOvr>
+  <p:timing>
+    <p:tnLst>
+      <p:par>
+        <p:cTn id="1" dur="indefinite" restart="never" nodeType="tmRoot"/>
+      </p:par>
+    </p:tnLst>
+  </p:timing>
+</p:sld>
+</file>
+
+<file path=ppt/slides/slide12.xml><?xml version="1.0" encoding="utf-8"?>
+<p:sld xmlns:a="http://schemas.openxmlformats.org/drawingml/2006/main" xmlns:r="http://schemas.openxmlformats.org/officeDocument/2006/relationships" xmlns:p="http://schemas.openxmlformats.org/presentationml/2006/main">
+  <p:cSld>
+    <p:spTree>
+      <p:nvGrpSpPr>
+        <p:cNvPr id="1" name=""/>
+        <p:cNvGrpSpPr/>
+        <p:nvPr/>
+      </p:nvGrpSpPr>
+      <p:grpSpPr>
+        <a:xfrm>
+          <a:off x="0" y="0"/>
+          <a:ext cx="0" cy="0"/>
+          <a:chOff x="0" y="0"/>
+          <a:chExt cx="0" cy="0"/>
+        </a:xfrm>
+      </p:grpSpPr>
+      <p:sp>
+        <p:nvSpPr>
+          <p:cNvPr id="2" name="Título 1"/>
+          <p:cNvSpPr>
+            <a:spLocks noGrp="1"/>
+          </p:cNvSpPr>
+          <p:nvPr>
+            <p:ph type="title"/>
+          </p:nvPr>
+        </p:nvSpPr>
+        <p:spPr/>
+        <p:txBody>
+          <a:bodyPr>
+            <a:normAutofit/>
+          </a:bodyPr>
+          <a:lstStyle/>
+          <a:p>
+            <a:r>
+              <a:rPr lang="pt-BR" dirty="0" smtClean="0"/>
+              <a:t>Vantagens Competitivas</a:t>
+            </a:r>
+            <a:endParaRPr lang="pt-BR" dirty="0"/>
+          </a:p>
+        </p:txBody>
+      </p:sp>
+      <p:sp>
+        <p:nvSpPr>
+          <p:cNvPr id="3" name="Espaço Reservado para Conteúdo 2"/>
+          <p:cNvSpPr>
+            <a:spLocks noGrp="1"/>
+          </p:cNvSpPr>
+          <p:nvPr>
+            <p:ph idx="1"/>
+          </p:nvPr>
+        </p:nvSpPr>
+        <p:spPr/>
+        <p:txBody>
+          <a:bodyPr anchor="ctr"/>
+          <a:lstStyle/>
+          <a:p>
+            <a:pPr>
+              <a:buFont typeface="Wingdings" pitchFamily="2" charset="2"/>
+              <a:buChar char="Ø"/>
+            </a:pPr>
+            <a:r>
+              <a:rPr lang="pt-BR" dirty="0" smtClean="0"/>
+              <a:t>Redução significativa no tempo de desmame</a:t>
+            </a:r>
+          </a:p>
+          <a:p>
+            <a:pPr>
+              <a:buFont typeface="Wingdings" pitchFamily="2" charset="2"/>
+              <a:buChar char="Ø"/>
+            </a:pPr>
+            <a:r>
+              <a:rPr lang="pt-BR" dirty="0" smtClean="0"/>
+              <a:t>Diminuição dos índices de insucessos</a:t>
+            </a:r>
+            <a:r>
+              <a:rPr lang="pt-BR" dirty="0"/>
+              <a:t> </a:t>
+            </a:r>
+            <a:r>
+              <a:rPr lang="pt-BR" dirty="0" smtClean="0"/>
+              <a:t>e reintubações</a:t>
+            </a:r>
+          </a:p>
+          <a:p>
+            <a:pPr>
+              <a:buFont typeface="Wingdings" pitchFamily="2" charset="2"/>
+              <a:buChar char="Ø"/>
+            </a:pPr>
+            <a:r>
+              <a:rPr lang="pt-BR" dirty="0" smtClean="0"/>
+              <a:t>Menor tempo na UTI</a:t>
+            </a:r>
+          </a:p>
+          <a:p>
+            <a:pPr>
+              <a:buFont typeface="Wingdings" pitchFamily="2" charset="2"/>
+              <a:buChar char="Ø"/>
+            </a:pPr>
+            <a:r>
+              <a:rPr lang="pt-BR" dirty="0" smtClean="0"/>
+              <a:t>Redução dos custos hospitalares</a:t>
+            </a:r>
+          </a:p>
+          <a:p>
+            <a:pPr>
+              <a:buFont typeface="Wingdings" pitchFamily="2" charset="2"/>
+              <a:buChar char="Ø"/>
+            </a:pPr>
+            <a:r>
+              <a:rPr lang="pt-BR" dirty="0" smtClean="0"/>
+              <a:t>Evolução dos estudos na área</a:t>
+            </a:r>
+          </a:p>
+          <a:p>
+            <a:endParaRPr lang="pt-BR" dirty="0" smtClean="0"/>
+          </a:p>
+        </p:txBody>
+      </p:sp>
+    </p:spTree>
+    <p:extLst>
+      <p:ext uri="{BB962C8B-B14F-4D97-AF65-F5344CB8AC3E}">
+        <p14:creationId xmlns:p14="http://schemas.microsoft.com/office/powerpoint/2010/main" val="3004137010"/>
+      </p:ext>
+    </p:extLst>
+  </p:cSld>
+  <p:clrMapOvr>
+    <a:masterClrMapping/>
+  </p:clrMapOvr>
+  <p:timing>
+    <p:tnLst>
+      <p:par>
+        <p:cTn id="1" dur="indefinite" restart="never" nodeType="tmRoot"/>
+      </p:par>
+    </p:tnLst>
+  </p:timing>
+</p:sld>
+</file>
+
+<file path=ppt/slides/slide13.xml><?xml version="1.0" encoding="utf-8"?>
+<p:sld xmlns:a="http://schemas.openxmlformats.org/drawingml/2006/main" xmlns:r="http://schemas.openxmlformats.org/officeDocument/2006/relationships" xmlns:p="http://schemas.openxmlformats.org/presentationml/2006/main">
+  <p:cSld>
+    <p:spTree>
+      <p:nvGrpSpPr>
+        <p:cNvPr id="1" name=""/>
+        <p:cNvGrpSpPr/>
+        <p:nvPr/>
+      </p:nvGrpSpPr>
+      <p:grpSpPr>
+        <a:xfrm>
+          <a:off x="0" y="0"/>
+          <a:ext cx="0" cy="0"/>
+          <a:chOff x="0" y="0"/>
+          <a:chExt cx="0" cy="0"/>
+        </a:xfrm>
+      </p:grpSpPr>
+      <p:sp>
+        <p:nvSpPr>
+          <p:cNvPr id="2" name="Título 1"/>
+          <p:cNvSpPr>
+            <a:spLocks noGrp="1"/>
+          </p:cNvSpPr>
+          <p:nvPr>
+            <p:ph type="title"/>
+          </p:nvPr>
+        </p:nvSpPr>
+        <p:spPr/>
+        <p:txBody>
+          <a:bodyPr/>
+          <a:lstStyle/>
+          <a:p>
+            <a:r>
+              <a:rPr lang="pt-BR" dirty="0" smtClean="0"/>
+              <a:t>Conclusão</a:t>
+            </a:r>
+            <a:endParaRPr lang="pt-BR" dirty="0"/>
+          </a:p>
+        </p:txBody>
+      </p:sp>
+      <p:sp>
+        <p:nvSpPr>
+          <p:cNvPr id="3" name="Espaço Reservado para Conteúdo 2"/>
+          <p:cNvSpPr>
+            <a:spLocks noGrp="1"/>
+          </p:cNvSpPr>
+          <p:nvPr>
+            <p:ph idx="1"/>
+          </p:nvPr>
+        </p:nvSpPr>
+        <p:spPr/>
+        <p:txBody>
+          <a:bodyPr>
+            <a:normAutofit lnSpcReduction="10000"/>
+          </a:bodyPr>
+          <a:lstStyle/>
+          <a:p>
+            <a:r>
+              <a:rPr lang="pt-BR" dirty="0" smtClean="0"/>
+              <a:t>A ideia </a:t>
+            </a:r>
+            <a:r>
+              <a:rPr lang="pt-BR" dirty="0" smtClean="0"/>
+              <a:t>do sistema trara beneficio não só a UTI como tambem ao fisioterapeuta que ficara mais seguro efetuando um </a:t>
+            </a:r>
+            <a:r>
+              <a:rPr lang="pt-BR" dirty="0" smtClean="0"/>
+              <a:t>desmame, tendo de forma rápida o conhecimento de outros fisioterapeutas.</a:t>
+            </a:r>
+          </a:p>
+          <a:p>
+            <a:r>
+              <a:rPr lang="pt-BR" dirty="0" smtClean="0"/>
+              <a:t>A ideia do sistema também ira contribuir para o desenvolvimento de estudos nessa área que é considerada por muitos fisioterapeutas a “área da penumbra da terapia intensiva”</a:t>
+            </a:r>
+            <a:endParaRPr lang="pt-BR" dirty="0"/>
+          </a:p>
+        </p:txBody>
+      </p:sp>
+    </p:spTree>
+    <p:extLst>
+      <p:ext uri="{BB962C8B-B14F-4D97-AF65-F5344CB8AC3E}">
+        <p14:creationId xmlns:p14="http://schemas.microsoft.com/office/powerpoint/2010/main" val="106888477"/>
+      </p:ext>
+    </p:extLst>
+  </p:cSld>
+  <p:clrMapOvr>
+    <a:masterClrMapping/>
+  </p:clrMapOvr>
+</p:sld>
+</file>
+
 <file path=ppt/slides/slide2.xml><?xml version="1.0" encoding="utf-8"?>
 <p:sld xmlns:a="http://schemas.openxmlformats.org/drawingml/2006/main" xmlns:r="http://schemas.openxmlformats.org/officeDocument/2006/relationships" xmlns:p="http://schemas.openxmlformats.org/presentationml/2006/main">
   <p:cSld>
@@ -3181,7 +4257,7 @@
           </p:nvPr>
         </p:nvGraphicFramePr>
         <p:xfrm>
-          <a:off x="457200" y="1600200"/>
+          <a:off x="457200" y="1646238"/>
           <a:ext cx="8229600" cy="2966720"/>
         </p:xfrm>
         <a:graphic>
@@ -3515,55 +4591,40 @@
           <a:p>
             <a:r>
               <a:rPr lang="pt-BR" dirty="0" smtClean="0"/>
-              <a:t>Este projeto tem como objetivo, criar um sistema especialista que auxiliará o profissional fisioterapeuta de UTI, na tomada de </a:t>
-            </a:r>
-            <a:r>
-              <a:rPr lang="pt-BR" dirty="0" err="1" smtClean="0"/>
-              <a:t>decisao</a:t>
+              <a:t>A necessidade de suporte ventilatório é decorrente da incapacidade temporária ou não, do sistema respiratório</a:t>
             </a:r>
             <a:r>
               <a:rPr lang="pt-BR" dirty="0" smtClean="0"/>
-              <a:t> sobre </a:t>
-            </a:r>
-            <a:r>
-              <a:rPr lang="pt-BR" dirty="0" err="1" smtClean="0"/>
-              <a:t>utilizaçao</a:t>
-            </a:r>
-            <a:r>
-              <a:rPr lang="pt-BR" dirty="0" smtClean="0"/>
-              <a:t> da </a:t>
-            </a:r>
-            <a:r>
-              <a:rPr lang="pt-BR" dirty="0" err="1" smtClean="0"/>
-              <a:t>ventilaçao</a:t>
+              <a:t>.</a:t>
             </a:r>
             <a:r>
               <a:rPr lang="pt-BR" dirty="0" smtClean="0"/>
               <a:t> </a:t>
             </a:r>
-            <a:r>
-              <a:rPr lang="pt-BR" dirty="0" err="1" smtClean="0"/>
-              <a:t>mecanica</a:t>
-            </a:r>
+          </a:p>
+          <a:p>
             <a:r>
               <a:rPr lang="pt-BR" dirty="0" smtClean="0"/>
-              <a:t> e do desmame da mesma, dando um </a:t>
-            </a:r>
-            <a:r>
-              <a:rPr lang="pt-BR" dirty="0" err="1" smtClean="0"/>
-              <a:t>indice</a:t>
-            </a:r>
+              <a:t>A ventilação mecânica pode induzir diversas complicações ao paciente.</a:t>
+            </a:r>
+          </a:p>
+          <a:p>
             <a:r>
               <a:rPr lang="pt-BR" dirty="0" smtClean="0"/>
-              <a:t> de sucesso e explicando como este resultado foi obtido.</a:t>
-            </a:r>
+              <a:t>Retirar o paciente da ventilação é mais difícil do que mantê-lo</a:t>
+            </a:r>
+            <a:r>
+              <a:rPr lang="pt-BR" dirty="0" smtClean="0"/>
+              <a:t>.</a:t>
+            </a:r>
+            <a:endParaRPr lang="pt-BR" dirty="0" smtClean="0"/>
           </a:p>
         </p:txBody>
       </p:sp>
     </p:spTree>
     <p:extLst>
       <p:ext uri="{BB962C8B-B14F-4D97-AF65-F5344CB8AC3E}">
-        <p14:creationId xmlns:p14="http://schemas.microsoft.com/office/powerpoint/2010/main" val="3043613064"/>
+        <p14:creationId xmlns:p14="http://schemas.microsoft.com/office/powerpoint/2010/main" val="2224205306"/>
       </p:ext>
     </p:extLst>
   </p:cSld>
@@ -3609,54 +4670,48 @@
         </p:nvSpPr>
         <p:spPr/>
         <p:txBody>
-          <a:bodyPr>
-            <a:normAutofit fontScale="90000"/>
-          </a:bodyPr>
-          <a:lstStyle/>
-          <a:p>
-            <a:r>
-              <a:rPr lang="pt-BR" dirty="0" smtClean="0"/>
-              <a:t>Macro Fluxo dos Processos de Negócio</a:t>
-            </a:r>
-            <a:endParaRPr lang="pt-BR" dirty="0"/>
-          </a:p>
-        </p:txBody>
-      </p:sp>
-      <p:sp>
-        <p:nvSpPr>
-          <p:cNvPr id="3" name="Espaço Reservado para Conteúdo 2"/>
-          <p:cNvSpPr>
-            <a:spLocks noGrp="1"/>
-          </p:cNvSpPr>
-          <p:nvPr>
-            <p:ph idx="1"/>
-          </p:nvPr>
-        </p:nvSpPr>
-        <p:spPr/>
-        <p:txBody>
           <a:bodyPr/>
           <a:lstStyle/>
           <a:p>
             <a:r>
               <a:rPr lang="pt-BR" dirty="0" smtClean="0"/>
-              <a:t>Apresentar em um slide com os macro fluxo do negócio e suas interações com as entidades (pessoas, empresas, governo, </a:t>
-            </a:r>
-            <a:r>
-              <a:rPr lang="pt-BR" dirty="0" err="1" smtClean="0"/>
-              <a:t>etc</a:t>
-            </a:r>
+              <a:t>O que é o Projeto</a:t>
+            </a:r>
+            <a:endParaRPr lang="pt-BR" dirty="0"/>
+          </a:p>
+        </p:txBody>
+      </p:sp>
+      <p:sp>
+        <p:nvSpPr>
+          <p:cNvPr id="3" name="Espaço Reservado para Conteúdo 2"/>
+          <p:cNvSpPr>
+            <a:spLocks noGrp="1"/>
+          </p:cNvSpPr>
+          <p:nvPr>
+            <p:ph idx="1"/>
+          </p:nvPr>
+        </p:nvSpPr>
+        <p:spPr/>
+        <p:txBody>
+          <a:bodyPr/>
+          <a:lstStyle/>
+          <a:p>
             <a:r>
               <a:rPr lang="pt-BR" dirty="0" smtClean="0"/>
-              <a:t>) que fornecerão ou receberão informações do sistema.</a:t>
-            </a:r>
-            <a:endParaRPr lang="pt-BR" dirty="0"/>
+              <a:t>Este projeto tem como objetivo, criar um sistema especialista que auxiliará o profissional fisioterapeuta </a:t>
+            </a:r>
+            <a:r>
+              <a:rPr lang="pt-BR" dirty="0" smtClean="0"/>
+              <a:t>intensivista, na tomada de decisão sobre utilização da ventilação mecânica e do desmame da mesma,  assim como também auxiliar a futuros estudos da área.</a:t>
+            </a:r>
+            <a:endParaRPr lang="pt-BR" dirty="0" smtClean="0"/>
           </a:p>
         </p:txBody>
       </p:sp>
     </p:spTree>
     <p:extLst>
       <p:ext uri="{BB962C8B-B14F-4D97-AF65-F5344CB8AC3E}">
-        <p14:creationId xmlns:p14="http://schemas.microsoft.com/office/powerpoint/2010/main" val="1286972208"/>
+        <p14:creationId xmlns:p14="http://schemas.microsoft.com/office/powerpoint/2010/main" val="3043613064"/>
       </p:ext>
     </p:extLst>
   </p:cSld>
@@ -3703,58 +4758,51 @@
         <p:spPr/>
         <p:txBody>
           <a:bodyPr>
-            <a:normAutofit/>
+            <a:normAutofit fontScale="90000"/>
           </a:bodyPr>
           <a:lstStyle/>
           <a:p>
             <a:r>
               <a:rPr lang="pt-BR" dirty="0" smtClean="0"/>
-              <a:t>Requisitos Funcionais</a:t>
+              <a:t>Macro Fluxo dos Processos de Negócio</a:t>
             </a:r>
             <a:endParaRPr lang="pt-BR" dirty="0"/>
           </a:p>
         </p:txBody>
       </p:sp>
-      <p:sp>
-        <p:nvSpPr>
-          <p:cNvPr id="3" name="Espaço Reservado para Conteúdo 2"/>
-          <p:cNvSpPr>
-            <a:spLocks noGrp="1"/>
-          </p:cNvSpPr>
+      <p:pic>
+        <p:nvPicPr>
+          <p:cNvPr id="4" name="Content Placeholder 3"/>
+          <p:cNvPicPr>
+            <a:picLocks noGrp="1" noChangeAspect="1"/>
+          </p:cNvPicPr>
           <p:nvPr>
             <p:ph idx="1"/>
           </p:nvPr>
-        </p:nvSpPr>
-        <p:spPr/>
-        <p:txBody>
-          <a:bodyPr/>
-          <a:lstStyle/>
-          <a:p>
-            <a:r>
-              <a:rPr lang="pt-BR" dirty="0" smtClean="0"/>
-              <a:t>Apresentar lista todos os requisitos funcionais dentro de uma visão negócio que o sistema deverá atender.</a:t>
-            </a:r>
-          </a:p>
-          <a:p>
-            <a:r>
-              <a:rPr lang="pt-BR" dirty="0" smtClean="0"/>
-              <a:t>O que apresentar de cada requisito:</a:t>
-            </a:r>
-          </a:p>
-          <a:p>
-            <a:pPr lvl="1"/>
-            <a:r>
-              <a:rPr lang="pt-BR" dirty="0" smtClean="0"/>
-              <a:t>Breve explicação do requisito </a:t>
-            </a:r>
-            <a:endParaRPr lang="pt-BR" dirty="0"/>
-          </a:p>
-        </p:txBody>
-      </p:sp>
+        </p:nvPicPr>
+        <p:blipFill>
+          <a:blip r:embed="rId2">
+            <a:extLst>
+              <a:ext uri="{28A0092B-C50C-407E-A947-70E740481C1C}">
+                <a14:useLocalDpi xmlns:a14="http://schemas.microsoft.com/office/drawing/2010/main" val="0"/>
+              </a:ext>
+            </a:extLst>
+          </a:blip>
+          <a:stretch>
+            <a:fillRect/>
+          </a:stretch>
+        </p:blipFill>
+        <p:spPr>
+          <a:xfrm>
+            <a:off x="395536" y="1412776"/>
+            <a:ext cx="8280920" cy="5184576"/>
+          </a:xfrm>
+        </p:spPr>
+      </p:pic>
     </p:spTree>
     <p:extLst>
       <p:ext uri="{BB962C8B-B14F-4D97-AF65-F5344CB8AC3E}">
-        <p14:creationId xmlns:p14="http://schemas.microsoft.com/office/powerpoint/2010/main" val="559413510"/>
+        <p14:creationId xmlns:p14="http://schemas.microsoft.com/office/powerpoint/2010/main" val="1286972208"/>
       </p:ext>
     </p:extLst>
   </p:cSld>
@@ -3801,13 +4849,13 @@
         <p:spPr/>
         <p:txBody>
           <a:bodyPr>
-            <a:normAutofit fontScale="90000"/>
+            <a:normAutofit/>
           </a:bodyPr>
           <a:lstStyle/>
           <a:p>
             <a:r>
               <a:rPr lang="pt-BR" dirty="0" smtClean="0"/>
-              <a:t>Diagrama Conceitual de Dados</a:t>
+              <a:t>Requisitos Funcionais</a:t>
             </a:r>
             <a:endParaRPr lang="pt-BR" dirty="0"/>
           </a:p>
@@ -3828,10 +4876,30 @@
           <a:bodyPr/>
           <a:lstStyle/>
           <a:p>
-            <a:r>
-              <a:rPr lang="pt-BR" dirty="0" smtClean="0"/>
-              <a:t>Diagrama entidade relacionamento com as expectativas das entidades identificadas neste momento e seus relacionamentos  </a:t>
-            </a:r>
+            <a:pPr lvl="0"/>
+            <a:r>
+              <a:rPr lang="pt-BR" b="1" dirty="0"/>
+              <a:t>RF01</a:t>
+            </a:r>
+            <a:r>
+              <a:rPr lang="pt-BR" dirty="0"/>
+              <a:t> O sistema deverá apresentar um questionário para entrar com as informações necessárias ao diagnostico.</a:t>
+            </a:r>
+            <a:endParaRPr lang="en-US" dirty="0"/>
+          </a:p>
+          <a:p>
+            <a:pPr lvl="0"/>
+            <a:r>
+              <a:rPr lang="pt-BR" b="1" dirty="0"/>
+              <a:t>RF02</a:t>
+            </a:r>
+            <a:r>
+              <a:rPr lang="pt-BR" dirty="0"/>
+              <a:t> O sistema deverá gerar um relatório nos padrões utilizados anteriormente à implantação do mesmo, a fim de prosseguir o fluxo normal das informações do paciente.</a:t>
+            </a:r>
+            <a:endParaRPr lang="en-US" dirty="0"/>
+          </a:p>
+          <a:p>
             <a:endParaRPr lang="pt-BR" dirty="0"/>
           </a:p>
         </p:txBody>
@@ -3839,7 +4907,7 @@
     </p:spTree>
     <p:extLst>
       <p:ext uri="{BB962C8B-B14F-4D97-AF65-F5344CB8AC3E}">
-        <p14:creationId xmlns:p14="http://schemas.microsoft.com/office/powerpoint/2010/main" val="2714990097"/>
+        <p14:creationId xmlns:p14="http://schemas.microsoft.com/office/powerpoint/2010/main" val="559413510"/>
       </p:ext>
     </p:extLst>
   </p:cSld>
@@ -3885,12 +4953,14 @@
         </p:nvSpPr>
         <p:spPr/>
         <p:txBody>
-          <a:bodyPr/>
+          <a:bodyPr>
+            <a:normAutofit/>
+          </a:bodyPr>
           <a:lstStyle/>
           <a:p>
             <a:r>
               <a:rPr lang="pt-BR" dirty="0" smtClean="0"/>
-              <a:t>Vantagens Competitivas</a:t>
+              <a:t>Requisitos Funcionais</a:t>
             </a:r>
             <a:endParaRPr lang="pt-BR" dirty="0"/>
           </a:p>
@@ -3908,27 +4978,43 @@
         </p:nvSpPr>
         <p:spPr/>
         <p:txBody>
-          <a:bodyPr/>
+          <a:bodyPr>
+            <a:normAutofit/>
+          </a:bodyPr>
           <a:lstStyle/>
           <a:p>
-            <a:r>
-              <a:rPr lang="pt-BR" dirty="0" smtClean="0"/>
-              <a:t>Com a utilização do sistema especialista, o fisioterapeuta tera ganho de tempo no desmame do paciente, como também mais segurança em efetuar o mesmo.</a:t>
-            </a:r>
-          </a:p>
-          <a:p>
-            <a:r>
-              <a:rPr lang="pt-BR" dirty="0" smtClean="0"/>
-              <a:t>Nas UTIs irão ter mais vagas livres, pois não só ira diminuir o tempo de um paciente em ventilação mecanica, trará maiores chances de o mesmo precisar voltar a ventilação.</a:t>
-            </a:r>
-            <a:endParaRPr lang="pt-BR" dirty="0" smtClean="0"/>
+            <a:pPr lvl="0"/>
+            <a:r>
+              <a:rPr lang="pt-BR" b="1" dirty="0"/>
+              <a:t>RF03</a:t>
+            </a:r>
+            <a:r>
+              <a:rPr lang="pt-BR" dirty="0"/>
+              <a:t> O sistema deverá ter a opção de diagnostico para paciente recém chegado, informando se há a necessidade de colocá-lo em ventilação mecânica</a:t>
+            </a:r>
+            <a:endParaRPr lang="en-US" dirty="0"/>
+          </a:p>
+          <a:p>
+            <a:pPr lvl="0"/>
+            <a:r>
+              <a:rPr lang="pt-BR" b="1" dirty="0"/>
+              <a:t>RF04</a:t>
+            </a:r>
+            <a:r>
+              <a:rPr lang="pt-BR" dirty="0"/>
+              <a:t> O sistema deverá ter a opção de diagnostico para paciente em ventilação informando se o desmame é recomendado</a:t>
+            </a:r>
+            <a:endParaRPr lang="en-US" dirty="0"/>
+          </a:p>
+          <a:p>
+            <a:endParaRPr lang="pt-BR" dirty="0"/>
           </a:p>
         </p:txBody>
       </p:sp>
     </p:spTree>
     <p:extLst>
       <p:ext uri="{BB962C8B-B14F-4D97-AF65-F5344CB8AC3E}">
-        <p14:creationId xmlns:p14="http://schemas.microsoft.com/office/powerpoint/2010/main" val="3004137010"/>
+        <p14:creationId xmlns:p14="http://schemas.microsoft.com/office/powerpoint/2010/main" val="1967352217"/>
       </p:ext>
     </p:extLst>
   </p:cSld>
@@ -3974,12 +5060,14 @@
         </p:nvSpPr>
         <p:spPr/>
         <p:txBody>
-          <a:bodyPr/>
+          <a:bodyPr>
+            <a:normAutofit/>
+          </a:bodyPr>
           <a:lstStyle/>
           <a:p>
             <a:r>
               <a:rPr lang="pt-BR" dirty="0" smtClean="0"/>
-              <a:t>Conclusão</a:t>
+              <a:t>Requisitos Funcionais</a:t>
             </a:r>
             <a:endParaRPr lang="pt-BR" dirty="0"/>
           </a:p>
@@ -3997,19 +5085,47 @@
         </p:nvSpPr>
         <p:spPr/>
         <p:txBody>
-          <a:bodyPr/>
+          <a:bodyPr>
+            <a:normAutofit/>
+          </a:bodyPr>
           <a:lstStyle/>
           <a:p>
-            <a:r>
-              <a:rPr lang="pt-BR" dirty="0" smtClean="0"/>
-              <a:t>Sabemos que a area de saude no Brasil é precaria, com a ideia do sistema teriamos mais tranquilidade em realizar as ações necessarias para a instalação do ventilador mecanico nos pacientes.</a:t>
-            </a:r>
-          </a:p>
-          <a:p>
-            <a:r>
-              <a:rPr lang="pt-BR" dirty="0" smtClean="0"/>
-              <a:t>A idéa do sistema trara beneficio não só a UTI como tambem ao fisioterapeuta que ficara mais seguro efetuando um desmame, sabendo que a chance do paciente precisar voltar a ventilação mecanica é menor.</a:t>
-            </a:r>
+            <a:pPr lvl="0"/>
+            <a:r>
+              <a:rPr lang="pt-BR" b="1" dirty="0"/>
+              <a:t>RF05</a:t>
+            </a:r>
+            <a:r>
+              <a:rPr lang="pt-BR" dirty="0"/>
+              <a:t> O sistema devera apresentar o índice de sucesso do desmame.</a:t>
+            </a:r>
+            <a:endParaRPr lang="en-US" dirty="0"/>
+          </a:p>
+          <a:p>
+            <a:pPr lvl="0"/>
+            <a:r>
+              <a:rPr lang="pt-BR" b="1" dirty="0"/>
+              <a:t>RF06</a:t>
+            </a:r>
+            <a:r>
+              <a:rPr lang="pt-BR" dirty="0"/>
+              <a:t> O sistema deverá justificar o valor apresentado no índice de desmame para que o fisioterapeuta possa ter mais certeza da precisão do diagnostico passado e decidir se concorda</a:t>
+            </a:r>
+            <a:endParaRPr lang="en-US" dirty="0"/>
+          </a:p>
+          <a:p>
+            <a:pPr lvl="0"/>
+            <a:r>
+              <a:rPr lang="pt-BR" b="1" dirty="0"/>
+              <a:t>RF07</a:t>
+            </a:r>
+            <a:r>
+              <a:rPr lang="pt-BR" dirty="0"/>
+              <a:t> O sistema deverá permitir a inclusão de novas regras</a:t>
+            </a:r>
+            <a:endParaRPr lang="en-US" dirty="0"/>
+          </a:p>
+          <a:p>
             <a:endParaRPr lang="pt-BR" dirty="0"/>
           </a:p>
         </p:txBody>
@@ -4017,20 +5133,134 @@
     </p:spTree>
     <p:extLst>
       <p:ext uri="{BB962C8B-B14F-4D97-AF65-F5344CB8AC3E}">
-        <p14:creationId xmlns:p14="http://schemas.microsoft.com/office/powerpoint/2010/main" val="106888477"/>
+        <p14:creationId xmlns:p14="http://schemas.microsoft.com/office/powerpoint/2010/main" val="3451022275"/>
       </p:ext>
     </p:extLst>
   </p:cSld>
   <p:clrMapOvr>
     <a:masterClrMapping/>
   </p:clrMapOvr>
+  <p:timing>
+    <p:tnLst>
+      <p:par>
+        <p:cTn id="1" dur="indefinite" restart="never" nodeType="tmRoot"/>
+      </p:par>
+    </p:tnLst>
+  </p:timing>
+</p:sld>
+</file>
+
+<file path=ppt/slides/slide9.xml><?xml version="1.0" encoding="utf-8"?>
+<p:sld xmlns:a="http://schemas.openxmlformats.org/drawingml/2006/main" xmlns:r="http://schemas.openxmlformats.org/officeDocument/2006/relationships" xmlns:p="http://schemas.openxmlformats.org/presentationml/2006/main">
+  <p:cSld>
+    <p:spTree>
+      <p:nvGrpSpPr>
+        <p:cNvPr id="1" name=""/>
+        <p:cNvGrpSpPr/>
+        <p:nvPr/>
+      </p:nvGrpSpPr>
+      <p:grpSpPr>
+        <a:xfrm>
+          <a:off x="0" y="0"/>
+          <a:ext cx="0" cy="0"/>
+          <a:chOff x="0" y="0"/>
+          <a:chExt cx="0" cy="0"/>
+        </a:xfrm>
+      </p:grpSpPr>
+      <p:sp>
+        <p:nvSpPr>
+          <p:cNvPr id="2" name="Título 1"/>
+          <p:cNvSpPr>
+            <a:spLocks noGrp="1"/>
+          </p:cNvSpPr>
+          <p:nvPr>
+            <p:ph type="title"/>
+          </p:nvPr>
+        </p:nvSpPr>
+        <p:spPr/>
+        <p:txBody>
+          <a:bodyPr>
+            <a:normAutofit/>
+          </a:bodyPr>
+          <a:lstStyle/>
+          <a:p>
+            <a:r>
+              <a:rPr lang="pt-BR" dirty="0" smtClean="0"/>
+              <a:t>Requisitos Funcionais</a:t>
+            </a:r>
+            <a:endParaRPr lang="pt-BR" dirty="0"/>
+          </a:p>
+        </p:txBody>
+      </p:sp>
+      <p:sp>
+        <p:nvSpPr>
+          <p:cNvPr id="3" name="Espaço Reservado para Conteúdo 2"/>
+          <p:cNvSpPr>
+            <a:spLocks noGrp="1"/>
+          </p:cNvSpPr>
+          <p:nvPr>
+            <p:ph idx="1"/>
+          </p:nvPr>
+        </p:nvSpPr>
+        <p:spPr/>
+        <p:txBody>
+          <a:bodyPr>
+            <a:normAutofit/>
+          </a:bodyPr>
+          <a:lstStyle/>
+          <a:p>
+            <a:pPr lvl="0"/>
+            <a:r>
+              <a:rPr lang="pt-BR" b="1" dirty="0"/>
+              <a:t>RF08</a:t>
+            </a:r>
+            <a:r>
+              <a:rPr lang="pt-BR" dirty="0"/>
+              <a:t> O sistema deverá a partir das respostas dadas no questionário, dar o diagnóstico de desmame junto com os motivos para o mesmo.</a:t>
+            </a:r>
+            <a:endParaRPr lang="en-US" dirty="0"/>
+          </a:p>
+          <a:p>
+            <a:pPr lvl="0"/>
+            <a:r>
+              <a:rPr lang="pt-BR" b="1" dirty="0"/>
+              <a:t>RF09 </a:t>
+            </a:r>
+            <a:r>
+              <a:rPr lang="pt-BR" dirty="0"/>
+              <a:t>O sistema devera informar qual a chance do paciente precisar voltar a ventilação mecânica, se o diagnostico for desmame.</a:t>
+            </a:r>
+            <a:endParaRPr lang="en-US" dirty="0"/>
+          </a:p>
+          <a:p>
+            <a:endParaRPr lang="pt-BR" dirty="0"/>
+          </a:p>
+        </p:txBody>
+      </p:sp>
+    </p:spTree>
+    <p:extLst>
+      <p:ext uri="{BB962C8B-B14F-4D97-AF65-F5344CB8AC3E}">
+        <p14:creationId xmlns:p14="http://schemas.microsoft.com/office/powerpoint/2010/main" val="181494356"/>
+      </p:ext>
+    </p:extLst>
+  </p:cSld>
+  <p:clrMapOvr>
+    <a:masterClrMapping/>
+  </p:clrMapOvr>
+  <p:timing>
+    <p:tnLst>
+      <p:par>
+        <p:cTn id="1" dur="indefinite" restart="never" nodeType="tmRoot"/>
+      </p:par>
+    </p:tnLst>
+  </p:timing>
 </p:sld>
 </file>
 
 <file path=ppt/theme/theme1.xml><?xml version="1.0" encoding="utf-8"?>
-<a:theme xmlns:a="http://schemas.openxmlformats.org/drawingml/2006/main" name="Ápice">
+<a:theme xmlns:a="http://schemas.openxmlformats.org/drawingml/2006/main" name="Foundry">
   <a:themeElements>
-    <a:clrScheme name="Ápice">
+    <a:clrScheme name="Foundry">
       <a:dk1>
         <a:sysClr val="windowText" lastClr="000000"/>
       </a:dk1>
@@ -4038,54 +5268,54 @@
         <a:sysClr val="window" lastClr="FFFFFF"/>
       </a:lt1>
       <a:dk2>
-        <a:srgbClr val="69676D"/>
+        <a:srgbClr val="676A55"/>
       </a:dk2>
       <a:lt2>
-        <a:srgbClr val="C9C2D1"/>
+        <a:srgbClr val="EAEBDE"/>
       </a:lt2>
       <a:accent1>
-        <a:srgbClr val="CEB966"/>
+        <a:srgbClr val="72A376"/>
       </a:accent1>
       <a:accent2>
-        <a:srgbClr val="9CB084"/>
+        <a:srgbClr val="B0CCB0"/>
       </a:accent2>
       <a:accent3>
-        <a:srgbClr val="6BB1C9"/>
+        <a:srgbClr val="A8CDD7"/>
       </a:accent3>
       <a:accent4>
-        <a:srgbClr val="6585CF"/>
+        <a:srgbClr val="C0BEAF"/>
       </a:accent4>
       <a:accent5>
-        <a:srgbClr val="7E6BC9"/>
+        <a:srgbClr val="CEC597"/>
       </a:accent5>
       <a:accent6>
-        <a:srgbClr val="A379BB"/>
+        <a:srgbClr val="E8B7B7"/>
       </a:accent6>
       <a:hlink>
-        <a:srgbClr val="410082"/>
+        <a:srgbClr val="DB5353"/>
       </a:hlink>
       <a:folHlink>
-        <a:srgbClr val="932968"/>
+        <a:srgbClr val="903638"/>
       </a:folHlink>
     </a:clrScheme>
-    <a:fontScheme name="Ápice">
+    <a:fontScheme name="Foundry">
       <a:majorFont>
-        <a:latin typeface="Lucida Sans"/>
+        <a:latin typeface="Rockwell"/>
         <a:ea typeface=""/>
         <a:cs typeface=""/>
-        <a:font script="Grek" typeface="Arial"/>
-        <a:font script="Cyrl" typeface="Arial"/>
-        <a:font script="Jpan" typeface="HG丸ｺﾞｼｯｸM-PRO"/>
-        <a:font script="Hang" typeface="휴먼옛체"/>
-        <a:font script="Hans" typeface="黑体"/>
+        <a:font script="Grek" typeface="Cambria"/>
+        <a:font script="Cyrl" typeface="Cambria"/>
+        <a:font script="Jpan" typeface="HG明朝B"/>
+        <a:font script="Hang" typeface="바탕"/>
+        <a:font script="Hans" typeface="方正姚体"/>
         <a:font script="Hant" typeface="微軟正黑體"/>
-        <a:font script="Arab" typeface="Tahoma"/>
-        <a:font script="Hebr" typeface="Levenim MT"/>
-        <a:font script="Thai" typeface="FreesiaUPC"/>
+        <a:font script="Arab" typeface="Times New Roman"/>
+        <a:font script="Hebr" typeface="David"/>
+        <a:font script="Thai" typeface="JasmineUPC"/>
         <a:font script="Ethi" typeface="Nyala"/>
         <a:font script="Beng" typeface="Vrinda"/>
         <a:font script="Gujr" typeface="Shruti"/>
-        <a:font script="Khmr" typeface="DaunPenh"/>
+        <a:font script="Khmr" typeface="MoolBoran"/>
         <a:font script="Knda" typeface="Tunga"/>
         <a:font script="Guru" typeface="Raavi"/>
         <a:font script="Cans" typeface="Euphemia"/>
@@ -4102,23 +5332,23 @@
         <a:font script="Laoo" typeface="DokChampa"/>
         <a:font script="Sinh" typeface="Iskoola Pota"/>
         <a:font script="Mong" typeface="Mongolian Baiti"/>
-        <a:font script="Viet" typeface="Tahoma"/>
+        <a:font script="Viet" typeface="Arial"/>
         <a:font script="Uigh" typeface="Microsoft Uighur"/>
         <a:font script="Geor" typeface="Sylfaen"/>
       </a:majorFont>
       <a:minorFont>
-        <a:latin typeface="Book Antiqua"/>
+        <a:latin typeface="Rockwell"/>
         <a:ea typeface=""/>
         <a:cs typeface=""/>
-        <a:font script="Grek" typeface="Times New Roman"/>
-        <a:font script="Cyrl" typeface="Times New Roman"/>
+        <a:font script="Grek" typeface="Cambria"/>
+        <a:font script="Cyrl" typeface="Cambria"/>
         <a:font script="Jpan" typeface="HG明朝B"/>
-        <a:font script="Hang" typeface="돋움"/>
-        <a:font script="Hans" typeface="宋体"/>
-        <a:font script="Hant" typeface="新細明體"/>
+        <a:font script="Hang" typeface="바탕"/>
+        <a:font script="Hans" typeface="方正姚体"/>
+        <a:font script="Hant" typeface="標楷體"/>
         <a:font script="Arab" typeface="Times New Roman"/>
         <a:font script="Hebr" typeface="David"/>
-        <a:font script="Thai" typeface="EucrosiaUPC"/>
+        <a:font script="Thai" typeface="JasmineUPC"/>
         <a:font script="Ethi" typeface="Nyala"/>
         <a:font script="Beng" typeface="Vrinda"/>
         <a:font script="Gujr" typeface="Shruti"/>
@@ -4144,78 +5374,68 @@
         <a:font script="Geor" typeface="Sylfaen"/>
       </a:minorFont>
     </a:fontScheme>
-    <a:fmtScheme name="Ápice">
+    <a:fmtScheme name="Foundry">
       <a:fillStyleLst>
         <a:solidFill>
           <a:schemeClr val="phClr"/>
         </a:solidFill>
         <a:gradFill rotWithShape="1">
           <a:gsLst>
-            <a:gs pos="20000">
+            <a:gs pos="0">
               <a:schemeClr val="phClr">
-                <a:tint val="9000"/>
+                <a:tint val="70000"/>
+                <a:satMod val="180000"/>
+              </a:schemeClr>
+            </a:gs>
+            <a:gs pos="62000">
+              <a:schemeClr val="phClr">
+                <a:tint val="30000"/>
+                <a:satMod val="180000"/>
               </a:schemeClr>
             </a:gs>
             <a:gs pos="100000">
               <a:schemeClr val="phClr">
-                <a:tint val="70000"/>
-                <a:satMod val="100000"/>
+                <a:tint val="22000"/>
+                <a:satMod val="180000"/>
               </a:schemeClr>
             </a:gs>
           </a:gsLst>
-          <a:path path="circle">
-            <a:fillToRect l="-15000" t="-15000" r="115000" b="115000"/>
-          </a:path>
+          <a:lin ang="16200000" scaled="0"/>
         </a:gradFill>
         <a:gradFill rotWithShape="1">
           <a:gsLst>
             <a:gs pos="0">
               <a:schemeClr val="phClr">
-                <a:shade val="60000"/>
+                <a:shade val="58000"/>
+                <a:satMod val="150000"/>
               </a:schemeClr>
             </a:gs>
-            <a:gs pos="33000">
+            <a:gs pos="72000">
               <a:schemeClr val="phClr">
-                <a:tint val="86500"/>
-              </a:schemeClr>
-            </a:gs>
-            <a:gs pos="46750">
-              <a:schemeClr val="phClr">
-                <a:tint val="71000"/>
-                <a:satMod val="112000"/>
-              </a:schemeClr>
-            </a:gs>
-            <a:gs pos="53000">
-              <a:schemeClr val="phClr">
-                <a:tint val="71000"/>
-                <a:satMod val="112000"/>
-              </a:schemeClr>
-            </a:gs>
-            <a:gs pos="68000">
-              <a:schemeClr val="phClr">
-                <a:tint val="86000"/>
+                <a:tint val="90000"/>
+                <a:satMod val="135000"/>
               </a:schemeClr>
             </a:gs>
             <a:gs pos="100000">
               <a:schemeClr val="phClr">
-                <a:shade val="60000"/>
+                <a:tint val="80000"/>
+                <a:satMod val="155000"/>
               </a:schemeClr>
             </a:gs>
           </a:gsLst>
-          <a:lin ang="8350000" scaled="1"/>
+          <a:lin ang="16200000" scaled="0"/>
         </a:gradFill>
       </a:fillStyleLst>
       <a:lnStyleLst>
         <a:ln w="9525" cap="flat" cmpd="sng" algn="ctr">
           <a:solidFill>
             <a:schemeClr val="phClr">
-              <a:shade val="48000"/>
-              <a:satMod val="110000"/>
+              <a:shade val="80000"/>
             </a:schemeClr>
           </a:solidFill>
           <a:prstDash val="solid"/>
         </a:ln>
-        <a:ln w="25400" cap="flat" cmpd="sng" algn="ctr">
+        <a:ln w="38100" cap="flat" cmpd="sng" algn="ctr">
           <a:solidFill>
             <a:schemeClr val="phClr"/>
           </a:solidFill>
@@ -4231,27 +5451,27 @@
       <a:effectStyleLst>
         <a:effectStyle>
           <a:effectLst>
-            <a:outerShdw blurRad="130000" dist="101600" dir="2700000" algn="tl" rotWithShape="0">
+            <a:outerShdw blurRad="50800" dist="38100" dir="5400000" rotWithShape="0">
               <a:srgbClr val="000000">
-                <a:alpha val="35000"/>
+                <a:alpha val="43137"/>
               </a:srgbClr>
             </a:outerShdw>
           </a:effectLst>
         </a:effectStyle>
         <a:effectStyle>
           <a:effectLst>
-            <a:outerShdw blurRad="190500" dist="228600" dir="2700000" sy="90000" rotWithShape="0">
+            <a:outerShdw blurRad="50800" dist="38100" dir="5400000" rotWithShape="0">
               <a:srgbClr val="000000">
-                <a:alpha val="25500"/>
+                <a:alpha val="43137"/>
               </a:srgbClr>
             </a:outerShdw>
           </a:effectLst>
         </a:effectStyle>
         <a:effectStyle>
           <a:effectLst>
-            <a:outerShdw blurRad="190500" dist="228600" dir="2700000" sy="90000" rotWithShape="0">
+            <a:outerShdw blurRad="50800" dist="38100" dir="5400000" rotWithShape="0">
               <a:srgbClr val="000000">
-                <a:alpha val="25500"/>
+                <a:alpha val="43137"/>
               </a:srgbClr>
             </a:outerShdw>
           </a:effectLst>
@@ -4260,11 +5480,11 @@
               <a:rot lat="0" lon="0" rev="0"/>
             </a:camera>
             <a:lightRig rig="soft" dir="tl">
-              <a:rot lat="0" lon="0" rev="20100000"/>
+              <a:rot lat="0" lon="0" rev="20000000"/>
             </a:lightRig>
           </a:scene3d>
-          <a:sp3d>
-            <a:bevelT w="50800" h="50800"/>
+          <a:sp3d prstMaterial="matte">
+            <a:bevelT w="63500" h="63500" prst="coolSlant"/>
           </a:sp3d>
         </a:effectStyle>
       </a:effectStyleLst>
@@ -4276,37 +5496,42 @@
           <a:gsLst>
             <a:gs pos="0">
               <a:schemeClr val="phClr">
-                <a:tint val="50000"/>
-                <a:satMod val="180000"/>
+                <a:tint val="75000"/>
+                <a:satMod val="400000"/>
+              </a:schemeClr>
+            </a:gs>
+            <a:gs pos="20000">
+              <a:schemeClr val="phClr">
+                <a:tint val="80000"/>
+                <a:satMod val="355000"/>
               </a:schemeClr>
             </a:gs>
             <a:gs pos="100000">
               <a:schemeClr val="phClr">
-                <a:shade val="45000"/>
-                <a:satMod val="120000"/>
+                <a:tint val="95000"/>
+                <a:shade val="55000"/>
+                <a:satMod val="355000"/>
               </a:schemeClr>
             </a:gs>
           </a:gsLst>
           <a:path path="circle">
-            <a:fillToRect r="100000" b="100000"/>
+            <a:fillToRect l="67500" t="35000" r="32500" b="65000"/>
           </a:path>
         </a:gradFill>
         <a:blipFill>
           <a:blip xmlns:r="http://schemas.openxmlformats.org/officeDocument/2006/relationships" r:embed="rId1">
             <a:duotone>
               <a:schemeClr val="phClr">
-                <a:shade val="3000"/>
-                <a:satMod val="110000"/>
+                <a:shade val="30000"/>
+                <a:satMod val="120000"/>
               </a:schemeClr>
               <a:schemeClr val="phClr">
-                <a:tint val="60000"/>
-                <a:satMod val="425000"/>
+                <a:tint val="70000"/>
+                <a:satMod val="250000"/>
               </a:schemeClr>
             </a:duotone>
           </a:blip>
-          <a:stretch>
-            <a:fillRect/>
-          </a:stretch>
+          <a:tile tx="0" ty="0" sx="50000" sy="50000" flip="none" algn="t"/>
         </a:blipFill>
       </a:bgFillStyleLst>
     </a:fmtScheme>
